--- a/Special Topic - Mini-Review 2 - Project Progress - Aug - Dec 2020 (2).pptx
+++ b/Special Topic - Mini-Review 2 - Project Progress - Aug - Dec 2020 (2).pptx
@@ -116,6 +116,11 @@
       </a:defRPr>
     </a:lvl9pPr>
   </p:defaultTextStyle>
+  <p:extLst>
+    <p:ext uri="{EFAFB233-063F-42B5-8137-9DF3F51BA10A}">
+      <p15:sldGuideLst xmlns:p15="http://schemas.microsoft.com/office/powerpoint/2012/main"/>
+    </p:ext>
+  </p:extLst>
 </p:presentation>
 </file>
 
@@ -8035,7 +8040,7 @@
         </p:nvSpPr>
         <p:spPr>
           <a:xfrm>
-            <a:off x="411480" y="2734920"/>
+            <a:off x="1503162" y="1689891"/>
             <a:ext cx="5897520" cy="1130760"/>
           </a:xfrm>
           <a:prstGeom prst="rect">
@@ -8068,10 +8073,17 @@
               </a:lnSpc>
             </a:pPr>
             <a:r>
-              <a:rPr lang="en-IN" sz="3600" b="0" strike="noStrike" spc="-1">
+              <a:rPr lang="en-IN" sz="3600" b="1" strike="noStrike" spc="-1" dirty="0">
                 <a:solidFill>
                   <a:srgbClr val="FF0000"/>
                 </a:solidFill>
+                <a:effectLst>
+                  <a:outerShdw blurRad="38100" dist="38100" dir="2700000" algn="tl">
+                    <a:srgbClr val="000000">
+                      <a:alpha val="43137"/>
+                    </a:srgbClr>
+                  </a:outerShdw>
+                </a:effectLst>
                 <a:uFill>
                   <a:solidFill>
                     <a:srgbClr val="FFFFFF"/>
@@ -8082,10 +8094,17 @@
               </a:rPr>
               <a:t>Mini-Project Progress Review 2</a:t>
             </a:r>
-            <a:endParaRPr lang="en-IN" sz="1800" b="0" strike="noStrike" spc="-1">
-              <a:solidFill>
-                <a:srgbClr val="000000"/>
-              </a:solidFill>
+            <a:endParaRPr lang="en-IN" sz="1800" b="1" strike="noStrike" spc="-1" dirty="0">
+              <a:solidFill>
+                <a:srgbClr val="000000"/>
+              </a:solidFill>
+              <a:effectLst>
+                <a:outerShdw blurRad="38100" dist="38100" dir="2700000" algn="tl">
+                  <a:srgbClr val="000000">
+                    <a:alpha val="43137"/>
+                  </a:srgbClr>
+                </a:outerShdw>
+              </a:effectLst>
               <a:uFill>
                 <a:solidFill>
                   <a:srgbClr val="FFFFFF"/>
@@ -8100,7 +8119,7 @@
                 <a:spcPct val="100000"/>
               </a:lnSpc>
             </a:pPr>
-            <a:endParaRPr lang="en-IN" sz="1800" b="0" strike="noStrike" spc="-1">
+            <a:endParaRPr lang="en-IN" sz="1800" b="0" strike="noStrike" spc="-1" dirty="0">
               <a:solidFill>
                 <a:srgbClr val="000000"/>
               </a:solidFill>
@@ -8122,7 +8141,7 @@
         </p:nvSpPr>
         <p:spPr>
           <a:xfrm>
-            <a:off x="411480" y="4262039"/>
+            <a:off x="343800" y="3832831"/>
             <a:ext cx="8456400" cy="2168578"/>
           </a:xfrm>
           <a:prstGeom prst="rect">
@@ -8170,7 +8189,7 @@
               <a:t>Project Title     :  </a:t>
             </a:r>
             <a:r>
-              <a:rPr lang="en-IN" sz="1800" b="0" i="0" u="none" strike="noStrike" cap="none" dirty="0">
+              <a:rPr lang="en-IN" sz="1800" b="1" i="0" u="none" strike="noStrike" cap="none" dirty="0">
                 <a:solidFill>
                   <a:srgbClr val="000000"/>
                 </a:solidFill>
@@ -8179,10 +8198,10 @@
                 <a:cs typeface="Trebuchet MS" panose="020B0603020202020204"/>
                 <a:sym typeface="Trebuchet MS" panose="020B0603020202020204"/>
               </a:rPr>
-              <a:t>Network Analyzer and Vi</a:t>
-            </a:r>
-            <a:r>
-              <a:rPr lang="en-IN" sz="1800" dirty="0">
+              <a:t>Network Traffic Analyzer and Vi</a:t>
+            </a:r>
+            <a:r>
+              <a:rPr lang="en-IN" sz="1800" b="1" dirty="0">
                 <a:latin typeface="Trebuchet MS" panose="020B0603020202020204"/>
                 <a:ea typeface="Trebuchet MS" panose="020B0603020202020204"/>
                 <a:cs typeface="Trebuchet MS" panose="020B0603020202020204"/>
@@ -8191,7 +8210,7 @@
               <a:t>s</a:t>
             </a:r>
             <a:r>
-              <a:rPr lang="en-IN" sz="1800" b="0" i="0" u="none" strike="noStrike" cap="none" dirty="0">
+              <a:rPr lang="en-IN" sz="1800" b="1" i="0" u="none" strike="noStrike" cap="none" dirty="0">
                 <a:solidFill>
                   <a:srgbClr val="000000"/>
                 </a:solidFill>
@@ -8202,7 +8221,7 @@
               </a:rPr>
               <a:t>ualizer</a:t>
             </a:r>
-            <a:endParaRPr lang="en-IN" sz="1800" b="0" strike="noStrike" spc="-1" dirty="0">
+            <a:endParaRPr lang="en-IN" sz="1800" b="1" strike="noStrike" spc="-1" dirty="0">
               <a:solidFill>
                 <a:srgbClr val="000000"/>
               </a:solidFill>
@@ -8254,22 +8273,13 @@
               <a:t>Project Guide	: </a:t>
             </a:r>
             <a:r>
-              <a:rPr lang="en-IN" sz="2000" dirty="0" err="1">
+              <a:rPr lang="en-IN" sz="2000" b="1" dirty="0">
                 <a:latin typeface="Trebuchet MS" panose="020B0603020202020204"/>
                 <a:ea typeface="Trebuchet MS" panose="020B0603020202020204"/>
                 <a:cs typeface="Trebuchet MS" panose="020B0603020202020204"/>
                 <a:sym typeface="Trebuchet MS" panose="020B0603020202020204"/>
               </a:rPr>
-              <a:t>Dr.</a:t>
-            </a:r>
-            <a:r>
-              <a:rPr lang="en-IN" sz="2000" dirty="0">
-                <a:latin typeface="Trebuchet MS" panose="020B0603020202020204"/>
-                <a:ea typeface="Trebuchet MS" panose="020B0603020202020204"/>
-                <a:cs typeface="Trebuchet MS" panose="020B0603020202020204"/>
-                <a:sym typeface="Trebuchet MS" panose="020B0603020202020204"/>
-              </a:rPr>
-              <a:t> Sivaraman E</a:t>
+              <a:t>Dr Sivaraman E</a:t>
             </a:r>
             <a:r>
               <a:rPr lang="en-IN" sz="2000" b="0" i="0" u="none" strike="noStrike" cap="none" dirty="0">
@@ -8372,10 +8382,10 @@
               <a:t>Project Team ( Names &amp; USN) 	: </a:t>
             </a:r>
             <a:r>
-              <a:rPr lang="en-IN" sz="1800" dirty="0">
-                <a:latin typeface="Trebuchet MS" panose="020B0603020202020204"/>
+              <a:rPr lang="en-IN" b="1" dirty="0">
+                <a:latin typeface="Arial" panose="020B0604020202020204" pitchFamily="34" charset="0"/>
                 <a:ea typeface="Trebuchet MS" panose="020B0603020202020204"/>
-                <a:cs typeface="Trebuchet MS" panose="020B0603020202020204"/>
+                <a:cs typeface="Arial" panose="020B0604020202020204" pitchFamily="34" charset="0"/>
                 <a:sym typeface="Trebuchet MS" panose="020B0603020202020204"/>
               </a:rPr>
               <a:t>Vaibhav Raj (PES1UG19CS554)</a:t>
@@ -8395,18 +8405,18 @@
               <a:buNone/>
             </a:pPr>
             <a:r>
-              <a:rPr lang="en-IN" sz="1800" dirty="0">
-                <a:latin typeface="Trebuchet MS" panose="020B0603020202020204"/>
+              <a:rPr lang="en-IN" b="1" dirty="0">
+                <a:latin typeface="Arial" panose="020B0604020202020204" pitchFamily="34" charset="0"/>
                 <a:ea typeface="Trebuchet MS" panose="020B0603020202020204"/>
-                <a:cs typeface="Trebuchet MS" panose="020B0603020202020204"/>
+                <a:cs typeface="Arial" panose="020B0604020202020204" pitchFamily="34" charset="0"/>
                 <a:sym typeface="Trebuchet MS" panose="020B0603020202020204"/>
               </a:rPr>
-              <a:t>   Divyansh Raina (PES1UG19CS149)</a:t>
-            </a:r>
-            <a:endParaRPr lang="en-IN" sz="1800" b="0" i="0" u="none" strike="noStrike" cap="none" dirty="0">
-              <a:latin typeface="Arial" panose="020B0604020202020204"/>
+              <a:t>   		   Divyansh Raina (PES1UG19CS149)</a:t>
+            </a:r>
+            <a:endParaRPr lang="en-IN" b="1" i="0" u="none" strike="noStrike" cap="none" dirty="0">
+              <a:latin typeface="Arial" panose="020B0604020202020204" pitchFamily="34" charset="0"/>
               <a:ea typeface="Arial" panose="020B0604020202020204"/>
-              <a:cs typeface="Arial" panose="020B0604020202020204"/>
+              <a:cs typeface="Arial" panose="020B0604020202020204" pitchFamily="34" charset="0"/>
               <a:sym typeface="Arial" panose="020B0604020202020204"/>
             </a:endParaRPr>
           </a:p>
@@ -8424,13 +8434,16 @@
               <a:buNone/>
             </a:pPr>
             <a:r>
-              <a:rPr lang="en-IN" sz="1800" dirty="0"/>
+              <a:rPr lang="en-IN" b="1" dirty="0">
+                <a:latin typeface="Arial" panose="020B0604020202020204" pitchFamily="34" charset="0"/>
+                <a:cs typeface="Arial" panose="020B0604020202020204" pitchFamily="34" charset="0"/>
+              </a:rPr>
               <a:t>				   Ashwin K (PES1UG19CS095)</a:t>
             </a:r>
-            <a:endParaRPr lang="en-IN" sz="1800" b="0" i="0" u="none" strike="noStrike" cap="none" dirty="0">
-              <a:latin typeface="Arial" panose="020B0604020202020204"/>
+            <a:endParaRPr lang="en-IN" b="1" i="0" u="none" strike="noStrike" cap="none" dirty="0">
+              <a:latin typeface="Arial" panose="020B0604020202020204" pitchFamily="34" charset="0"/>
               <a:ea typeface="Arial" panose="020B0604020202020204"/>
-              <a:cs typeface="Arial" panose="020B0604020202020204"/>
+              <a:cs typeface="Arial" panose="020B0604020202020204" pitchFamily="34" charset="0"/>
               <a:sym typeface="Arial" panose="020B0604020202020204"/>
             </a:endParaRPr>
           </a:p>
@@ -8440,16 +8453,17 @@
                 <a:spcPct val="100000"/>
               </a:lnSpc>
             </a:pPr>
-            <a:endParaRPr lang="en-IN" sz="1800" b="0" strike="noStrike" spc="-1" dirty="0">
-              <a:solidFill>
-                <a:srgbClr val="000000"/>
-              </a:solidFill>
-              <a:uFill>
-                <a:solidFill>
-                  <a:srgbClr val="FFFFFF"/>
-                </a:solidFill>
-              </a:uFill>
-              <a:latin typeface="Arial"/>
+            <a:endParaRPr lang="en-IN" b="0" strike="noStrike" spc="-1" dirty="0">
+              <a:solidFill>
+                <a:srgbClr val="000000"/>
+              </a:solidFill>
+              <a:uFill>
+                <a:solidFill>
+                  <a:srgbClr val="FFFFFF"/>
+                </a:solidFill>
+              </a:uFill>
+              <a:latin typeface="Arial" panose="020B0604020202020204" pitchFamily="34" charset="0"/>
+              <a:cs typeface="Arial" panose="020B0604020202020204" pitchFamily="34" charset="0"/>
             </a:endParaRPr>
           </a:p>
           <a:p>
@@ -8647,224 +8661,90 @@
       </p:sp>
       <p:sp>
         <p:nvSpPr>
-          <p:cNvPr id="144" name="CustomShape 3"/>
-          <p:cNvSpPr/>
-          <p:nvPr/>
-        </p:nvSpPr>
-        <p:spPr>
-          <a:xfrm>
-            <a:off x="0" y="1617840"/>
-            <a:ext cx="7372800" cy="4722480"/>
-          </a:xfrm>
-          <a:prstGeom prst="rect">
-            <a:avLst/>
-          </a:prstGeom>
-          <a:noFill/>
-          <a:ln>
-            <a:noFill/>
-          </a:ln>
-        </p:spPr>
-        <p:style>
-          <a:lnRef idx="0">
-            <a:scrgbClr r="0" g="0" b="0"/>
-          </a:lnRef>
-          <a:fillRef idx="0">
-            <a:scrgbClr r="0" g="0" b="0"/>
-          </a:fillRef>
-          <a:effectRef idx="0">
-            <a:scrgbClr r="0" g="0" b="0"/>
-          </a:effectRef>
-          <a:fontRef idx="minor"/>
-        </p:style>
-        <p:txBody>
-          <a:bodyPr lIns="90000" tIns="45000" rIns="90000" bIns="45000" anchor="ctr"/>
-          <a:lstStyle/>
-          <a:p>
-            <a:pPr marL="457200" algn="just">
-              <a:lnSpc>
-                <a:spcPct val="100000"/>
-              </a:lnSpc>
+          <p:cNvPr id="3" name="Text Placeholder 2">
+            <a:extLst>
+              <a:ext uri="{FF2B5EF4-FFF2-40B4-BE49-F238E27FC236}">
+                <a16:creationId xmlns:a16="http://schemas.microsoft.com/office/drawing/2014/main" id="{A4C5088B-9E34-4458-89B2-736B04F5EB02}"/>
+              </a:ext>
+            </a:extLst>
+          </p:cNvPr>
+          <p:cNvSpPr>
+            <a:spLocks noGrp="1"/>
+          </p:cNvSpPr>
+          <p:nvPr>
+            <p:ph type="body"/>
+          </p:nvPr>
+        </p:nvSpPr>
+        <p:spPr>
+          <a:xfrm>
+            <a:off x="382556" y="1949753"/>
+            <a:ext cx="8229240" cy="3977280"/>
+          </a:xfrm>
+        </p:spPr>
+        <p:txBody>
+          <a:bodyPr/>
+          <a:lstStyle/>
+          <a:p>
+            <a:pPr marL="0" indent="0">
+              <a:buNone/>
             </a:pPr>
             <a:r>
-              <a:rPr lang="en-IN" sz="1800" b="1" strike="noStrike" spc="-1" dirty="0">
-                <a:solidFill>
-                  <a:srgbClr val="0033CC"/>
-                </a:solidFill>
-                <a:uFill>
-                  <a:solidFill>
-                    <a:srgbClr val="FFFFFF"/>
-                  </a:solidFill>
-                </a:uFill>
-                <a:latin typeface="Trebuchet MS"/>
-                <a:ea typeface="Trebuchet MS"/>
+              <a:rPr lang="en-IN" sz="2400" b="1" dirty="0">
+                <a:solidFill>
+                  <a:srgbClr val="002060"/>
+                </a:solidFill>
               </a:rPr>
-              <a:t>Provide a basic introduction of the Project </a:t>
-            </a:r>
-            <a:endParaRPr lang="en-IN" sz="1800" b="0" strike="noStrike" spc="-1" dirty="0">
-              <a:solidFill>
-                <a:srgbClr val="000000"/>
-              </a:solidFill>
-              <a:uFill>
-                <a:solidFill>
-                  <a:srgbClr val="FFFFFF"/>
-                </a:solidFill>
-              </a:uFill>
-              <a:latin typeface="Arial"/>
-            </a:endParaRPr>
-          </a:p>
-          <a:p>
-            <a:pPr marL="457200" algn="just">
-              <a:lnSpc>
-                <a:spcPct val="100000"/>
-              </a:lnSpc>
+              <a:t>Abstract:</a:t>
+            </a:r>
+          </a:p>
+          <a:p>
+            <a:pPr marL="0" indent="0">
+              <a:buNone/>
             </a:pPr>
             <a:r>
-              <a:rPr lang="en-IN" sz="1800" b="1" strike="noStrike" spc="-1" dirty="0">
-                <a:solidFill>
-                  <a:srgbClr val="0033CC"/>
-                </a:solidFill>
-                <a:uFill>
-                  <a:solidFill>
-                    <a:srgbClr val="FFFFFF"/>
-                  </a:solidFill>
-                </a:uFill>
-                <a:latin typeface="Trebuchet MS"/>
-                <a:ea typeface="Trebuchet MS"/>
+              <a:rPr lang="en-IN" sz="2400" dirty="0">
+                <a:solidFill>
+                  <a:srgbClr val="002060"/>
+                </a:solidFill>
               </a:rPr>
-              <a:t>and also an overview of the scope it entails.</a:t>
-            </a:r>
-          </a:p>
-          <a:p>
-            <a:pPr marL="457200" algn="just">
-              <a:lnSpc>
-                <a:spcPct val="100000"/>
-              </a:lnSpc>
+              <a:t>It analyses the traffic coming to a server and collects information about the traffic and presents the data in a graphical manner.</a:t>
+            </a:r>
+          </a:p>
+          <a:p>
+            <a:pPr marL="0" indent="0">
+              <a:buNone/>
             </a:pPr>
-            <a:r>
-              <a:rPr lang="en-IN" b="1" spc="-1" dirty="0">
-                <a:solidFill>
-                  <a:srgbClr val="0033CC"/>
-                </a:solidFill>
-                <a:uFill>
-                  <a:solidFill>
-                    <a:srgbClr val="FFFFFF"/>
-                  </a:solidFill>
-                </a:uFill>
-                <a:latin typeface="Trebuchet MS"/>
-                <a:ea typeface="Trebuchet MS"/>
+            <a:endParaRPr lang="en-IN" sz="2400" dirty="0">
+              <a:solidFill>
+                <a:srgbClr val="002060"/>
+              </a:solidFill>
+            </a:endParaRPr>
+          </a:p>
+          <a:p>
+            <a:pPr marL="0" indent="0">
+              <a:buNone/>
+            </a:pPr>
+            <a:r>
+              <a:rPr lang="en-IN" sz="2400" b="1" dirty="0">
+                <a:solidFill>
+                  <a:srgbClr val="002060"/>
+                </a:solidFill>
               </a:rPr>
-              <a:t>Inorder to</a:t>
-            </a:r>
-            <a:r>
-              <a:rPr lang="en-IN" sz="1800" b="1" strike="noStrike" spc="-1" dirty="0">
-                <a:solidFill>
-                  <a:srgbClr val="0033CC"/>
-                </a:solidFill>
-                <a:uFill>
-                  <a:solidFill>
-                    <a:srgbClr val="FFFFFF"/>
-                  </a:solidFill>
-                </a:uFill>
-                <a:latin typeface="Trebuchet MS"/>
-                <a:ea typeface="Trebuchet MS"/>
+              <a:t>Scope:</a:t>
+            </a:r>
+          </a:p>
+          <a:p>
+            <a:pPr marL="0" indent="0">
+              <a:buNone/>
+            </a:pPr>
+            <a:r>
+              <a:rPr lang="en-IN" sz="2400" dirty="0">
+                <a:solidFill>
+                  <a:srgbClr val="002060"/>
+                </a:solidFill>
               </a:rPr>
-              <a:t> provide a good </a:t>
-            </a:r>
-            <a:r>
-              <a:rPr lang="en-IN" sz="1800" b="1" strike="noStrike" spc="-1">
-                <a:solidFill>
-                  <a:srgbClr val="0033CC"/>
-                </a:solidFill>
-                <a:uFill>
-                  <a:solidFill>
-                    <a:srgbClr val="FFFFFF"/>
-                  </a:solidFill>
-                </a:uFill>
-                <a:latin typeface="Trebuchet MS"/>
-                <a:ea typeface="Trebuchet MS"/>
-              </a:rPr>
-              <a:t>internet connection , to </a:t>
-            </a:r>
-            <a:r>
-              <a:rPr lang="en-IN" sz="1800" b="1" strike="noStrike" spc="-1" dirty="0">
-                <a:solidFill>
-                  <a:srgbClr val="0033CC"/>
-                </a:solidFill>
-                <a:uFill>
-                  <a:solidFill>
-                    <a:srgbClr val="FFFFFF"/>
-                  </a:solidFill>
-                </a:uFill>
-                <a:latin typeface="Trebuchet MS"/>
-                <a:ea typeface="Trebuchet MS"/>
-              </a:rPr>
-              <a:t>ensure that all traffics are handled properly without any breakdown in a cost effective manner</a:t>
-            </a:r>
-            <a:endParaRPr lang="en-IN" sz="1800" b="0" strike="noStrike" spc="-1" dirty="0">
-              <a:solidFill>
-                <a:srgbClr val="000000"/>
-              </a:solidFill>
-              <a:uFill>
-                <a:solidFill>
-                  <a:srgbClr val="FFFFFF"/>
-                </a:solidFill>
-              </a:uFill>
-              <a:latin typeface="Arial"/>
-            </a:endParaRPr>
-          </a:p>
-          <a:p>
-            <a:pPr marL="457200" algn="just">
-              <a:lnSpc>
-                <a:spcPct val="100000"/>
-              </a:lnSpc>
-            </a:pPr>
-            <a:endParaRPr lang="en-IN" sz="1800" b="0" strike="noStrike" spc="-1" dirty="0">
-              <a:solidFill>
-                <a:srgbClr val="000000"/>
-              </a:solidFill>
-              <a:uFill>
-                <a:solidFill>
-                  <a:srgbClr val="FFFFFF"/>
-                </a:solidFill>
-              </a:uFill>
-              <a:latin typeface="Arial"/>
-            </a:endParaRPr>
-          </a:p>
-          <a:p>
-            <a:pPr marL="457200" algn="just">
-              <a:lnSpc>
-                <a:spcPct val="100000"/>
-              </a:lnSpc>
-            </a:pPr>
-            <a:endParaRPr lang="en-IN" sz="1800" b="0" strike="noStrike" spc="-1" dirty="0">
-              <a:solidFill>
-                <a:srgbClr val="000000"/>
-              </a:solidFill>
-              <a:uFill>
-                <a:solidFill>
-                  <a:srgbClr val="FFFFFF"/>
-                </a:solidFill>
-              </a:uFill>
-              <a:latin typeface="Arial"/>
-            </a:endParaRPr>
-          </a:p>
-          <a:p>
-            <a:pPr marL="457200" algn="just">
-              <a:lnSpc>
-                <a:spcPct val="100000"/>
-              </a:lnSpc>
-            </a:pPr>
-            <a:endParaRPr lang="en-IN" sz="1800" b="0" strike="noStrike" spc="-1" dirty="0">
-              <a:solidFill>
-                <a:srgbClr val="000000"/>
-              </a:solidFill>
-              <a:uFill>
-                <a:solidFill>
-                  <a:srgbClr val="FFFFFF"/>
-                </a:solidFill>
-              </a:uFill>
-              <a:latin typeface="Arial"/>
-            </a:endParaRPr>
+              <a:t>To Provide data to be used to provide edge computing solutions to ensure low latency, good network performance, high bandwidths for applications and services which are very critical and sophisticated.</a:t>
+            </a:r>
           </a:p>
         </p:txBody>
       </p:sp>
@@ -8989,7 +8869,7 @@
           <a:bodyPr lIns="90000" tIns="45000" rIns="90000" bIns="45000"/>
           <a:lstStyle/>
           <a:p>
-            <a:pPr marL="342720" indent="12600" algn="just">
+            <a:pPr marL="342720" algn="just">
               <a:lnSpc>
                 <a:spcPct val="100000"/>
               </a:lnSpc>
@@ -8997,13 +8877,11 @@
                 <a:srgbClr val="000000"/>
               </a:buClr>
               <a:buSzPct val="45000"/>
-              <a:buFont typeface="Symbol"/>
-              <a:buChar char=""/>
             </a:pPr>
             <a:r>
-              <a:rPr lang="en-IN" sz="2400" b="0" strike="noStrike" spc="-1">
-                <a:solidFill>
-                  <a:srgbClr val="0000FF"/>
+              <a:rPr lang="en-IN" sz="2400" b="1" spc="-1" dirty="0">
+                <a:solidFill>
+                  <a:srgbClr val="002060"/>
                 </a:solidFill>
                 <a:uFill>
                   <a:solidFill>
@@ -9011,24 +8889,12 @@
                   </a:solidFill>
                 </a:uFill>
                 <a:latin typeface="Trebuchet MS"/>
-                <a:ea typeface="DejaVu Sans"/>
               </a:rPr>
-              <a:t> </a:t>
-            </a:r>
-            <a:endParaRPr lang="en-IN" sz="1800" b="0" strike="noStrike" spc="-1">
-              <a:solidFill>
-                <a:srgbClr val="000000"/>
-              </a:solidFill>
-              <a:uFill>
-                <a:solidFill>
-                  <a:srgbClr val="FFFFFF"/>
-                </a:solidFill>
-              </a:uFill>
-              <a:latin typeface="Arial"/>
-            </a:endParaRPr>
-          </a:p>
-          <a:p>
-            <a:pPr marL="342720" indent="12600" algn="just">
+              <a:t>Suggestion:</a:t>
+            </a:r>
+          </a:p>
+          <a:p>
+            <a:pPr marL="342720" algn="just">
               <a:lnSpc>
                 <a:spcPct val="100000"/>
               </a:lnSpc>
@@ -9036,13 +8902,33 @@
                 <a:srgbClr val="000000"/>
               </a:buClr>
               <a:buSzPct val="45000"/>
-              <a:buFont typeface="Symbol"/>
-              <a:buChar char=""/>
             </a:pPr>
-            <a:r>
-              <a:rPr lang="en-IN" sz="2400" b="0" strike="noStrike" spc="-1">
-                <a:solidFill>
-                  <a:srgbClr val="0000FF"/>
+            <a:endParaRPr lang="en-IN" sz="2400" b="0" strike="noStrike" spc="-1" dirty="0">
+              <a:solidFill>
+                <a:srgbClr val="002060"/>
+              </a:solidFill>
+              <a:uFill>
+                <a:solidFill>
+                  <a:srgbClr val="FFFFFF"/>
+                </a:solidFill>
+              </a:uFill>
+              <a:latin typeface="Trebuchet MS"/>
+            </a:endParaRPr>
+          </a:p>
+          <a:p>
+            <a:pPr marL="342720" algn="just">
+              <a:lnSpc>
+                <a:spcPct val="100000"/>
+              </a:lnSpc>
+              <a:buClr>
+                <a:srgbClr val="000000"/>
+              </a:buClr>
+              <a:buSzPct val="45000"/>
+            </a:pPr>
+            <a:r>
+              <a:rPr lang="en-IN" sz="2400" spc="-1" dirty="0">
+                <a:solidFill>
+                  <a:srgbClr val="002060"/>
                 </a:solidFill>
                 <a:uFill>
                   <a:solidFill>
@@ -9050,38 +8936,13 @@
                   </a:solidFill>
                 </a:uFill>
                 <a:latin typeface="Trebuchet MS"/>
-                <a:ea typeface="DejaVu Sans"/>
               </a:rPr>
-              <a:t> </a:t>
-            </a:r>
-            <a:endParaRPr lang="en-IN" sz="1800" b="0" strike="noStrike" spc="-1">
-              <a:solidFill>
-                <a:srgbClr val="000000"/>
-              </a:solidFill>
-              <a:uFill>
-                <a:solidFill>
-                  <a:srgbClr val="FFFFFF"/>
-                </a:solidFill>
-              </a:uFill>
-              <a:latin typeface="Arial"/>
-            </a:endParaRPr>
-          </a:p>
-          <a:p>
-            <a:pPr marL="342720" indent="12600" algn="just">
-              <a:lnSpc>
-                <a:spcPct val="100000"/>
-              </a:lnSpc>
-              <a:buClr>
-                <a:srgbClr val="000000"/>
-              </a:buClr>
-              <a:buSzPct val="45000"/>
-              <a:buFont typeface="Symbol"/>
-              <a:buChar char=""/>
-            </a:pPr>
-            <a:r>
-              <a:rPr lang="en-IN" sz="2400" b="0" strike="noStrike" spc="-1">
-                <a:solidFill>
-                  <a:srgbClr val="0000FF"/>
+              <a:t>For generating traffic we were suggested to come up with something better than </a:t>
+            </a:r>
+            <a:r>
+              <a:rPr lang="en-IN" sz="2400" spc="-1" dirty="0" err="1">
+                <a:solidFill>
+                  <a:srgbClr val="002060"/>
                 </a:solidFill>
                 <a:uFill>
                   <a:solidFill>
@@ -9089,38 +8950,13 @@
                   </a:solidFill>
                 </a:uFill>
                 <a:latin typeface="Trebuchet MS"/>
-                <a:ea typeface="DejaVu Sans"/>
               </a:rPr>
-              <a:t> Provide the suggestions and remarks given by </a:t>
-            </a:r>
-            <a:endParaRPr lang="en-IN" sz="1800" b="0" strike="noStrike" spc="-1">
-              <a:solidFill>
-                <a:srgbClr val="000000"/>
-              </a:solidFill>
-              <a:uFill>
-                <a:solidFill>
-                  <a:srgbClr val="FFFFFF"/>
-                </a:solidFill>
-              </a:uFill>
-              <a:latin typeface="Arial"/>
-            </a:endParaRPr>
-          </a:p>
-          <a:p>
-            <a:pPr marL="342720" indent="12600" algn="just">
-              <a:lnSpc>
-                <a:spcPct val="100000"/>
-              </a:lnSpc>
-              <a:buClr>
-                <a:srgbClr val="000000"/>
-              </a:buClr>
-              <a:buSzPct val="45000"/>
-              <a:buFont typeface="Symbol"/>
-              <a:buChar char=""/>
-            </a:pPr>
-            <a:r>
-              <a:rPr lang="en-IN" sz="2400" b="0" strike="noStrike" spc="-1">
-                <a:solidFill>
-                  <a:srgbClr val="0000FF"/>
+              <a:t>nping</a:t>
+            </a:r>
+            <a:r>
+              <a:rPr lang="en-IN" sz="2400" spc="-1" dirty="0">
+                <a:solidFill>
+                  <a:srgbClr val="002060"/>
                 </a:solidFill>
                 <a:uFill>
                   <a:solidFill>
@@ -9128,24 +8964,12 @@
                   </a:solidFill>
                 </a:uFill>
                 <a:latin typeface="Trebuchet MS"/>
-                <a:ea typeface="DejaVu Sans"/>
               </a:rPr>
-              <a:t> the panel members. </a:t>
-            </a:r>
-            <a:endParaRPr lang="en-IN" sz="1800" b="0" strike="noStrike" spc="-1">
-              <a:solidFill>
-                <a:srgbClr val="000000"/>
-              </a:solidFill>
-              <a:uFill>
-                <a:solidFill>
-                  <a:srgbClr val="FFFFFF"/>
-                </a:solidFill>
-              </a:uFill>
-              <a:latin typeface="Arial"/>
-            </a:endParaRPr>
-          </a:p>
-          <a:p>
-            <a:pPr marL="342720" indent="12600" algn="just">
+              <a:t> .</a:t>
+            </a:r>
+          </a:p>
+          <a:p>
+            <a:pPr marL="342720" algn="just">
               <a:lnSpc>
                 <a:spcPct val="100000"/>
               </a:lnSpc>
@@ -9153,38 +8977,21 @@
                 <a:srgbClr val="000000"/>
               </a:buClr>
               <a:buSzPct val="45000"/>
-              <a:buFont typeface="Symbol"/>
-              <a:buChar char=""/>
             </a:pPr>
-            <a:r>
-              <a:rPr lang="en-IN" sz="1800" b="0" strike="noStrike" spc="-1">
-                <a:solidFill>
-                  <a:srgbClr val="000000"/>
-                </a:solidFill>
-                <a:uFill>
-                  <a:solidFill>
-                    <a:srgbClr val="FFFFFF"/>
-                  </a:solidFill>
-                </a:uFill>
-                <a:latin typeface="Arial"/>
-                <a:ea typeface="DejaVu Sans"/>
-              </a:rPr>
-              <a:t> </a:t>
-            </a:r>
-            <a:endParaRPr lang="en-IN" sz="1800" b="0" strike="noStrike" spc="-1">
-              <a:solidFill>
-                <a:srgbClr val="000000"/>
-              </a:solidFill>
-              <a:uFill>
-                <a:solidFill>
-                  <a:srgbClr val="FFFFFF"/>
-                </a:solidFill>
-              </a:uFill>
-              <a:latin typeface="Arial"/>
-            </a:endParaRPr>
-          </a:p>
-          <a:p>
-            <a:pPr marL="342720" indent="12600" algn="just">
+            <a:endParaRPr lang="en-IN" sz="2400" b="0" strike="noStrike" spc="-1" dirty="0">
+              <a:solidFill>
+                <a:srgbClr val="002060"/>
+              </a:solidFill>
+              <a:uFill>
+                <a:solidFill>
+                  <a:srgbClr val="FFFFFF"/>
+                </a:solidFill>
+              </a:uFill>
+              <a:latin typeface="Trebuchet MS"/>
+            </a:endParaRPr>
+          </a:p>
+          <a:p>
+            <a:pPr marL="342720" algn="just">
               <a:lnSpc>
                 <a:spcPct val="100000"/>
               </a:lnSpc>
@@ -9192,13 +8999,33 @@
                 <a:srgbClr val="000000"/>
               </a:buClr>
               <a:buSzPct val="45000"/>
-              <a:buFont typeface="Symbol"/>
-              <a:buChar char=""/>
             </a:pPr>
-            <a:r>
-              <a:rPr lang="en-IN" sz="2400" b="0" strike="noStrike" spc="-1">
-                <a:solidFill>
-                  <a:srgbClr val="0000FF"/>
+            <a:endParaRPr lang="en-IN" sz="2400" spc="-1" dirty="0">
+              <a:solidFill>
+                <a:srgbClr val="002060"/>
+              </a:solidFill>
+              <a:uFill>
+                <a:solidFill>
+                  <a:srgbClr val="FFFFFF"/>
+                </a:solidFill>
+              </a:uFill>
+              <a:latin typeface="Trebuchet MS"/>
+            </a:endParaRPr>
+          </a:p>
+          <a:p>
+            <a:pPr marL="342720" algn="just">
+              <a:lnSpc>
+                <a:spcPct val="100000"/>
+              </a:lnSpc>
+              <a:buClr>
+                <a:srgbClr val="000000"/>
+              </a:buClr>
+              <a:buSzPct val="45000"/>
+            </a:pPr>
+            <a:r>
+              <a:rPr lang="en-IN" sz="2600" b="1" strike="noStrike" spc="-1" dirty="0">
+                <a:solidFill>
+                  <a:srgbClr val="002060"/>
                 </a:solidFill>
                 <a:uFill>
                   <a:solidFill>
@@ -9206,24 +9033,12 @@
                   </a:solidFill>
                 </a:uFill>
                 <a:latin typeface="Trebuchet MS"/>
-                <a:ea typeface="DejaVu Sans"/>
               </a:rPr>
-              <a:t> Mention the feasibility on the same showing </a:t>
-            </a:r>
-            <a:endParaRPr lang="en-IN" sz="1800" b="0" strike="noStrike" spc="-1">
-              <a:solidFill>
-                <a:srgbClr val="000000"/>
-              </a:solidFill>
-              <a:uFill>
-                <a:solidFill>
-                  <a:srgbClr val="FFFFFF"/>
-                </a:solidFill>
-              </a:uFill>
-              <a:latin typeface="Arial"/>
-            </a:endParaRPr>
-          </a:p>
-          <a:p>
-            <a:pPr marL="342720" indent="12600" algn="just">
+              <a:t>Progress:</a:t>
+            </a:r>
+          </a:p>
+          <a:p>
+            <a:pPr marL="342720" algn="just">
               <a:lnSpc>
                 <a:spcPct val="100000"/>
               </a:lnSpc>
@@ -9231,13 +9046,33 @@
                 <a:srgbClr val="000000"/>
               </a:buClr>
               <a:buSzPct val="45000"/>
-              <a:buFont typeface="Symbol"/>
-              <a:buChar char=""/>
             </a:pPr>
-            <a:r>
-              <a:rPr lang="en-IN" sz="2400" b="0" strike="noStrike" spc="-1">
-                <a:solidFill>
-                  <a:srgbClr val="0000FF"/>
+            <a:endParaRPr lang="en-IN" sz="2400" spc="-1" dirty="0">
+              <a:solidFill>
+                <a:srgbClr val="002060"/>
+              </a:solidFill>
+              <a:uFill>
+                <a:solidFill>
+                  <a:srgbClr val="FFFFFF"/>
+                </a:solidFill>
+              </a:uFill>
+              <a:latin typeface="Trebuchet MS"/>
+            </a:endParaRPr>
+          </a:p>
+          <a:p>
+            <a:pPr marL="342720" algn="just">
+              <a:lnSpc>
+                <a:spcPct val="100000"/>
+              </a:lnSpc>
+              <a:buClr>
+                <a:srgbClr val="000000"/>
+              </a:buClr>
+              <a:buSzPct val="45000"/>
+            </a:pPr>
+            <a:r>
+              <a:rPr lang="en-IN" sz="2400" b="0" strike="noStrike" spc="-1" dirty="0">
+                <a:solidFill>
+                  <a:srgbClr val="002060"/>
                 </a:solidFill>
                 <a:uFill>
                   <a:solidFill>
@@ -9245,13 +9080,12 @@
                   </a:solidFill>
                 </a:uFill>
                 <a:latin typeface="Trebuchet MS"/>
-                <a:ea typeface="DejaVu Sans"/>
               </a:rPr>
-              <a:t> the progress.</a:t>
-            </a:r>
-            <a:endParaRPr lang="en-IN" sz="1800" b="0" strike="noStrike" spc="-1">
-              <a:solidFill>
-                <a:srgbClr val="000000"/>
+              <a:t>We decided to create a simple python program which generates traffic using proxies so that the traffic seems to come from different locations.</a:t>
+            </a:r>
+            <a:endParaRPr lang="en-IN" sz="1800" b="0" strike="noStrike" spc="-1" dirty="0">
+              <a:solidFill>
+                <a:srgbClr val="002060"/>
               </a:solidFill>
               <a:uFill>
                 <a:solidFill>
@@ -9522,81 +9356,22 @@
           <a:bodyPr lIns="90000" tIns="45000" rIns="90000" bIns="45000"/>
           <a:lstStyle/>
           <a:p>
-            <a:pPr marL="1077595" marR="0" lvl="1" indent="-262890" algn="just" rtl="0">
+            <a:pPr algn="just">
               <a:lnSpc>
                 <a:spcPct val="100000"/>
               </a:lnSpc>
-              <a:spcBef>
-                <a:spcPts val="480"/>
-              </a:spcBef>
-              <a:spcAft>
-                <a:spcPts val="0"/>
-              </a:spcAft>
-              <a:buClr>
-                <a:srgbClr val="0000FF"/>
-              </a:buClr>
-              <a:buSzPts val="2400"/>
-              <a:buFont typeface="Noto Sans Symbols"/>
-              <a:buChar char="▪"/>
             </a:pPr>
-            <a:r>
-              <a:rPr lang="en-IN" sz="2400" b="0" strike="noStrike" spc="-1" dirty="0">
-                <a:solidFill>
-                  <a:srgbClr val="0000FF"/>
-                </a:solidFill>
-                <a:uFill>
-                  <a:solidFill>
-                    <a:srgbClr val="FFFFFF"/>
-                  </a:solidFill>
-                </a:uFill>
-                <a:latin typeface="Trebuchet MS"/>
-                <a:ea typeface="DejaVu Sans"/>
-              </a:rPr>
-              <a:t> </a:t>
-            </a:r>
-            <a:r>
-              <a:rPr lang="en-IN" sz="1800" b="0" i="0" u="none" strike="noStrike" cap="none" dirty="0">
-                <a:solidFill>
-                  <a:srgbClr val="064EC6"/>
-                </a:solidFill>
-                <a:latin typeface="Arial" panose="020B0604020202020204"/>
-                <a:ea typeface="Arial" panose="020B0604020202020204"/>
-                <a:cs typeface="Arial" panose="020B0604020202020204"/>
-                <a:sym typeface="Arial" panose="020B0604020202020204"/>
-              </a:rPr>
-              <a:t>Scaling up an Edge Server Deployment-by</a:t>
-            </a:r>
-          </a:p>
-          <a:p>
-            <a:pPr marL="1077595" marR="0" lvl="1" indent="-262890" algn="just" rtl="0">
-              <a:lnSpc>
-                <a:spcPct val="100000"/>
-              </a:lnSpc>
-              <a:spcBef>
-                <a:spcPts val="480"/>
-              </a:spcBef>
-              <a:spcAft>
-                <a:spcPts val="0"/>
-              </a:spcAft>
-              <a:buClr>
-                <a:srgbClr val="0000FF"/>
-              </a:buClr>
-              <a:buSzPts val="2400"/>
-              <a:buFont typeface="Noto Sans Symbols"/>
-              <a:buChar char="▪"/>
-            </a:pPr>
-            <a:r>
-              <a:rPr lang="en-IN" sz="1800" b="0" i="0" u="none" strike="noStrike" cap="none" dirty="0">
-                <a:solidFill>
-                  <a:srgbClr val="064EC6"/>
-                </a:solidFill>
-                <a:latin typeface="Arial" panose="020B0604020202020204"/>
-                <a:ea typeface="Arial" panose="020B0604020202020204"/>
-                <a:cs typeface="Arial" panose="020B0604020202020204"/>
-                <a:sym typeface="Arial" panose="020B0604020202020204"/>
-              </a:rPr>
-              <a:t>Lauri Loven ,Tero Lahderanta,Leena Ruha,Teenu Leppanen,Ella Peltonen</a:t>
-            </a:r>
+            <a:endParaRPr lang="en-IN" sz="2200" b="0" strike="noStrike" spc="-1" dirty="0">
+              <a:solidFill>
+                <a:srgbClr val="002060"/>
+              </a:solidFill>
+              <a:uFill>
+                <a:solidFill>
+                  <a:srgbClr val="FFFFFF"/>
+                </a:solidFill>
+              </a:uFill>
+              <a:latin typeface="Arial"/>
+            </a:endParaRPr>
           </a:p>
           <a:p>
             <a:pPr marL="685800" indent="-341280" algn="just">
@@ -9609,17 +9384,18 @@
               <a:buFont typeface="Wingdings" charset="2"/>
               <a:buChar char=""/>
             </a:pPr>
-            <a:endParaRPr lang="en-IN" sz="1800" b="0" strike="noStrike" spc="-1" dirty="0">
-              <a:solidFill>
-                <a:srgbClr val="000000"/>
-              </a:solidFill>
-              <a:uFill>
-                <a:solidFill>
-                  <a:srgbClr val="FFFFFF"/>
-                </a:solidFill>
-              </a:uFill>
-              <a:latin typeface="Arial"/>
-            </a:endParaRPr>
+            <a:r>
+              <a:rPr lang="en-IN" sz="2200" dirty="0">
+                <a:solidFill>
+                  <a:srgbClr val="002060"/>
+                </a:solidFill>
+                <a:latin typeface="Trebuchet MS" panose="020B0603020202020204"/>
+                <a:ea typeface="Trebuchet MS" panose="020B0603020202020204"/>
+                <a:cs typeface="Trebuchet MS" panose="020B0603020202020204"/>
+                <a:sym typeface="Trebuchet MS" panose="020B0603020202020204"/>
+              </a:rPr>
+              <a:t>Day by day the network traffic coming to a server is increasing due to rise of pervasive computing and incoming 5G technology.</a:t>
+            </a:r>
           </a:p>
           <a:p>
             <a:pPr marL="685800" indent="-341280" algn="just">
@@ -9633,9 +9409,21 @@
               <a:buChar char=""/>
             </a:pPr>
             <a:r>
-              <a:rPr lang="en-IN" sz="2400" b="0" strike="noStrike" spc="-1" dirty="0">
-                <a:solidFill>
-                  <a:srgbClr val="0000FF"/>
+              <a:rPr lang="en-IN" sz="2200" dirty="0">
+                <a:solidFill>
+                  <a:srgbClr val="002060"/>
+                </a:solidFill>
+                <a:latin typeface="Trebuchet MS" panose="020B0603020202020204"/>
+                <a:ea typeface="Trebuchet MS" panose="020B0603020202020204"/>
+                <a:cs typeface="Trebuchet MS" panose="020B0603020202020204"/>
+                <a:sym typeface="Trebuchet MS" panose="020B0603020202020204"/>
+              </a:rPr>
+              <a:t>The current cloud computing scenario may not provide enough computing capacity to manage latency and performance requirements set by modern pervasive computing systems.</a:t>
+            </a:r>
+            <a:r>
+              <a:rPr lang="en-IN" sz="2200" b="0" strike="noStrike" spc="-1" dirty="0">
+                <a:solidFill>
+                  <a:srgbClr val="002060"/>
                 </a:solidFill>
                 <a:uFill>
                   <a:solidFill>
@@ -9647,37 +9435,256 @@
               </a:rPr>
               <a:t> </a:t>
             </a:r>
-            <a:r>
-              <a:rPr lang="en-IN" sz="1800" b="0" i="0" u="none" strike="noStrike" cap="none" dirty="0">
-                <a:solidFill>
-                  <a:srgbClr val="064EC6"/>
+          </a:p>
+          <a:p>
+            <a:pPr marL="344520" algn="just">
+              <a:lnSpc>
+                <a:spcPct val="100000"/>
+              </a:lnSpc>
+              <a:buClr>
+                <a:srgbClr val="0000FF"/>
+              </a:buClr>
+            </a:pPr>
+            <a:endParaRPr lang="en-IN" sz="2200" b="0" strike="noStrike" spc="-1" dirty="0">
+              <a:solidFill>
+                <a:srgbClr val="002060"/>
+              </a:solidFill>
+              <a:uFill>
+                <a:solidFill>
+                  <a:srgbClr val="FFFFFF"/>
+                </a:solidFill>
+              </a:uFill>
+              <a:latin typeface="Trebuchet MS"/>
+              <a:ea typeface="DejaVu Sans"/>
+            </a:endParaRPr>
+          </a:p>
+          <a:p>
+            <a:pPr marL="685800" indent="-341280" algn="just">
+              <a:buClr>
+                <a:srgbClr val="0000FF"/>
+              </a:buClr>
+              <a:buFont typeface="Wingdings" charset="2"/>
+              <a:buChar char=""/>
+            </a:pPr>
+            <a:r>
+              <a:rPr lang="en-IN" sz="2200" b="0" i="0" u="none" strike="noStrike" cap="none" dirty="0">
+                <a:solidFill>
+                  <a:srgbClr val="002060"/>
                 </a:solidFill>
                 <a:latin typeface="Arial" panose="020B0604020202020204"/>
                 <a:ea typeface="Arial" panose="020B0604020202020204"/>
                 <a:cs typeface="Arial" panose="020B0604020202020204"/>
                 <a:sym typeface="Arial" panose="020B0604020202020204"/>
               </a:rPr>
-              <a:t>Wireshark For Security Professionals-Jessy Bullock </a:t>
-            </a:r>
-            <a:endParaRPr lang="en-IN" sz="1800" b="0" strike="noStrike" spc="-1" dirty="0">
-              <a:solidFill>
-                <a:srgbClr val="000000"/>
-              </a:solidFill>
-              <a:uFill>
-                <a:solidFill>
-                  <a:srgbClr val="FFFFFF"/>
-                </a:solidFill>
-              </a:uFill>
-              <a:latin typeface="Arial"/>
-            </a:endParaRPr>
-          </a:p>
-          <a:p>
-            <a:pPr algn="just">
-              <a:lnSpc>
-                <a:spcPct val="100000"/>
-              </a:lnSpc>
+              <a:t>Scaling up an Edge Server Deployment – by Lauri </a:t>
+            </a:r>
+            <a:r>
+              <a:rPr lang="en-IN" sz="2200" b="0" i="0" u="none" strike="noStrike" cap="none" dirty="0" err="1">
+                <a:solidFill>
+                  <a:srgbClr val="002060"/>
+                </a:solidFill>
+                <a:latin typeface="Arial" panose="020B0604020202020204"/>
+                <a:ea typeface="Arial" panose="020B0604020202020204"/>
+                <a:cs typeface="Arial" panose="020B0604020202020204"/>
+                <a:sym typeface="Arial" panose="020B0604020202020204"/>
+              </a:rPr>
+              <a:t>Loven</a:t>
+            </a:r>
+            <a:r>
+              <a:rPr lang="en-IN" sz="2200" b="0" i="0" u="none" strike="noStrike" cap="none" dirty="0">
+                <a:solidFill>
+                  <a:srgbClr val="002060"/>
+                </a:solidFill>
+                <a:latin typeface="Arial" panose="020B0604020202020204"/>
+                <a:ea typeface="Arial" panose="020B0604020202020204"/>
+                <a:cs typeface="Arial" panose="020B0604020202020204"/>
+                <a:sym typeface="Arial" panose="020B0604020202020204"/>
+              </a:rPr>
+              <a:t>, </a:t>
+            </a:r>
+            <a:r>
+              <a:rPr lang="en-IN" sz="2200" b="0" i="0" u="none" strike="noStrike" cap="none" dirty="0" err="1">
+                <a:solidFill>
+                  <a:srgbClr val="002060"/>
+                </a:solidFill>
+                <a:latin typeface="Arial" panose="020B0604020202020204"/>
+                <a:ea typeface="Arial" panose="020B0604020202020204"/>
+                <a:cs typeface="Arial" panose="020B0604020202020204"/>
+                <a:sym typeface="Arial" panose="020B0604020202020204"/>
+              </a:rPr>
+              <a:t>Tero</a:t>
+            </a:r>
+            <a:r>
+              <a:rPr lang="en-IN" sz="2200" b="0" i="0" u="none" strike="noStrike" cap="none" dirty="0">
+                <a:solidFill>
+                  <a:srgbClr val="002060"/>
+                </a:solidFill>
+                <a:latin typeface="Arial" panose="020B0604020202020204"/>
+                <a:ea typeface="Arial" panose="020B0604020202020204"/>
+                <a:cs typeface="Arial" panose="020B0604020202020204"/>
+                <a:sym typeface="Arial" panose="020B0604020202020204"/>
+              </a:rPr>
+              <a:t> </a:t>
+            </a:r>
+            <a:r>
+              <a:rPr lang="en-IN" sz="2200" b="0" i="0" u="none" strike="noStrike" cap="none" dirty="0" err="1">
+                <a:solidFill>
+                  <a:srgbClr val="002060"/>
+                </a:solidFill>
+                <a:latin typeface="Arial" panose="020B0604020202020204"/>
+                <a:ea typeface="Arial" panose="020B0604020202020204"/>
+                <a:cs typeface="Arial" panose="020B0604020202020204"/>
+                <a:sym typeface="Arial" panose="020B0604020202020204"/>
+              </a:rPr>
+              <a:t>Lahderanta</a:t>
+            </a:r>
+            <a:r>
+              <a:rPr lang="en-IN" sz="2200" b="0" i="0" u="none" strike="noStrike" cap="none" dirty="0">
+                <a:solidFill>
+                  <a:srgbClr val="002060"/>
+                </a:solidFill>
+                <a:latin typeface="Arial" panose="020B0604020202020204"/>
+                <a:ea typeface="Arial" panose="020B0604020202020204"/>
+                <a:cs typeface="Arial" panose="020B0604020202020204"/>
+                <a:sym typeface="Arial" panose="020B0604020202020204"/>
+              </a:rPr>
+              <a:t>, Leena </a:t>
+            </a:r>
+            <a:r>
+              <a:rPr lang="en-IN" sz="2200" b="0" i="0" u="none" strike="noStrike" cap="none" dirty="0" err="1">
+                <a:solidFill>
+                  <a:srgbClr val="002060"/>
+                </a:solidFill>
+                <a:latin typeface="Arial" panose="020B0604020202020204"/>
+                <a:ea typeface="Arial" panose="020B0604020202020204"/>
+                <a:cs typeface="Arial" panose="020B0604020202020204"/>
+                <a:sym typeface="Arial" panose="020B0604020202020204"/>
+              </a:rPr>
+              <a:t>Ruha</a:t>
+            </a:r>
+            <a:r>
+              <a:rPr lang="en-IN" sz="2200" b="0" i="0" u="none" strike="noStrike" cap="none" dirty="0">
+                <a:solidFill>
+                  <a:srgbClr val="002060"/>
+                </a:solidFill>
+                <a:latin typeface="Arial" panose="020B0604020202020204"/>
+                <a:ea typeface="Arial" panose="020B0604020202020204"/>
+                <a:cs typeface="Arial" panose="020B0604020202020204"/>
+                <a:sym typeface="Arial" panose="020B0604020202020204"/>
+              </a:rPr>
+              <a:t>, </a:t>
+            </a:r>
+            <a:r>
+              <a:rPr lang="en-IN" sz="2200" b="0" i="0" u="none" strike="noStrike" cap="none" dirty="0" err="1">
+                <a:solidFill>
+                  <a:srgbClr val="002060"/>
+                </a:solidFill>
+                <a:latin typeface="Arial" panose="020B0604020202020204"/>
+                <a:ea typeface="Arial" panose="020B0604020202020204"/>
+                <a:cs typeface="Arial" panose="020B0604020202020204"/>
+                <a:sym typeface="Arial" panose="020B0604020202020204"/>
+              </a:rPr>
+              <a:t>Teenu</a:t>
+            </a:r>
+            <a:r>
+              <a:rPr lang="en-IN" sz="2200" b="0" i="0" u="none" strike="noStrike" cap="none" dirty="0">
+                <a:solidFill>
+                  <a:srgbClr val="002060"/>
+                </a:solidFill>
+                <a:latin typeface="Arial" panose="020B0604020202020204"/>
+                <a:ea typeface="Arial" panose="020B0604020202020204"/>
+                <a:cs typeface="Arial" panose="020B0604020202020204"/>
+                <a:sym typeface="Arial" panose="020B0604020202020204"/>
+              </a:rPr>
+              <a:t> </a:t>
+            </a:r>
+            <a:r>
+              <a:rPr lang="en-IN" sz="2200" b="0" i="0" u="none" strike="noStrike" cap="none" dirty="0" err="1">
+                <a:solidFill>
+                  <a:srgbClr val="002060"/>
+                </a:solidFill>
+                <a:latin typeface="Arial" panose="020B0604020202020204"/>
+                <a:ea typeface="Arial" panose="020B0604020202020204"/>
+                <a:cs typeface="Arial" panose="020B0604020202020204"/>
+                <a:sym typeface="Arial" panose="020B0604020202020204"/>
+              </a:rPr>
+              <a:t>Leppanen</a:t>
+            </a:r>
+            <a:r>
+              <a:rPr lang="en-IN" sz="2200" b="0" i="0" u="none" strike="noStrike" cap="none" dirty="0">
+                <a:solidFill>
+                  <a:srgbClr val="002060"/>
+                </a:solidFill>
+                <a:latin typeface="Arial" panose="020B0604020202020204"/>
+                <a:ea typeface="Arial" panose="020B0604020202020204"/>
+                <a:cs typeface="Arial" panose="020B0604020202020204"/>
+                <a:sym typeface="Arial" panose="020B0604020202020204"/>
+              </a:rPr>
+              <a:t>, Ella </a:t>
+            </a:r>
+            <a:r>
+              <a:rPr lang="en-IN" sz="2200" b="0" i="0" u="none" strike="noStrike" cap="none" dirty="0" err="1">
+                <a:solidFill>
+                  <a:srgbClr val="002060"/>
+                </a:solidFill>
+                <a:latin typeface="Arial" panose="020B0604020202020204"/>
+                <a:ea typeface="Arial" panose="020B0604020202020204"/>
+                <a:cs typeface="Arial" panose="020B0604020202020204"/>
+                <a:sym typeface="Arial" panose="020B0604020202020204"/>
+              </a:rPr>
+              <a:t>Peltonen</a:t>
+            </a:r>
+            <a:endParaRPr lang="en-IN" sz="2200" b="0" i="0" u="none" strike="noStrike" cap="none" dirty="0">
+              <a:solidFill>
+                <a:srgbClr val="002060"/>
+              </a:solidFill>
+              <a:latin typeface="Arial" panose="020B0604020202020204"/>
+              <a:ea typeface="Arial" panose="020B0604020202020204"/>
+              <a:cs typeface="Arial" panose="020B0604020202020204"/>
+              <a:sym typeface="Arial" panose="020B0604020202020204"/>
+            </a:endParaRPr>
+          </a:p>
+          <a:p>
+            <a:pPr marL="685800" indent="-341280" algn="just">
+              <a:buClr>
+                <a:srgbClr val="0000FF"/>
+              </a:buClr>
+              <a:buFont typeface="Wingdings" charset="2"/>
+              <a:buChar char=""/>
             </a:pPr>
-            <a:endParaRPr lang="en-IN" sz="1800" b="0" strike="noStrike" spc="-1" dirty="0">
+            <a:r>
+              <a:rPr lang="en-IN" sz="2200" b="0" i="0" u="none" strike="noStrike" cap="none" dirty="0">
+                <a:solidFill>
+                  <a:srgbClr val="002060"/>
+                </a:solidFill>
+                <a:latin typeface="Arial" panose="020B0604020202020204"/>
+                <a:ea typeface="Arial" panose="020B0604020202020204"/>
+                <a:cs typeface="Arial" panose="020B0604020202020204"/>
+                <a:sym typeface="Arial" panose="020B0604020202020204"/>
+              </a:rPr>
+              <a:t>Wireshark For Security Professionals - Jessy Bullock </a:t>
+            </a:r>
+            <a:endParaRPr lang="en-IN" sz="2200" b="0" strike="noStrike" spc="-1" dirty="0">
+              <a:solidFill>
+                <a:srgbClr val="002060"/>
+              </a:solidFill>
+              <a:uFill>
+                <a:solidFill>
+                  <a:srgbClr val="FFFFFF"/>
+                </a:solidFill>
+              </a:uFill>
+              <a:latin typeface="Arial"/>
+            </a:endParaRPr>
+          </a:p>
+          <a:p>
+            <a:pPr marL="685800" indent="-341280" algn="just">
+              <a:buClr>
+                <a:srgbClr val="0000FF"/>
+              </a:buClr>
+              <a:buFont typeface="Wingdings" charset="2"/>
+              <a:buChar char=""/>
+            </a:pPr>
+            <a:endParaRPr lang="en-IN" sz="2200" b="0" strike="noStrike" spc="-1" dirty="0">
               <a:solidFill>
                 <a:srgbClr val="000000"/>
               </a:solidFill>
@@ -9700,58 +9707,7 @@
               <a:buFont typeface="Wingdings" charset="2"/>
               <a:buChar char=""/>
             </a:pPr>
-            <a:r>
-              <a:rPr lang="en-IN" sz="2400" dirty="0">
-                <a:solidFill>
-                  <a:srgbClr val="0000FF"/>
-                </a:solidFill>
-                <a:latin typeface="Trebuchet MS" panose="020B0603020202020204"/>
-                <a:ea typeface="Trebuchet MS" panose="020B0603020202020204"/>
-                <a:cs typeface="Trebuchet MS" panose="020B0603020202020204"/>
-                <a:sym typeface="Trebuchet MS" panose="020B0603020202020204"/>
-              </a:rPr>
-              <a:t>Day by day the network traffic coming to a server is increasing due to rise of pervasive computing and incoming 5G technology</a:t>
-            </a:r>
-          </a:p>
-          <a:p>
-            <a:pPr marL="685800" indent="-341280" algn="just">
-              <a:lnSpc>
-                <a:spcPct val="100000"/>
-              </a:lnSpc>
-              <a:buClr>
-                <a:srgbClr val="0000FF"/>
-              </a:buClr>
-              <a:buFont typeface="Wingdings" charset="2"/>
-              <a:buChar char=""/>
-            </a:pPr>
-            <a:r>
-              <a:rPr lang="en-IN" sz="2400" dirty="0">
-                <a:solidFill>
-                  <a:srgbClr val="0000FF"/>
-                </a:solidFill>
-                <a:latin typeface="Trebuchet MS" panose="020B0603020202020204"/>
-                <a:ea typeface="Trebuchet MS" panose="020B0603020202020204"/>
-                <a:cs typeface="Trebuchet MS" panose="020B0603020202020204"/>
-                <a:sym typeface="Trebuchet MS" panose="020B0603020202020204"/>
-              </a:rPr>
-              <a:t>The current cloud computing scenario may not provide enough computing capacity to manage latency and performance requirements set by modern pervasive computing systems</a:t>
-            </a:r>
-            <a:r>
-              <a:rPr lang="en-IN" sz="2400" b="0" strike="noStrike" spc="-1" dirty="0">
-                <a:solidFill>
-                  <a:srgbClr val="0000FF"/>
-                </a:solidFill>
-                <a:uFill>
-                  <a:solidFill>
-                    <a:srgbClr val="FFFFFF"/>
-                  </a:solidFill>
-                </a:uFill>
-                <a:latin typeface="Trebuchet MS"/>
-                <a:ea typeface="DejaVu Sans"/>
-              </a:rPr>
-              <a:t> </a:t>
-            </a:r>
-            <a:endParaRPr lang="en-IN" sz="1800" b="0" strike="noStrike" spc="-1" dirty="0">
+            <a:endParaRPr lang="en-IN" sz="2200" b="0" strike="noStrike" spc="-1" dirty="0">
               <a:solidFill>
                 <a:srgbClr val="000000"/>
               </a:solidFill>
@@ -9769,7 +9725,7 @@
                 <a:spcPct val="100000"/>
               </a:lnSpc>
             </a:pPr>
-            <a:endParaRPr lang="en-IN" sz="1800" b="0" strike="noStrike" spc="-1" dirty="0">
+            <a:endParaRPr lang="en-IN" sz="2200" b="0" strike="noStrike" spc="-1" dirty="0">
               <a:solidFill>
                 <a:srgbClr val="000000"/>
               </a:solidFill>
@@ -9787,7 +9743,7 @@
                 <a:spcPct val="100000"/>
               </a:lnSpc>
             </a:pPr>
-            <a:endParaRPr lang="en-IN" sz="1800" b="0" strike="noStrike" spc="-1" dirty="0">
+            <a:endParaRPr lang="en-IN" sz="2200" b="0" strike="noStrike" spc="-1" dirty="0">
               <a:solidFill>
                 <a:srgbClr val="000000"/>
               </a:solidFill>
@@ -10143,7 +10099,7 @@
         </p:blipFill>
         <p:spPr>
           <a:xfrm>
-            <a:off x="0" y="1754030"/>
+            <a:off x="73656" y="1615680"/>
             <a:ext cx="8825948" cy="4586290"/>
           </a:xfrm>
           <a:prstGeom prst="rect">
@@ -10314,8 +10270,8 @@
         </p:nvSpPr>
         <p:spPr>
           <a:xfrm>
-            <a:off x="936000" y="1371600"/>
-            <a:ext cx="6444360" cy="5179680"/>
+            <a:off x="2761861" y="1375064"/>
+            <a:ext cx="3844212" cy="4107871"/>
           </a:xfrm>
           <a:prstGeom prst="rect">
             <a:avLst/>
@@ -10358,288 +10314,189 @@
               <a:latin typeface="Arial"/>
             </a:endParaRPr>
           </a:p>
-          <a:p>
-            <a:pPr algn="just">
-              <a:lnSpc>
-                <a:spcPct val="100000"/>
-              </a:lnSpc>
-            </a:pPr>
-            <a:endParaRPr lang="en-IN" sz="1800" b="1" strike="noStrike" spc="-1" dirty="0">
-              <a:solidFill>
-                <a:srgbClr val="0033CC"/>
-              </a:solidFill>
-              <a:uFill>
-                <a:solidFill>
-                  <a:srgbClr val="FFFFFF"/>
-                </a:solidFill>
-              </a:uFill>
-              <a:latin typeface="Trebuchet MS"/>
-              <a:ea typeface="Trebuchet MS"/>
-            </a:endParaRPr>
-          </a:p>
-          <a:p>
-            <a:pPr algn="just"/>
-            <a:r>
-              <a:rPr lang="en-IN" sz="1800" b="1" strike="noStrike" spc="-1" dirty="0">
-                <a:solidFill>
-                  <a:srgbClr val="0033CC"/>
-                </a:solidFill>
-                <a:uFill>
-                  <a:solidFill>
-                    <a:srgbClr val="FFFFFF"/>
-                  </a:solidFill>
-                </a:uFill>
-                <a:latin typeface="Trebuchet MS"/>
-                <a:ea typeface="Trebuchet MS"/>
-              </a:rPr>
-              <a:t>What technologies you plan to use </a:t>
-            </a:r>
-            <a:endParaRPr lang="en-IN" sz="1800" b="0" strike="noStrike" spc="-1" dirty="0">
-              <a:solidFill>
-                <a:srgbClr val="000000"/>
-              </a:solidFill>
-              <a:uFill>
-                <a:solidFill>
-                  <a:srgbClr val="FFFFFF"/>
-                </a:solidFill>
-              </a:uFill>
-              <a:latin typeface="Arial"/>
-            </a:endParaRPr>
-          </a:p>
-          <a:p>
-            <a:pPr algn="just">
-              <a:lnSpc>
-                <a:spcPct val="100000"/>
-              </a:lnSpc>
-            </a:pPr>
-            <a:endParaRPr lang="en-IN" b="1" spc="-1" dirty="0">
-              <a:solidFill>
-                <a:srgbClr val="0033CC"/>
-              </a:solidFill>
-              <a:uFill>
-                <a:solidFill>
-                  <a:srgbClr val="FFFFFF"/>
-                </a:solidFill>
-              </a:uFill>
-              <a:latin typeface="Trebuchet MS"/>
-              <a:ea typeface="Trebuchet MS"/>
-            </a:endParaRPr>
-          </a:p>
-          <a:p>
-            <a:pPr algn="just">
-              <a:lnSpc>
-                <a:spcPct val="100000"/>
-              </a:lnSpc>
-            </a:pPr>
-            <a:r>
-              <a:rPr lang="en-IN" sz="1800" b="1" strike="noStrike" spc="-1" dirty="0">
-                <a:solidFill>
-                  <a:srgbClr val="0033CC"/>
-                </a:solidFill>
-                <a:uFill>
-                  <a:solidFill>
-                    <a:srgbClr val="FFFFFF"/>
-                  </a:solidFill>
-                </a:uFill>
-                <a:latin typeface="Trebuchet MS"/>
-                <a:ea typeface="Trebuchet MS"/>
-              </a:rPr>
-              <a:t>and why ?</a:t>
-            </a:r>
-          </a:p>
-          <a:p>
-            <a:pPr algn="just">
-              <a:lnSpc>
-                <a:spcPct val="100000"/>
-              </a:lnSpc>
-            </a:pPr>
-            <a:r>
-              <a:rPr lang="en-IN" sz="1800" b="1" strike="noStrike" spc="-1" dirty="0">
-                <a:solidFill>
-                  <a:srgbClr val="0033CC"/>
-                </a:solidFill>
-                <a:uFill>
-                  <a:solidFill>
-                    <a:srgbClr val="FFFFFF"/>
-                  </a:solidFill>
-                </a:uFill>
-                <a:latin typeface="Trebuchet MS"/>
-              </a:rPr>
-              <a:t>Recently neet result was out and like every year the server was down with in minutes . The total number of candidates applied for neet exam is more than 15 lakhs . But all of these students are not distributed equally in the country. The number of students in each state may vary . So we could try to reduce this problem if we could fix a edge server that too economically . That is we could analyze from which region the traffic is more and we could  provide with an edge server to that region.</a:t>
-            </a:r>
-            <a:endParaRPr lang="en-IN" sz="1800" b="0" strike="noStrike" spc="-1" dirty="0">
-              <a:solidFill>
-                <a:srgbClr val="000000"/>
-              </a:solidFill>
-              <a:uFill>
-                <a:solidFill>
-                  <a:srgbClr val="FFFFFF"/>
-                </a:solidFill>
-              </a:uFill>
-              <a:latin typeface="Arial"/>
-            </a:endParaRPr>
-          </a:p>
-          <a:p>
-            <a:pPr algn="just">
-              <a:lnSpc>
-                <a:spcPct val="100000"/>
-              </a:lnSpc>
-            </a:pPr>
-            <a:endParaRPr lang="en-IN" sz="1800" b="0" strike="noStrike" spc="-1" dirty="0">
-              <a:solidFill>
-                <a:srgbClr val="000000"/>
-              </a:solidFill>
-              <a:uFill>
-                <a:solidFill>
-                  <a:srgbClr val="FFFFFF"/>
-                </a:solidFill>
-              </a:uFill>
-              <a:latin typeface="Arial"/>
-            </a:endParaRPr>
-          </a:p>
-          <a:p>
-            <a:pPr algn="just">
-              <a:lnSpc>
-                <a:spcPct val="100000"/>
-              </a:lnSpc>
-            </a:pPr>
-            <a:endParaRPr lang="en-IN" sz="1800" b="0" strike="noStrike" spc="-1" dirty="0">
-              <a:solidFill>
-                <a:srgbClr val="000000"/>
-              </a:solidFill>
-              <a:uFill>
-                <a:solidFill>
-                  <a:srgbClr val="FFFFFF"/>
-                </a:solidFill>
-              </a:uFill>
-              <a:latin typeface="Arial"/>
-            </a:endParaRPr>
-          </a:p>
-          <a:p>
-            <a:pPr algn="just">
-              <a:lnSpc>
-                <a:spcPct val="100000"/>
-              </a:lnSpc>
-            </a:pPr>
-            <a:endParaRPr lang="en-IN" sz="1800" b="0" strike="noStrike" spc="-1" dirty="0">
-              <a:solidFill>
-                <a:srgbClr val="000000"/>
-              </a:solidFill>
-              <a:uFill>
-                <a:solidFill>
-                  <a:srgbClr val="FFFFFF"/>
-                </a:solidFill>
-              </a:uFill>
-              <a:latin typeface="Arial"/>
-            </a:endParaRPr>
-          </a:p>
-          <a:p>
-            <a:pPr algn="just">
-              <a:lnSpc>
-                <a:spcPct val="100000"/>
-              </a:lnSpc>
-            </a:pPr>
-            <a:endParaRPr lang="en-IN" sz="1800" b="0" strike="noStrike" spc="-1" dirty="0">
-              <a:solidFill>
-                <a:srgbClr val="000000"/>
-              </a:solidFill>
-              <a:uFill>
-                <a:solidFill>
-                  <a:srgbClr val="FFFFFF"/>
-                </a:solidFill>
-              </a:uFill>
-              <a:latin typeface="Arial"/>
-            </a:endParaRPr>
-          </a:p>
-          <a:p>
-            <a:pPr algn="just">
-              <a:lnSpc>
-                <a:spcPct val="100000"/>
-              </a:lnSpc>
-            </a:pPr>
-            <a:endParaRPr lang="en-IN" sz="1800" b="0" strike="noStrike" spc="-1" dirty="0">
-              <a:solidFill>
-                <a:srgbClr val="000000"/>
-              </a:solidFill>
-              <a:uFill>
-                <a:solidFill>
-                  <a:srgbClr val="FFFFFF"/>
-                </a:solidFill>
-              </a:uFill>
-              <a:latin typeface="Arial"/>
-            </a:endParaRPr>
-          </a:p>
-          <a:p>
-            <a:pPr algn="just">
-              <a:lnSpc>
-                <a:spcPct val="100000"/>
-              </a:lnSpc>
-            </a:pPr>
-            <a:endParaRPr lang="en-IN" sz="1800" b="0" strike="noStrike" spc="-1" dirty="0">
-              <a:solidFill>
-                <a:srgbClr val="000000"/>
-              </a:solidFill>
-              <a:uFill>
-                <a:solidFill>
-                  <a:srgbClr val="FFFFFF"/>
-                </a:solidFill>
-              </a:uFill>
-              <a:latin typeface="Arial"/>
-            </a:endParaRPr>
-          </a:p>
-          <a:p>
-            <a:pPr algn="just">
-              <a:lnSpc>
-                <a:spcPct val="100000"/>
-              </a:lnSpc>
-            </a:pPr>
-            <a:endParaRPr lang="en-IN" sz="1800" b="0" strike="noStrike" spc="-1" dirty="0">
-              <a:solidFill>
-                <a:srgbClr val="000000"/>
-              </a:solidFill>
-              <a:uFill>
-                <a:solidFill>
-                  <a:srgbClr val="FFFFFF"/>
-                </a:solidFill>
-              </a:uFill>
-              <a:latin typeface="Arial"/>
-            </a:endParaRPr>
-          </a:p>
-          <a:p>
-            <a:pPr algn="just">
-              <a:lnSpc>
-                <a:spcPct val="100000"/>
-              </a:lnSpc>
-            </a:pPr>
-            <a:endParaRPr lang="en-IN" sz="1800" b="0" strike="noStrike" spc="-1" dirty="0">
-              <a:solidFill>
-                <a:srgbClr val="000000"/>
-              </a:solidFill>
-              <a:uFill>
-                <a:solidFill>
-                  <a:srgbClr val="FFFFFF"/>
-                </a:solidFill>
-              </a:uFill>
-              <a:latin typeface="Arial"/>
-            </a:endParaRPr>
-          </a:p>
-          <a:p>
-            <a:pPr algn="just">
-              <a:lnSpc>
-                <a:spcPct val="100000"/>
-              </a:lnSpc>
-            </a:pPr>
-            <a:endParaRPr lang="en-IN" sz="1800" b="0" strike="noStrike" spc="-1" dirty="0">
-              <a:solidFill>
-                <a:srgbClr val="000000"/>
-              </a:solidFill>
-              <a:uFill>
-                <a:solidFill>
-                  <a:srgbClr val="FFFFFF"/>
-                </a:solidFill>
-              </a:uFill>
-              <a:latin typeface="Arial"/>
-            </a:endParaRPr>
+        </p:txBody>
+      </p:sp>
+      <p:sp>
+        <p:nvSpPr>
+          <p:cNvPr id="3" name="Text Placeholder 2">
+            <a:extLst>
+              <a:ext uri="{FF2B5EF4-FFF2-40B4-BE49-F238E27FC236}">
+                <a16:creationId xmlns:a16="http://schemas.microsoft.com/office/drawing/2014/main" id="{E9982D54-CA6E-4302-AE2D-B1ECE7CE6B26}"/>
+              </a:ext>
+            </a:extLst>
+          </p:cNvPr>
+          <p:cNvSpPr>
+            <a:spLocks noGrp="1"/>
+          </p:cNvSpPr>
+          <p:nvPr>
+            <p:ph type="body"/>
+          </p:nvPr>
+        </p:nvSpPr>
+        <p:spPr>
+          <a:xfrm>
+            <a:off x="457200" y="1604518"/>
+            <a:ext cx="8229240" cy="4880258"/>
+          </a:xfrm>
+        </p:spPr>
+        <p:txBody>
+          <a:bodyPr/>
+          <a:lstStyle/>
+          <a:p>
+            <a:r>
+              <a:rPr lang="en-IN" sz="1800" b="1" dirty="0"/>
+              <a:t>Node.js                              :</a:t>
+            </a:r>
+            <a:r>
+              <a:rPr lang="en-IN" sz="1800" dirty="0"/>
+              <a:t>  For Creating the server instance</a:t>
+            </a:r>
+          </a:p>
+          <a:p>
+            <a:r>
+              <a:rPr lang="en-IN" sz="1800" b="1" dirty="0"/>
+              <a:t>Express/HTML                  :  </a:t>
+            </a:r>
+            <a:r>
+              <a:rPr lang="en-IN" sz="1800" dirty="0"/>
+              <a:t>For designing the frontend </a:t>
+            </a:r>
+          </a:p>
+          <a:p>
+            <a:r>
+              <a:rPr lang="en-IN" sz="1800" b="1" dirty="0" err="1"/>
+              <a:t>localtunnel</a:t>
+            </a:r>
+            <a:r>
+              <a:rPr lang="en-IN" sz="1800" b="1" dirty="0"/>
+              <a:t> </a:t>
+            </a:r>
+            <a:r>
+              <a:rPr lang="en-IN" sz="1800" b="1" dirty="0" err="1"/>
+              <a:t>npm</a:t>
+            </a:r>
+            <a:r>
+              <a:rPr lang="en-IN" sz="1800" b="1" dirty="0"/>
+              <a:t> module  : </a:t>
+            </a:r>
+            <a:r>
+              <a:rPr lang="en-IN" sz="1800" dirty="0"/>
+              <a:t>To expose the server to internet </a:t>
+            </a:r>
+            <a:endParaRPr lang="en-IN" sz="1800" b="1" dirty="0"/>
+          </a:p>
+          <a:p>
+            <a:r>
+              <a:rPr lang="en-IN" sz="1800" b="1" dirty="0"/>
+              <a:t>Python                               :  </a:t>
+            </a:r>
+            <a:r>
+              <a:rPr lang="en-IN" sz="1800" dirty="0"/>
+              <a:t>Major Programming language used</a:t>
+            </a:r>
+            <a:endParaRPr lang="en-IN" sz="1800" b="1" dirty="0"/>
+          </a:p>
+          <a:p>
+            <a:r>
+              <a:rPr lang="en-IN" sz="1800" b="1" dirty="0"/>
+              <a:t>free-proxy-list.net	    :  </a:t>
+            </a:r>
+            <a:r>
+              <a:rPr lang="en-IN" sz="1800" dirty="0"/>
+              <a:t>For generating traffic which seems to originate 			       from different locations</a:t>
+            </a:r>
+            <a:endParaRPr lang="en-IN" sz="1800" b="1" dirty="0"/>
+          </a:p>
+          <a:p>
+            <a:r>
+              <a:rPr lang="en-IN" sz="1800" b="1" dirty="0"/>
+              <a:t>Packet-Sender                  :   </a:t>
+            </a:r>
+            <a:r>
+              <a:rPr lang="en-IN" sz="1800" dirty="0"/>
+              <a:t>A free tool for generating traffic</a:t>
+            </a:r>
+            <a:endParaRPr lang="en-IN" sz="1800" b="1" dirty="0"/>
+          </a:p>
+          <a:p>
+            <a:r>
+              <a:rPr lang="en-IN" sz="1800" b="1" dirty="0" err="1"/>
+              <a:t>Tshark</a:t>
+            </a:r>
+            <a:r>
+              <a:rPr lang="en-IN" sz="1800" b="1" dirty="0"/>
+              <a:t>                                :  </a:t>
+            </a:r>
+            <a:r>
+              <a:rPr lang="en-IN" sz="1800" dirty="0"/>
+              <a:t>Packet sniffer used to capture network traffic</a:t>
+            </a:r>
+            <a:endParaRPr lang="en-IN" sz="1800" b="1" dirty="0"/>
+          </a:p>
+          <a:p>
+            <a:r>
+              <a:rPr lang="en-IN" sz="1800" b="1" dirty="0"/>
+              <a:t>Wireshark	                  :  </a:t>
+            </a:r>
+            <a:r>
+              <a:rPr lang="en-IN" sz="1800" dirty="0"/>
+              <a:t>Wireshark was used during the development of                                                         		                      the project.</a:t>
+            </a:r>
+            <a:endParaRPr lang="en-IN" sz="1800" b="1" dirty="0"/>
+          </a:p>
+          <a:p>
+            <a:r>
+              <a:rPr lang="en-IN" sz="1800" b="1" dirty="0"/>
+              <a:t>Bash                                   :  </a:t>
+            </a:r>
+            <a:r>
+              <a:rPr lang="en-IN" sz="1800" dirty="0"/>
+              <a:t>Used to automate execution of some scripts </a:t>
+            </a:r>
+            <a:endParaRPr lang="en-IN" sz="1800" b="1" dirty="0"/>
+          </a:p>
+          <a:p>
+            <a:r>
+              <a:rPr lang="en-IN" sz="1800" b="1" dirty="0" err="1"/>
+              <a:t>Scapy</a:t>
+            </a:r>
+            <a:r>
+              <a:rPr lang="en-IN" sz="1800" b="1" dirty="0"/>
+              <a:t>                                 :  </a:t>
+            </a:r>
+            <a:r>
+              <a:rPr lang="en-IN" sz="1800" dirty="0"/>
+              <a:t>Used to process the capture file &amp; extract data </a:t>
+            </a:r>
+            <a:r>
+              <a:rPr lang="en-IN" sz="1800" b="1" dirty="0"/>
+              <a:t>    </a:t>
+            </a:r>
+          </a:p>
+          <a:p>
+            <a:r>
+              <a:rPr lang="en-IN" sz="1800" b="1" dirty="0"/>
+              <a:t>ip-api.com                          :  </a:t>
+            </a:r>
+            <a:r>
+              <a:rPr lang="en-IN" sz="1800" dirty="0"/>
+              <a:t>API used to get geolocation from IPv4 address</a:t>
+            </a:r>
+            <a:endParaRPr lang="en-IN" sz="1800" b="1" dirty="0"/>
+          </a:p>
+          <a:p>
+            <a:r>
+              <a:rPr lang="en-IN" sz="1800" b="1" dirty="0" err="1"/>
+              <a:t>Plotly</a:t>
+            </a:r>
+            <a:r>
+              <a:rPr lang="en-IN" sz="1800" b="1" dirty="0"/>
+              <a:t>                                  :  </a:t>
+            </a:r>
+            <a:r>
+              <a:rPr lang="en-IN" sz="1800" dirty="0"/>
+              <a:t>Python library used to make interactive graphs</a:t>
+            </a:r>
+            <a:endParaRPr lang="en-IN" sz="1800" b="1" dirty="0"/>
           </a:p>
         </p:txBody>
       </p:sp>
@@ -10800,122 +10657,90 @@
       </p:sp>
       <p:sp>
         <p:nvSpPr>
-          <p:cNvPr id="159" name="CustomShape 3"/>
-          <p:cNvSpPr/>
-          <p:nvPr/>
-        </p:nvSpPr>
-        <p:spPr>
-          <a:xfrm>
-            <a:off x="518400" y="1828800"/>
-            <a:ext cx="6861960" cy="3265920"/>
-          </a:xfrm>
-          <a:prstGeom prst="rect">
-            <a:avLst/>
-          </a:prstGeom>
-          <a:noFill/>
-          <a:ln>
-            <a:noFill/>
-          </a:ln>
-        </p:spPr>
-        <p:style>
-          <a:lnRef idx="0">
-            <a:scrgbClr r="0" g="0" b="0"/>
-          </a:lnRef>
-          <a:fillRef idx="0">
-            <a:scrgbClr r="0" g="0" b="0"/>
-          </a:fillRef>
-          <a:effectRef idx="0">
-            <a:scrgbClr r="0" g="0" b="0"/>
-          </a:effectRef>
-          <a:fontRef idx="minor"/>
-        </p:style>
-        <p:txBody>
-          <a:bodyPr lIns="90000" tIns="45000" rIns="90000" bIns="45000" anchor="ctr"/>
-          <a:lstStyle/>
-          <a:p>
-            <a:pPr algn="just">
-              <a:lnSpc>
-                <a:spcPct val="100000"/>
-              </a:lnSpc>
-            </a:pPr>
-            <a:r>
-              <a:rPr lang="en-IN" sz="1800" b="0" strike="noStrike" spc="-1" dirty="0">
-                <a:solidFill>
-                  <a:schemeClr val="accent5"/>
-                </a:solidFill>
-                <a:uFill>
-                  <a:solidFill>
-                    <a:srgbClr val="FFFFFF"/>
-                  </a:solidFill>
-                </a:uFill>
-                <a:latin typeface="Arial"/>
+          <p:cNvPr id="3" name="Text Placeholder 2">
+            <a:extLst>
+              <a:ext uri="{FF2B5EF4-FFF2-40B4-BE49-F238E27FC236}">
+                <a16:creationId xmlns:a16="http://schemas.microsoft.com/office/drawing/2014/main" id="{40212E86-2E4A-4273-BC7B-6B6E878D2ECA}"/>
+              </a:ext>
+            </a:extLst>
+          </p:cNvPr>
+          <p:cNvSpPr>
+            <a:spLocks noGrp="1"/>
+          </p:cNvSpPr>
+          <p:nvPr>
+            <p:ph type="body"/>
+          </p:nvPr>
+        </p:nvSpPr>
+        <p:spPr>
+          <a:xfrm>
+            <a:off x="457380" y="1837785"/>
+            <a:ext cx="8229240" cy="4341482"/>
+          </a:xfrm>
+        </p:spPr>
+        <p:txBody>
+          <a:bodyPr/>
+          <a:lstStyle/>
+          <a:p>
+            <a:r>
+              <a:rPr lang="en-IN" sz="2700" dirty="0">
+                <a:solidFill>
+                  <a:srgbClr val="002060"/>
+                </a:solidFill>
               </a:rPr>
-              <a:t>We have completed the most of the coding part , finished with the front end , integrating the network analyzer</a:t>
-            </a:r>
-          </a:p>
-          <a:p>
-            <a:pPr algn="just">
-              <a:lnSpc>
-                <a:spcPct val="100000"/>
-              </a:lnSpc>
-            </a:pPr>
-            <a:r>
-              <a:rPr lang="en-IN" spc="-1" dirty="0">
-                <a:solidFill>
-                  <a:schemeClr val="accent5"/>
-                </a:solidFill>
-                <a:uFill>
-                  <a:solidFill>
-                    <a:srgbClr val="FFFFFF"/>
-                  </a:solidFill>
-                </a:uFill>
-                <a:latin typeface="Arial"/>
+              <a:t>All major work related to coding is completed.</a:t>
+            </a:r>
+          </a:p>
+          <a:p>
+            <a:r>
+              <a:rPr lang="en-IN" sz="2700" dirty="0">
+                <a:solidFill>
+                  <a:srgbClr val="002060"/>
+                </a:solidFill>
               </a:rPr>
-              <a:t>We are working with the graphs to visualize the traffic.</a:t>
-            </a:r>
-            <a:endParaRPr lang="en-IN" sz="1800" b="0" strike="noStrike" spc="-1" dirty="0">
-              <a:solidFill>
-                <a:schemeClr val="accent5"/>
-              </a:solidFill>
-              <a:uFill>
-                <a:solidFill>
-                  <a:srgbClr val="FFFFFF"/>
-                </a:solidFill>
-              </a:uFill>
-              <a:latin typeface="Arial"/>
-            </a:endParaRPr>
-          </a:p>
-          <a:p>
-            <a:pPr algn="just">
-              <a:lnSpc>
-                <a:spcPct val="100000"/>
-              </a:lnSpc>
-            </a:pPr>
-            <a:r>
-              <a:rPr lang="en-IN" spc="-1" dirty="0">
-                <a:solidFill>
-                  <a:schemeClr val="accent5"/>
-                </a:solidFill>
-                <a:uFill>
-                  <a:solidFill>
-                    <a:srgbClr val="FFFFFF"/>
-                  </a:solidFill>
-                </a:uFill>
-                <a:latin typeface="Arial"/>
+              <a:t>The program is currently accepting requests from normal browsers and bots (using python requests module)</a:t>
+            </a:r>
+          </a:p>
+          <a:p>
+            <a:r>
+              <a:rPr lang="en-IN" sz="2700" dirty="0">
+                <a:solidFill>
+                  <a:srgbClr val="002060"/>
+                </a:solidFill>
               </a:rPr>
-              <a:t>We hope to finish the project in time.</a:t>
-            </a:r>
-            <a:endParaRPr lang="en-IN" sz="1800" b="0" strike="noStrike" spc="-1" dirty="0">
-              <a:solidFill>
-                <a:schemeClr val="accent5"/>
-              </a:solidFill>
-              <a:uFill>
-                <a:solidFill>
-                  <a:srgbClr val="FFFFFF"/>
-                </a:solidFill>
-              </a:uFill>
-              <a:latin typeface="Arial"/>
-            </a:endParaRPr>
+              <a:t>It analyses the HTTP traffic and extracts out the source IP</a:t>
+            </a:r>
+          </a:p>
+          <a:p>
+            <a:r>
+              <a:rPr lang="en-IN" sz="2700" dirty="0">
+                <a:solidFill>
+                  <a:srgbClr val="002060"/>
+                </a:solidFill>
+              </a:rPr>
+              <a:t>Using this data two graphs are made</a:t>
+            </a:r>
+          </a:p>
+          <a:p>
+            <a:pPr lvl="1"/>
+            <a:r>
+              <a:rPr lang="en-IN" dirty="0">
+                <a:solidFill>
+                  <a:srgbClr val="002060"/>
+                </a:solidFill>
+              </a:rPr>
+              <a:t> A bar chart showing number of requests from each country</a:t>
+            </a:r>
+          </a:p>
+          <a:p>
+            <a:pPr lvl="1"/>
+            <a:r>
+              <a:rPr lang="en-IN" dirty="0">
+                <a:solidFill>
+                  <a:srgbClr val="002060"/>
+                </a:solidFill>
+              </a:rPr>
+              <a:t>A globe map of traffic sources</a:t>
+            </a:r>
           </a:p>
         </p:txBody>
       </p:sp>
@@ -10979,8 +10804,8 @@
         </p:nvSpPr>
         <p:spPr>
           <a:xfrm>
-            <a:off x="2847600" y="3352680"/>
-            <a:ext cx="2922120" cy="705960"/>
+            <a:off x="671805" y="1744823"/>
+            <a:ext cx="6615404" cy="3881536"/>
           </a:xfrm>
           <a:prstGeom prst="rect">
             <a:avLst/>
@@ -11006,16 +10831,112 @@
           <a:bodyPr lIns="90000" tIns="45000" rIns="90000" bIns="45000"/>
           <a:lstStyle/>
           <a:p>
+            <a:pPr algn="ctr"/>
+            <a:r>
+              <a:rPr lang="en-IN" sz="2200" strike="noStrike" spc="-1" dirty="0">
+                <a:solidFill>
+                  <a:srgbClr val="002060"/>
+                </a:solidFill>
+                <a:uFill>
+                  <a:solidFill>
+                    <a:srgbClr val="FFFFFF"/>
+                  </a:solidFill>
+                </a:uFill>
+                <a:latin typeface="Trebuchet MS"/>
+              </a:rPr>
+              <a:t>Recently NEET result was out and like every year the server was down within minutes . The total number of candidates which appeared for NEET was more than 15 lakhs . But all of these students are not distributed equally in the country. The number of students in each state vary. So we could try to reduce the problem of servers crashing by analysing from which regions the traffic is more and using this </a:t>
+            </a:r>
+            <a:r>
+              <a:rPr lang="en-IN" sz="2200" spc="-1" dirty="0">
+                <a:solidFill>
+                  <a:srgbClr val="002060"/>
+                </a:solidFill>
+                <a:uFill>
+                  <a:solidFill>
+                    <a:srgbClr val="FFFFFF"/>
+                  </a:solidFill>
+                </a:uFill>
+                <a:latin typeface="Trebuchet MS"/>
+              </a:rPr>
+              <a:t>data, </a:t>
+            </a:r>
+            <a:r>
+              <a:rPr lang="en-IN" sz="2200" strike="noStrike" spc="-1" dirty="0">
+                <a:solidFill>
+                  <a:srgbClr val="002060"/>
+                </a:solidFill>
+                <a:uFill>
+                  <a:solidFill>
+                    <a:srgbClr val="FFFFFF"/>
+                  </a:solidFill>
+                </a:uFill>
+                <a:latin typeface="Trebuchet MS"/>
+              </a:rPr>
+              <a:t>edge servers could be set up in such regions.</a:t>
+            </a:r>
+          </a:p>
+          <a:p>
+            <a:pPr algn="ctr"/>
+            <a:r>
+              <a:rPr lang="en-IN" sz="2200" b="1" strike="noStrike" spc="-1" dirty="0">
+                <a:solidFill>
+                  <a:srgbClr val="0033CC"/>
+                </a:solidFill>
+                <a:uFill>
+                  <a:solidFill>
+                    <a:srgbClr val="FFFFFF"/>
+                  </a:solidFill>
+                </a:uFill>
+                <a:latin typeface="Trebuchet MS"/>
+              </a:rPr>
+              <a:t> </a:t>
+            </a:r>
+            <a:endParaRPr lang="en-IN" sz="2200" b="1" strike="noStrike" spc="-1" dirty="0">
+              <a:solidFill>
+                <a:srgbClr val="FF0000"/>
+              </a:solidFill>
+              <a:uFill>
+                <a:solidFill>
+                  <a:srgbClr val="FFFFFF"/>
+                </a:solidFill>
+              </a:uFill>
+              <a:latin typeface="Trebuchet MS"/>
+              <a:ea typeface="Trebuchet MS"/>
+            </a:endParaRPr>
+          </a:p>
+          <a:p>
             <a:pPr algn="ctr">
               <a:lnSpc>
                 <a:spcPct val="100000"/>
               </a:lnSpc>
             </a:pPr>
             <a:r>
-              <a:rPr lang="en-IN" sz="4000" b="1" strike="noStrike" spc="-1">
+              <a:rPr lang="en-IN" sz="4000" b="1" strike="noStrike" spc="-1" dirty="0">
                 <a:solidFill>
                   <a:srgbClr val="FF0000"/>
                 </a:solidFill>
+                <a:uFill>
+                  <a:solidFill>
+                    <a:srgbClr val="FFFFFF"/>
+                  </a:solidFill>
+                </a:uFill>
+                <a:latin typeface="Trebuchet MS"/>
+                <a:ea typeface="Trebuchet MS"/>
+              </a:rPr>
+              <a:t>     </a:t>
+            </a:r>
+            <a:r>
+              <a:rPr lang="en-IN" sz="4000" b="1" strike="noStrike" spc="-1" dirty="0">
+                <a:solidFill>
+                  <a:srgbClr val="FF0000"/>
+                </a:solidFill>
+                <a:effectLst>
+                  <a:outerShdw blurRad="38100" dist="38100" dir="2700000" algn="tl">
+                    <a:srgbClr val="000000">
+                      <a:alpha val="43137"/>
+                    </a:srgbClr>
+                  </a:outerShdw>
+                </a:effectLst>
                 <a:uFill>
                   <a:solidFill>
                     <a:srgbClr val="FFFFFF"/>
@@ -11026,17 +10947,62 @@
               </a:rPr>
               <a:t>Thank You</a:t>
             </a:r>
-            <a:endParaRPr lang="en-IN" sz="1800" b="0" strike="noStrike" spc="-1">
-              <a:solidFill>
-                <a:srgbClr val="000000"/>
-              </a:solidFill>
-              <a:uFill>
-                <a:solidFill>
-                  <a:srgbClr val="FFFFFF"/>
-                </a:solidFill>
-              </a:uFill>
-              <a:latin typeface="Arial"/>
-            </a:endParaRPr>
+          </a:p>
+          <a:p>
+            <a:pPr algn="ctr">
+              <a:lnSpc>
+                <a:spcPct val="100000"/>
+              </a:lnSpc>
+            </a:pPr>
+            <a:endParaRPr lang="en-IN" sz="1800" b="0" strike="noStrike" spc="-1" dirty="0">
+              <a:solidFill>
+                <a:srgbClr val="000000"/>
+              </a:solidFill>
+              <a:uFill>
+                <a:solidFill>
+                  <a:srgbClr val="FFFFFF"/>
+                </a:solidFill>
+              </a:uFill>
+              <a:latin typeface="Arial"/>
+            </a:endParaRPr>
+          </a:p>
+        </p:txBody>
+      </p:sp>
+      <p:sp>
+        <p:nvSpPr>
+          <p:cNvPr id="2" name="Title 1">
+            <a:extLst>
+              <a:ext uri="{FF2B5EF4-FFF2-40B4-BE49-F238E27FC236}">
+                <a16:creationId xmlns:a16="http://schemas.microsoft.com/office/drawing/2014/main" id="{4EE13CC6-5B57-44C9-B2FF-E5071901ACA1}"/>
+              </a:ext>
+            </a:extLst>
+          </p:cNvPr>
+          <p:cNvSpPr>
+            <a:spLocks noGrp="1"/>
+          </p:cNvSpPr>
+          <p:nvPr>
+            <p:ph type="title"/>
+          </p:nvPr>
+        </p:nvSpPr>
+        <p:spPr>
+          <a:xfrm>
+            <a:off x="457200" y="1129003"/>
+            <a:ext cx="8229240" cy="615819"/>
+          </a:xfrm>
+        </p:spPr>
+        <p:txBody>
+          <a:bodyPr/>
+          <a:lstStyle/>
+          <a:p>
+            <a:pPr algn="r"/>
+            <a:r>
+              <a:rPr lang="en-IN" sz="3200" dirty="0">
+                <a:solidFill>
+                  <a:srgbClr val="FF0000"/>
+                </a:solidFill>
+              </a:rPr>
+              <a:t>A Case Study</a:t>
+            </a:r>
           </a:p>
         </p:txBody>
       </p:sp>

--- a/Special Topic - Mini-Review 2 - Project Progress - Aug - Dec 2020 (2).pptx
+++ b/Special Topic - Mini-Review 2 - Project Progress - Aug - Dec 2020 (2).pptx
@@ -179,7 +179,7 @@
                     <a:srgbClr val="FFFFFF"/>
                   </a:solidFill>
                 </a:uFill>
-                <a:latin typeface="Arial"/>
+                <a:latin typeface="Arial" panose="020B0604020202020204"/>
               </a:rPr>
               <a:t>Click to edit the notes format</a:t>
             </a:r>
@@ -219,7 +219,7 @@
                     <a:srgbClr val="FFFFFF"/>
                   </a:solidFill>
                 </a:uFill>
-                <a:latin typeface="Times New Roman"/>
+                <a:latin typeface="Times New Roman" panose="02020603050405020304"/>
               </a:rPr>
               <a:t> </a:t>
             </a:r>
@@ -260,7 +260,7 @@
                     <a:srgbClr val="FFFFFF"/>
                   </a:solidFill>
                 </a:uFill>
-                <a:latin typeface="Times New Roman"/>
+                <a:latin typeface="Times New Roman" panose="02020603050405020304"/>
               </a:rPr>
               <a:t> </a:t>
             </a:r>
@@ -300,7 +300,7 @@
                     <a:srgbClr val="FFFFFF"/>
                   </a:solidFill>
                 </a:uFill>
-                <a:latin typeface="Times New Roman"/>
+                <a:latin typeface="Times New Roman" panose="02020603050405020304"/>
               </a:rPr>
               <a:t> </a:t>
             </a:r>
@@ -341,7 +341,7 @@
                     <a:srgbClr val="FFFFFF"/>
                   </a:solidFill>
                 </a:uFill>
-                <a:latin typeface="Times New Roman"/>
+                <a:latin typeface="Times New Roman" panose="02020603050405020304"/>
               </a:rPr>
               <a:t>‹#›</a:t>
             </a:fld>
@@ -354,7 +354,7 @@
                   <a:srgbClr val="FFFFFF"/>
                 </a:solidFill>
               </a:uFill>
-              <a:latin typeface="Times New Roman"/>
+              <a:latin typeface="Times New Roman" panose="02020603050405020304"/>
             </a:endParaRPr>
           </a:p>
         </p:txBody>
@@ -506,7 +506,7 @@
                   <a:srgbClr val="FFFFFF"/>
                 </a:solidFill>
               </a:uFill>
-              <a:latin typeface="Arial"/>
+              <a:latin typeface="Arial" panose="020B0604020202020204"/>
             </a:endParaRPr>
           </a:p>
         </p:txBody>
@@ -600,7 +600,7 @@
                   <a:srgbClr val="FFFFFF"/>
                 </a:solidFill>
               </a:uFill>
-              <a:latin typeface="Arial"/>
+              <a:latin typeface="Arial" panose="020B0604020202020204"/>
             </a:endParaRPr>
           </a:p>
         </p:txBody>
@@ -694,7 +694,7 @@
                   <a:srgbClr val="FFFFFF"/>
                 </a:solidFill>
               </a:uFill>
-              <a:latin typeface="Arial"/>
+              <a:latin typeface="Arial" panose="020B0604020202020204"/>
             </a:endParaRPr>
           </a:p>
         </p:txBody>
@@ -788,7 +788,7 @@
                   <a:srgbClr val="FFFFFF"/>
                 </a:solidFill>
               </a:uFill>
-              <a:latin typeface="Arial"/>
+              <a:latin typeface="Arial" panose="020B0604020202020204"/>
             </a:endParaRPr>
           </a:p>
         </p:txBody>
@@ -908,7 +908,7 @@
                   <a:srgbClr val="FFFFFF"/>
                 </a:solidFill>
               </a:uFill>
-              <a:latin typeface="Arial"/>
+              <a:latin typeface="Arial" panose="020B0604020202020204"/>
             </a:endParaRPr>
           </a:p>
         </p:txBody>
@@ -945,7 +945,7 @@
                   <a:srgbClr val="FFFFFF"/>
                 </a:solidFill>
               </a:uFill>
-              <a:latin typeface="Arial"/>
+              <a:latin typeface="Arial" panose="020B0604020202020204"/>
             </a:endParaRPr>
           </a:p>
         </p:txBody>
@@ -982,7 +982,7 @@
                   <a:srgbClr val="FFFFFF"/>
                 </a:solidFill>
               </a:uFill>
-              <a:latin typeface="Arial"/>
+              <a:latin typeface="Arial" panose="020B0604020202020204"/>
             </a:endParaRPr>
           </a:p>
         </p:txBody>
@@ -1045,7 +1045,7 @@
                   <a:srgbClr val="FFFFFF"/>
                 </a:solidFill>
               </a:uFill>
-              <a:latin typeface="Arial"/>
+              <a:latin typeface="Arial" panose="020B0604020202020204"/>
             </a:endParaRPr>
           </a:p>
         </p:txBody>
@@ -1082,7 +1082,7 @@
                   <a:srgbClr val="FFFFFF"/>
                 </a:solidFill>
               </a:uFill>
-              <a:latin typeface="Arial"/>
+              <a:latin typeface="Arial" panose="020B0604020202020204"/>
             </a:endParaRPr>
           </a:p>
         </p:txBody>
@@ -1119,7 +1119,7 @@
                   <a:srgbClr val="FFFFFF"/>
                 </a:solidFill>
               </a:uFill>
-              <a:latin typeface="Arial"/>
+              <a:latin typeface="Arial" panose="020B0604020202020204"/>
             </a:endParaRPr>
           </a:p>
         </p:txBody>
@@ -1156,7 +1156,7 @@
                   <a:srgbClr val="FFFFFF"/>
                 </a:solidFill>
               </a:uFill>
-              <a:latin typeface="Arial"/>
+              <a:latin typeface="Arial" panose="020B0604020202020204"/>
             </a:endParaRPr>
           </a:p>
         </p:txBody>
@@ -1193,7 +1193,7 @@
                   <a:srgbClr val="FFFFFF"/>
                 </a:solidFill>
               </a:uFill>
-              <a:latin typeface="Arial"/>
+              <a:latin typeface="Arial" panose="020B0604020202020204"/>
             </a:endParaRPr>
           </a:p>
         </p:txBody>
@@ -1256,7 +1256,7 @@
                   <a:srgbClr val="FFFFFF"/>
                 </a:solidFill>
               </a:uFill>
-              <a:latin typeface="Arial"/>
+              <a:latin typeface="Arial" panose="020B0604020202020204"/>
             </a:endParaRPr>
           </a:p>
         </p:txBody>
@@ -1293,7 +1293,7 @@
                   <a:srgbClr val="FFFFFF"/>
                 </a:solidFill>
               </a:uFill>
-              <a:latin typeface="Arial"/>
+              <a:latin typeface="Arial" panose="020B0604020202020204"/>
             </a:endParaRPr>
           </a:p>
         </p:txBody>
@@ -1330,7 +1330,7 @@
                   <a:srgbClr val="FFFFFF"/>
                 </a:solidFill>
               </a:uFill>
-              <a:latin typeface="Arial"/>
+              <a:latin typeface="Arial" panose="020B0604020202020204"/>
             </a:endParaRPr>
           </a:p>
         </p:txBody>
@@ -1343,7 +1343,9 @@
         </p:nvPicPr>
         <p:blipFill>
           <a:blip r:embed="rId2"/>
-          <a:stretch/>
+          <a:stretch>
+            <a:fillRect/>
+          </a:stretch>
         </p:blipFill>
         <p:spPr>
           <a:xfrm>
@@ -1366,7 +1368,9 @@
         </p:nvPicPr>
         <p:blipFill>
           <a:blip r:embed="rId2"/>
-          <a:stretch/>
+          <a:stretch>
+            <a:fillRect/>
+          </a:stretch>
         </p:blipFill>
         <p:spPr>
           <a:xfrm>
@@ -1464,7 +1468,7 @@
                   <a:srgbClr val="FFFFFF"/>
                 </a:solidFill>
               </a:uFill>
-              <a:latin typeface="Arial"/>
+              <a:latin typeface="Arial" panose="020B0604020202020204"/>
             </a:endParaRPr>
           </a:p>
         </p:txBody>
@@ -1502,7 +1506,7 @@
                   <a:srgbClr val="FFFFFF"/>
                 </a:solidFill>
               </a:uFill>
-              <a:latin typeface="Arial"/>
+              <a:latin typeface="Arial" panose="020B0604020202020204"/>
             </a:endParaRPr>
           </a:p>
         </p:txBody>
@@ -1565,7 +1569,7 @@
                   <a:srgbClr val="FFFFFF"/>
                 </a:solidFill>
               </a:uFill>
-              <a:latin typeface="Arial"/>
+              <a:latin typeface="Arial" panose="020B0604020202020204"/>
             </a:endParaRPr>
           </a:p>
         </p:txBody>
@@ -1602,7 +1606,7 @@
                   <a:srgbClr val="FFFFFF"/>
                 </a:solidFill>
               </a:uFill>
-              <a:latin typeface="Arial"/>
+              <a:latin typeface="Arial" panose="020B0604020202020204"/>
             </a:endParaRPr>
           </a:p>
         </p:txBody>
@@ -1665,7 +1669,7 @@
                   <a:srgbClr val="FFFFFF"/>
                 </a:solidFill>
               </a:uFill>
-              <a:latin typeface="Arial"/>
+              <a:latin typeface="Arial" panose="020B0604020202020204"/>
             </a:endParaRPr>
           </a:p>
         </p:txBody>
@@ -1702,7 +1706,7 @@
                   <a:srgbClr val="FFFFFF"/>
                 </a:solidFill>
               </a:uFill>
-              <a:latin typeface="Arial"/>
+              <a:latin typeface="Arial" panose="020B0604020202020204"/>
             </a:endParaRPr>
           </a:p>
         </p:txBody>
@@ -1739,7 +1743,7 @@
                   <a:srgbClr val="FFFFFF"/>
                 </a:solidFill>
               </a:uFill>
-              <a:latin typeface="Arial"/>
+              <a:latin typeface="Arial" panose="020B0604020202020204"/>
             </a:endParaRPr>
           </a:p>
         </p:txBody>
@@ -1802,7 +1806,7 @@
                   <a:srgbClr val="FFFFFF"/>
                 </a:solidFill>
               </a:uFill>
-              <a:latin typeface="Arial"/>
+              <a:latin typeface="Arial" panose="020B0604020202020204"/>
             </a:endParaRPr>
           </a:p>
         </p:txBody>
@@ -1865,7 +1869,7 @@
                   <a:srgbClr val="FFFFFF"/>
                 </a:solidFill>
               </a:uFill>
-              <a:latin typeface="Arial"/>
+              <a:latin typeface="Arial" panose="020B0604020202020204"/>
             </a:endParaRPr>
           </a:p>
         </p:txBody>
@@ -1928,7 +1932,7 @@
                   <a:srgbClr val="FFFFFF"/>
                 </a:solidFill>
               </a:uFill>
-              <a:latin typeface="Arial"/>
+              <a:latin typeface="Arial" panose="020B0604020202020204"/>
             </a:endParaRPr>
           </a:p>
         </p:txBody>
@@ -1965,7 +1969,7 @@
                   <a:srgbClr val="FFFFFF"/>
                 </a:solidFill>
               </a:uFill>
-              <a:latin typeface="Arial"/>
+              <a:latin typeface="Arial" panose="020B0604020202020204"/>
             </a:endParaRPr>
           </a:p>
         </p:txBody>
@@ -2002,7 +2006,7 @@
                   <a:srgbClr val="FFFFFF"/>
                 </a:solidFill>
               </a:uFill>
-              <a:latin typeface="Arial"/>
+              <a:latin typeface="Arial" panose="020B0604020202020204"/>
             </a:endParaRPr>
           </a:p>
         </p:txBody>
@@ -2039,7 +2043,7 @@
                   <a:srgbClr val="FFFFFF"/>
                 </a:solidFill>
               </a:uFill>
-              <a:latin typeface="Arial"/>
+              <a:latin typeface="Arial" panose="020B0604020202020204"/>
             </a:endParaRPr>
           </a:p>
         </p:txBody>
@@ -2102,7 +2106,7 @@
                   <a:srgbClr val="FFFFFF"/>
                 </a:solidFill>
               </a:uFill>
-              <a:latin typeface="Arial"/>
+              <a:latin typeface="Arial" panose="020B0604020202020204"/>
             </a:endParaRPr>
           </a:p>
         </p:txBody>
@@ -2140,7 +2144,7 @@
                   <a:srgbClr val="FFFFFF"/>
                 </a:solidFill>
               </a:uFill>
-              <a:latin typeface="Arial"/>
+              <a:latin typeface="Arial" panose="020B0604020202020204"/>
             </a:endParaRPr>
           </a:p>
         </p:txBody>
@@ -2203,7 +2207,7 @@
                   <a:srgbClr val="FFFFFF"/>
                 </a:solidFill>
               </a:uFill>
-              <a:latin typeface="Arial"/>
+              <a:latin typeface="Arial" panose="020B0604020202020204"/>
             </a:endParaRPr>
           </a:p>
         </p:txBody>
@@ -2240,7 +2244,7 @@
                   <a:srgbClr val="FFFFFF"/>
                 </a:solidFill>
               </a:uFill>
-              <a:latin typeface="Arial"/>
+              <a:latin typeface="Arial" panose="020B0604020202020204"/>
             </a:endParaRPr>
           </a:p>
         </p:txBody>
@@ -2277,7 +2281,7 @@
                   <a:srgbClr val="FFFFFF"/>
                 </a:solidFill>
               </a:uFill>
-              <a:latin typeface="Arial"/>
+              <a:latin typeface="Arial" panose="020B0604020202020204"/>
             </a:endParaRPr>
           </a:p>
         </p:txBody>
@@ -2314,7 +2318,7 @@
                   <a:srgbClr val="FFFFFF"/>
                 </a:solidFill>
               </a:uFill>
-              <a:latin typeface="Arial"/>
+              <a:latin typeface="Arial" panose="020B0604020202020204"/>
             </a:endParaRPr>
           </a:p>
         </p:txBody>
@@ -2377,7 +2381,7 @@
                   <a:srgbClr val="FFFFFF"/>
                 </a:solidFill>
               </a:uFill>
-              <a:latin typeface="Arial"/>
+              <a:latin typeface="Arial" panose="020B0604020202020204"/>
             </a:endParaRPr>
           </a:p>
         </p:txBody>
@@ -2414,7 +2418,7 @@
                   <a:srgbClr val="FFFFFF"/>
                 </a:solidFill>
               </a:uFill>
-              <a:latin typeface="Arial"/>
+              <a:latin typeface="Arial" panose="020B0604020202020204"/>
             </a:endParaRPr>
           </a:p>
         </p:txBody>
@@ -2451,7 +2455,7 @@
                   <a:srgbClr val="FFFFFF"/>
                 </a:solidFill>
               </a:uFill>
-              <a:latin typeface="Arial"/>
+              <a:latin typeface="Arial" panose="020B0604020202020204"/>
             </a:endParaRPr>
           </a:p>
         </p:txBody>
@@ -2488,7 +2492,7 @@
                   <a:srgbClr val="FFFFFF"/>
                 </a:solidFill>
               </a:uFill>
-              <a:latin typeface="Arial"/>
+              <a:latin typeface="Arial" panose="020B0604020202020204"/>
             </a:endParaRPr>
           </a:p>
         </p:txBody>
@@ -2551,7 +2555,7 @@
                   <a:srgbClr val="FFFFFF"/>
                 </a:solidFill>
               </a:uFill>
-              <a:latin typeface="Arial"/>
+              <a:latin typeface="Arial" panose="020B0604020202020204"/>
             </a:endParaRPr>
           </a:p>
         </p:txBody>
@@ -2588,7 +2592,7 @@
                   <a:srgbClr val="FFFFFF"/>
                 </a:solidFill>
               </a:uFill>
-              <a:latin typeface="Arial"/>
+              <a:latin typeface="Arial" panose="020B0604020202020204"/>
             </a:endParaRPr>
           </a:p>
         </p:txBody>
@@ -2625,7 +2629,7 @@
                   <a:srgbClr val="FFFFFF"/>
                 </a:solidFill>
               </a:uFill>
-              <a:latin typeface="Arial"/>
+              <a:latin typeface="Arial" panose="020B0604020202020204"/>
             </a:endParaRPr>
           </a:p>
         </p:txBody>
@@ -2688,7 +2692,7 @@
                   <a:srgbClr val="FFFFFF"/>
                 </a:solidFill>
               </a:uFill>
-              <a:latin typeface="Arial"/>
+              <a:latin typeface="Arial" panose="020B0604020202020204"/>
             </a:endParaRPr>
           </a:p>
         </p:txBody>
@@ -2725,7 +2729,7 @@
                   <a:srgbClr val="FFFFFF"/>
                 </a:solidFill>
               </a:uFill>
-              <a:latin typeface="Arial"/>
+              <a:latin typeface="Arial" panose="020B0604020202020204"/>
             </a:endParaRPr>
           </a:p>
         </p:txBody>
@@ -2762,7 +2766,7 @@
                   <a:srgbClr val="FFFFFF"/>
                 </a:solidFill>
               </a:uFill>
-              <a:latin typeface="Arial"/>
+              <a:latin typeface="Arial" panose="020B0604020202020204"/>
             </a:endParaRPr>
           </a:p>
         </p:txBody>
@@ -2799,7 +2803,7 @@
                   <a:srgbClr val="FFFFFF"/>
                 </a:solidFill>
               </a:uFill>
-              <a:latin typeface="Arial"/>
+              <a:latin typeface="Arial" panose="020B0604020202020204"/>
             </a:endParaRPr>
           </a:p>
         </p:txBody>
@@ -2836,7 +2840,7 @@
                   <a:srgbClr val="FFFFFF"/>
                 </a:solidFill>
               </a:uFill>
-              <a:latin typeface="Arial"/>
+              <a:latin typeface="Arial" panose="020B0604020202020204"/>
             </a:endParaRPr>
           </a:p>
         </p:txBody>
@@ -2899,7 +2903,7 @@
                   <a:srgbClr val="FFFFFF"/>
                 </a:solidFill>
               </a:uFill>
-              <a:latin typeface="Arial"/>
+              <a:latin typeface="Arial" panose="020B0604020202020204"/>
             </a:endParaRPr>
           </a:p>
         </p:txBody>
@@ -2936,7 +2940,7 @@
                   <a:srgbClr val="FFFFFF"/>
                 </a:solidFill>
               </a:uFill>
-              <a:latin typeface="Arial"/>
+              <a:latin typeface="Arial" panose="020B0604020202020204"/>
             </a:endParaRPr>
           </a:p>
         </p:txBody>
@@ -2973,7 +2977,7 @@
                   <a:srgbClr val="FFFFFF"/>
                 </a:solidFill>
               </a:uFill>
-              <a:latin typeface="Arial"/>
+              <a:latin typeface="Arial" panose="020B0604020202020204"/>
             </a:endParaRPr>
           </a:p>
         </p:txBody>
@@ -2986,7 +2990,9 @@
         </p:nvPicPr>
         <p:blipFill>
           <a:blip r:embed="rId2"/>
-          <a:stretch/>
+          <a:stretch>
+            <a:fillRect/>
+          </a:stretch>
         </p:blipFill>
         <p:spPr>
           <a:xfrm>
@@ -3009,7 +3015,9 @@
         </p:nvPicPr>
         <p:blipFill>
           <a:blip r:embed="rId2"/>
-          <a:stretch/>
+          <a:stretch>
+            <a:fillRect/>
+          </a:stretch>
         </p:blipFill>
         <p:spPr>
           <a:xfrm>
@@ -3107,7 +3115,7 @@
                   <a:srgbClr val="FFFFFF"/>
                 </a:solidFill>
               </a:uFill>
-              <a:latin typeface="Arial"/>
+              <a:latin typeface="Arial" panose="020B0604020202020204"/>
             </a:endParaRPr>
           </a:p>
         </p:txBody>
@@ -3145,7 +3153,7 @@
                   <a:srgbClr val="FFFFFF"/>
                 </a:solidFill>
               </a:uFill>
-              <a:latin typeface="Arial"/>
+              <a:latin typeface="Arial" panose="020B0604020202020204"/>
             </a:endParaRPr>
           </a:p>
         </p:txBody>
@@ -3208,7 +3216,7 @@
                   <a:srgbClr val="FFFFFF"/>
                 </a:solidFill>
               </a:uFill>
-              <a:latin typeface="Arial"/>
+              <a:latin typeface="Arial" panose="020B0604020202020204"/>
             </a:endParaRPr>
           </a:p>
         </p:txBody>
@@ -3245,7 +3253,7 @@
                   <a:srgbClr val="FFFFFF"/>
                 </a:solidFill>
               </a:uFill>
-              <a:latin typeface="Arial"/>
+              <a:latin typeface="Arial" panose="020B0604020202020204"/>
             </a:endParaRPr>
           </a:p>
         </p:txBody>
@@ -3308,7 +3316,7 @@
                   <a:srgbClr val="FFFFFF"/>
                 </a:solidFill>
               </a:uFill>
-              <a:latin typeface="Arial"/>
+              <a:latin typeface="Arial" panose="020B0604020202020204"/>
             </a:endParaRPr>
           </a:p>
         </p:txBody>
@@ -3345,7 +3353,7 @@
                   <a:srgbClr val="FFFFFF"/>
                 </a:solidFill>
               </a:uFill>
-              <a:latin typeface="Arial"/>
+              <a:latin typeface="Arial" panose="020B0604020202020204"/>
             </a:endParaRPr>
           </a:p>
         </p:txBody>
@@ -3382,7 +3390,7 @@
                   <a:srgbClr val="FFFFFF"/>
                 </a:solidFill>
               </a:uFill>
-              <a:latin typeface="Arial"/>
+              <a:latin typeface="Arial" panose="020B0604020202020204"/>
             </a:endParaRPr>
           </a:p>
         </p:txBody>
@@ -3445,7 +3453,7 @@
                   <a:srgbClr val="FFFFFF"/>
                 </a:solidFill>
               </a:uFill>
-              <a:latin typeface="Arial"/>
+              <a:latin typeface="Arial" panose="020B0604020202020204"/>
             </a:endParaRPr>
           </a:p>
         </p:txBody>
@@ -3508,7 +3516,7 @@
                   <a:srgbClr val="FFFFFF"/>
                 </a:solidFill>
               </a:uFill>
-              <a:latin typeface="Arial"/>
+              <a:latin typeface="Arial" panose="020B0604020202020204"/>
             </a:endParaRPr>
           </a:p>
         </p:txBody>
@@ -3545,7 +3553,7 @@
                   <a:srgbClr val="FFFFFF"/>
                 </a:solidFill>
               </a:uFill>
-              <a:latin typeface="Arial"/>
+              <a:latin typeface="Arial" panose="020B0604020202020204"/>
             </a:endParaRPr>
           </a:p>
         </p:txBody>
@@ -3608,7 +3616,7 @@
                   <a:srgbClr val="FFFFFF"/>
                 </a:solidFill>
               </a:uFill>
-              <a:latin typeface="Arial"/>
+              <a:latin typeface="Arial" panose="020B0604020202020204"/>
             </a:endParaRPr>
           </a:p>
         </p:txBody>
@@ -3671,7 +3679,7 @@
                   <a:srgbClr val="FFFFFF"/>
                 </a:solidFill>
               </a:uFill>
-              <a:latin typeface="Arial"/>
+              <a:latin typeface="Arial" panose="020B0604020202020204"/>
             </a:endParaRPr>
           </a:p>
         </p:txBody>
@@ -3708,7 +3716,7 @@
                   <a:srgbClr val="FFFFFF"/>
                 </a:solidFill>
               </a:uFill>
-              <a:latin typeface="Arial"/>
+              <a:latin typeface="Arial" panose="020B0604020202020204"/>
             </a:endParaRPr>
           </a:p>
         </p:txBody>
@@ -3745,7 +3753,7 @@
                   <a:srgbClr val="FFFFFF"/>
                 </a:solidFill>
               </a:uFill>
-              <a:latin typeface="Arial"/>
+              <a:latin typeface="Arial" panose="020B0604020202020204"/>
             </a:endParaRPr>
           </a:p>
         </p:txBody>
@@ -3782,7 +3790,7 @@
                   <a:srgbClr val="FFFFFF"/>
                 </a:solidFill>
               </a:uFill>
-              <a:latin typeface="Arial"/>
+              <a:latin typeface="Arial" panose="020B0604020202020204"/>
             </a:endParaRPr>
           </a:p>
         </p:txBody>
@@ -3845,7 +3853,7 @@
                   <a:srgbClr val="FFFFFF"/>
                 </a:solidFill>
               </a:uFill>
-              <a:latin typeface="Arial"/>
+              <a:latin typeface="Arial" panose="020B0604020202020204"/>
             </a:endParaRPr>
           </a:p>
         </p:txBody>
@@ -3882,7 +3890,7 @@
                   <a:srgbClr val="FFFFFF"/>
                 </a:solidFill>
               </a:uFill>
-              <a:latin typeface="Arial"/>
+              <a:latin typeface="Arial" panose="020B0604020202020204"/>
             </a:endParaRPr>
           </a:p>
         </p:txBody>
@@ -3919,7 +3927,7 @@
                   <a:srgbClr val="FFFFFF"/>
                 </a:solidFill>
               </a:uFill>
-              <a:latin typeface="Arial"/>
+              <a:latin typeface="Arial" panose="020B0604020202020204"/>
             </a:endParaRPr>
           </a:p>
         </p:txBody>
@@ -3956,7 +3964,7 @@
                   <a:srgbClr val="FFFFFF"/>
                 </a:solidFill>
               </a:uFill>
-              <a:latin typeface="Arial"/>
+              <a:latin typeface="Arial" panose="020B0604020202020204"/>
             </a:endParaRPr>
           </a:p>
         </p:txBody>
@@ -4019,7 +4027,7 @@
                   <a:srgbClr val="FFFFFF"/>
                 </a:solidFill>
               </a:uFill>
-              <a:latin typeface="Arial"/>
+              <a:latin typeface="Arial" panose="020B0604020202020204"/>
             </a:endParaRPr>
           </a:p>
         </p:txBody>
@@ -4056,7 +4064,7 @@
                   <a:srgbClr val="FFFFFF"/>
                 </a:solidFill>
               </a:uFill>
-              <a:latin typeface="Arial"/>
+              <a:latin typeface="Arial" panose="020B0604020202020204"/>
             </a:endParaRPr>
           </a:p>
         </p:txBody>
@@ -4093,7 +4101,7 @@
                   <a:srgbClr val="FFFFFF"/>
                 </a:solidFill>
               </a:uFill>
-              <a:latin typeface="Arial"/>
+              <a:latin typeface="Arial" panose="020B0604020202020204"/>
             </a:endParaRPr>
           </a:p>
         </p:txBody>
@@ -4130,7 +4138,7 @@
                   <a:srgbClr val="FFFFFF"/>
                 </a:solidFill>
               </a:uFill>
-              <a:latin typeface="Arial"/>
+              <a:latin typeface="Arial" panose="020B0604020202020204"/>
             </a:endParaRPr>
           </a:p>
         </p:txBody>
@@ -4193,7 +4201,7 @@
                   <a:srgbClr val="FFFFFF"/>
                 </a:solidFill>
               </a:uFill>
-              <a:latin typeface="Arial"/>
+              <a:latin typeface="Arial" panose="020B0604020202020204"/>
             </a:endParaRPr>
           </a:p>
         </p:txBody>
@@ -4230,7 +4238,7 @@
                   <a:srgbClr val="FFFFFF"/>
                 </a:solidFill>
               </a:uFill>
-              <a:latin typeface="Arial"/>
+              <a:latin typeface="Arial" panose="020B0604020202020204"/>
             </a:endParaRPr>
           </a:p>
         </p:txBody>
@@ -4267,7 +4275,7 @@
                   <a:srgbClr val="FFFFFF"/>
                 </a:solidFill>
               </a:uFill>
-              <a:latin typeface="Arial"/>
+              <a:latin typeface="Arial" panose="020B0604020202020204"/>
             </a:endParaRPr>
           </a:p>
         </p:txBody>
@@ -4330,7 +4338,7 @@
                   <a:srgbClr val="FFFFFF"/>
                 </a:solidFill>
               </a:uFill>
-              <a:latin typeface="Arial"/>
+              <a:latin typeface="Arial" panose="020B0604020202020204"/>
             </a:endParaRPr>
           </a:p>
         </p:txBody>
@@ -4367,7 +4375,7 @@
                   <a:srgbClr val="FFFFFF"/>
                 </a:solidFill>
               </a:uFill>
-              <a:latin typeface="Arial"/>
+              <a:latin typeface="Arial" panose="020B0604020202020204"/>
             </a:endParaRPr>
           </a:p>
         </p:txBody>
@@ -4404,7 +4412,7 @@
                   <a:srgbClr val="FFFFFF"/>
                 </a:solidFill>
               </a:uFill>
-              <a:latin typeface="Arial"/>
+              <a:latin typeface="Arial" panose="020B0604020202020204"/>
             </a:endParaRPr>
           </a:p>
         </p:txBody>
@@ -4441,7 +4449,7 @@
                   <a:srgbClr val="FFFFFF"/>
                 </a:solidFill>
               </a:uFill>
-              <a:latin typeface="Arial"/>
+              <a:latin typeface="Arial" panose="020B0604020202020204"/>
             </a:endParaRPr>
           </a:p>
         </p:txBody>
@@ -4478,7 +4486,7 @@
                   <a:srgbClr val="FFFFFF"/>
                 </a:solidFill>
               </a:uFill>
-              <a:latin typeface="Arial"/>
+              <a:latin typeface="Arial" panose="020B0604020202020204"/>
             </a:endParaRPr>
           </a:p>
         </p:txBody>
@@ -4541,7 +4549,7 @@
                   <a:srgbClr val="FFFFFF"/>
                 </a:solidFill>
               </a:uFill>
-              <a:latin typeface="Arial"/>
+              <a:latin typeface="Arial" panose="020B0604020202020204"/>
             </a:endParaRPr>
           </a:p>
         </p:txBody>
@@ -4578,7 +4586,7 @@
                   <a:srgbClr val="FFFFFF"/>
                 </a:solidFill>
               </a:uFill>
-              <a:latin typeface="Arial"/>
+              <a:latin typeface="Arial" panose="020B0604020202020204"/>
             </a:endParaRPr>
           </a:p>
         </p:txBody>
@@ -4615,7 +4623,7 @@
                   <a:srgbClr val="FFFFFF"/>
                 </a:solidFill>
               </a:uFill>
-              <a:latin typeface="Arial"/>
+              <a:latin typeface="Arial" panose="020B0604020202020204"/>
             </a:endParaRPr>
           </a:p>
         </p:txBody>
@@ -4628,7 +4636,9 @@
         </p:nvPicPr>
         <p:blipFill>
           <a:blip r:embed="rId2"/>
-          <a:stretch/>
+          <a:stretch>
+            <a:fillRect/>
+          </a:stretch>
         </p:blipFill>
         <p:spPr>
           <a:xfrm>
@@ -4651,7 +4661,9 @@
         </p:nvPicPr>
         <p:blipFill>
           <a:blip r:embed="rId2"/>
-          <a:stretch/>
+          <a:stretch>
+            <a:fillRect/>
+          </a:stretch>
         </p:blipFill>
         <p:spPr>
           <a:xfrm>
@@ -4724,7 +4736,7 @@
                   <a:srgbClr val="FFFFFF"/>
                 </a:solidFill>
               </a:uFill>
-              <a:latin typeface="Arial"/>
+              <a:latin typeface="Arial" panose="020B0604020202020204"/>
             </a:endParaRPr>
           </a:p>
         </p:txBody>
@@ -4761,7 +4773,7 @@
                   <a:srgbClr val="FFFFFF"/>
                 </a:solidFill>
               </a:uFill>
-              <a:latin typeface="Arial"/>
+              <a:latin typeface="Arial" panose="020B0604020202020204"/>
             </a:endParaRPr>
           </a:p>
         </p:txBody>
@@ -4798,7 +4810,7 @@
                   <a:srgbClr val="FFFFFF"/>
                 </a:solidFill>
               </a:uFill>
-              <a:latin typeface="Arial"/>
+              <a:latin typeface="Arial" panose="020B0604020202020204"/>
             </a:endParaRPr>
           </a:p>
         </p:txBody>
@@ -4861,7 +4873,7 @@
                   <a:srgbClr val="FFFFFF"/>
                 </a:solidFill>
               </a:uFill>
-              <a:latin typeface="Arial"/>
+              <a:latin typeface="Arial" panose="020B0604020202020204"/>
             </a:endParaRPr>
           </a:p>
         </p:txBody>
@@ -4924,7 +4936,7 @@
                   <a:srgbClr val="FFFFFF"/>
                 </a:solidFill>
               </a:uFill>
-              <a:latin typeface="Arial"/>
+              <a:latin typeface="Arial" panose="020B0604020202020204"/>
             </a:endParaRPr>
           </a:p>
         </p:txBody>
@@ -4987,7 +4999,7 @@
                   <a:srgbClr val="FFFFFF"/>
                 </a:solidFill>
               </a:uFill>
-              <a:latin typeface="Arial"/>
+              <a:latin typeface="Arial" panose="020B0604020202020204"/>
             </a:endParaRPr>
           </a:p>
         </p:txBody>
@@ -5024,7 +5036,7 @@
                   <a:srgbClr val="FFFFFF"/>
                 </a:solidFill>
               </a:uFill>
-              <a:latin typeface="Arial"/>
+              <a:latin typeface="Arial" panose="020B0604020202020204"/>
             </a:endParaRPr>
           </a:p>
         </p:txBody>
@@ -5061,7 +5073,7 @@
                   <a:srgbClr val="FFFFFF"/>
                 </a:solidFill>
               </a:uFill>
-              <a:latin typeface="Arial"/>
+              <a:latin typeface="Arial" panose="020B0604020202020204"/>
             </a:endParaRPr>
           </a:p>
         </p:txBody>
@@ -5098,7 +5110,7 @@
                   <a:srgbClr val="FFFFFF"/>
                 </a:solidFill>
               </a:uFill>
-              <a:latin typeface="Arial"/>
+              <a:latin typeface="Arial" panose="020B0604020202020204"/>
             </a:endParaRPr>
           </a:p>
         </p:txBody>
@@ -5161,7 +5173,7 @@
                   <a:srgbClr val="FFFFFF"/>
                 </a:solidFill>
               </a:uFill>
-              <a:latin typeface="Arial"/>
+              <a:latin typeface="Arial" panose="020B0604020202020204"/>
             </a:endParaRPr>
           </a:p>
         </p:txBody>
@@ -5198,7 +5210,7 @@
                   <a:srgbClr val="FFFFFF"/>
                 </a:solidFill>
               </a:uFill>
-              <a:latin typeface="Arial"/>
+              <a:latin typeface="Arial" panose="020B0604020202020204"/>
             </a:endParaRPr>
           </a:p>
         </p:txBody>
@@ -5235,7 +5247,7 @@
                   <a:srgbClr val="FFFFFF"/>
                 </a:solidFill>
               </a:uFill>
-              <a:latin typeface="Arial"/>
+              <a:latin typeface="Arial" panose="020B0604020202020204"/>
             </a:endParaRPr>
           </a:p>
         </p:txBody>
@@ -5272,7 +5284,7 @@
                   <a:srgbClr val="FFFFFF"/>
                 </a:solidFill>
               </a:uFill>
-              <a:latin typeface="Arial"/>
+              <a:latin typeface="Arial" panose="020B0604020202020204"/>
             </a:endParaRPr>
           </a:p>
         </p:txBody>
@@ -5335,7 +5347,7 @@
                   <a:srgbClr val="FFFFFF"/>
                 </a:solidFill>
               </a:uFill>
-              <a:latin typeface="Arial"/>
+              <a:latin typeface="Arial" panose="020B0604020202020204"/>
             </a:endParaRPr>
           </a:p>
         </p:txBody>
@@ -5372,7 +5384,7 @@
                   <a:srgbClr val="FFFFFF"/>
                 </a:solidFill>
               </a:uFill>
-              <a:latin typeface="Arial"/>
+              <a:latin typeface="Arial" panose="020B0604020202020204"/>
             </a:endParaRPr>
           </a:p>
         </p:txBody>
@@ -5409,7 +5421,7 @@
                   <a:srgbClr val="FFFFFF"/>
                 </a:solidFill>
               </a:uFill>
-              <a:latin typeface="Arial"/>
+              <a:latin typeface="Arial" panose="020B0604020202020204"/>
             </a:endParaRPr>
           </a:p>
         </p:txBody>
@@ -5446,7 +5458,7 @@
                   <a:srgbClr val="FFFFFF"/>
                 </a:solidFill>
               </a:uFill>
-              <a:latin typeface="Arial"/>
+              <a:latin typeface="Arial" panose="020B0604020202020204"/>
             </a:endParaRPr>
           </a:p>
         </p:txBody>
@@ -5492,7 +5504,9 @@
         </p:nvPicPr>
         <p:blipFill>
           <a:blip r:embed="rId14"/>
-          <a:stretch/>
+          <a:stretch>
+            <a:fillRect/>
+          </a:stretch>
         </p:blipFill>
         <p:spPr>
           <a:xfrm>
@@ -5558,7 +5572,7 @@
                   <a:srgbClr val="FFFFFF"/>
                 </a:solidFill>
               </a:uFill>
-              <a:latin typeface="Arial"/>
+              <a:latin typeface="Arial" panose="020B0604020202020204"/>
             </a:endParaRPr>
           </a:p>
           <a:p>
@@ -5576,7 +5590,7 @@
                   <a:srgbClr val="FFFFFF"/>
                 </a:solidFill>
               </a:uFill>
-              <a:latin typeface="Arial"/>
+              <a:latin typeface="Arial" panose="020B0604020202020204"/>
             </a:endParaRPr>
           </a:p>
           <a:p>
@@ -5594,7 +5608,7 @@
                   <a:srgbClr val="FFFFFF"/>
                 </a:solidFill>
               </a:uFill>
-              <a:latin typeface="Arial"/>
+              <a:latin typeface="Arial" panose="020B0604020202020204"/>
             </a:endParaRPr>
           </a:p>
           <a:p>
@@ -5612,7 +5626,7 @@
                   <a:srgbClr val="FFFFFF"/>
                 </a:solidFill>
               </a:uFill>
-              <a:latin typeface="Arial"/>
+              <a:latin typeface="Arial" panose="020B0604020202020204"/>
             </a:endParaRPr>
           </a:p>
         </p:txBody>
@@ -5625,7 +5639,9 @@
         </p:nvPicPr>
         <p:blipFill>
           <a:blip r:embed="rId15"/>
-          <a:stretch/>
+          <a:stretch>
+            <a:fillRect/>
+          </a:stretch>
         </p:blipFill>
         <p:spPr>
           <a:xfrm>
@@ -5648,7 +5664,9 @@
         </p:nvPicPr>
         <p:blipFill>
           <a:blip r:embed="rId16"/>
-          <a:stretch/>
+          <a:stretch>
+            <a:fillRect/>
+          </a:stretch>
         </p:blipFill>
         <p:spPr>
           <a:xfrm>
@@ -5671,7 +5689,9 @@
         </p:nvPicPr>
         <p:blipFill>
           <a:blip r:embed="rId17"/>
-          <a:stretch/>
+          <a:stretch>
+            <a:fillRect/>
+          </a:stretch>
         </p:blipFill>
         <p:spPr>
           <a:xfrm>
@@ -5694,7 +5714,9 @@
         </p:nvPicPr>
         <p:blipFill>
           <a:blip r:embed="rId18"/>
-          <a:stretch/>
+          <a:stretch>
+            <a:fillRect/>
+          </a:stretch>
         </p:blipFill>
         <p:spPr>
           <a:xfrm>
@@ -5717,7 +5739,9 @@
         </p:nvPicPr>
         <p:blipFill>
           <a:blip r:embed="rId19"/>
-          <a:stretch/>
+          <a:stretch>
+            <a:fillRect/>
+          </a:stretch>
         </p:blipFill>
         <p:spPr>
           <a:xfrm>
@@ -5740,7 +5764,9 @@
         </p:nvPicPr>
         <p:blipFill>
           <a:blip r:embed="rId20"/>
-          <a:stretch/>
+          <a:stretch>
+            <a:fillRect/>
+          </a:stretch>
         </p:blipFill>
         <p:spPr>
           <a:xfrm>
@@ -5763,7 +5789,9 @@
         </p:nvPicPr>
         <p:blipFill>
           <a:blip r:embed="rId21"/>
-          <a:stretch/>
+          <a:stretch>
+            <a:fillRect/>
+          </a:stretch>
         </p:blipFill>
         <p:spPr>
           <a:xfrm>
@@ -5812,7 +5840,7 @@
                     <a:srgbClr val="FFFFFF"/>
                   </a:solidFill>
                 </a:uFill>
-                <a:latin typeface="Arial"/>
+                <a:latin typeface="Arial" panose="020B0604020202020204"/>
               </a:rPr>
               <a:t>Click to edit the title text format</a:t>
             </a:r>
@@ -5842,12 +5870,12 @@
           <a:bodyPr lIns="0" tIns="0" rIns="0" bIns="0"/>
           <a:lstStyle/>
           <a:p>
-            <a:pPr marL="432000" indent="-324000">
+            <a:pPr marL="431800" indent="-323850">
               <a:buClr>
                 <a:srgbClr val="000000"/>
               </a:buClr>
               <a:buSzPct val="45000"/>
-              <a:buFont typeface="Wingdings" charset="2"/>
+              <a:buFont typeface="Wingdings" panose="05000000000000000000" pitchFamily="2" charset="2"/>
               <a:buChar char=""/>
             </a:pPr>
             <a:r>
@@ -5860,18 +5888,18 @@
                     <a:srgbClr val="FFFFFF"/>
                   </a:solidFill>
                 </a:uFill>
-                <a:latin typeface="Arial"/>
+                <a:latin typeface="Arial" panose="020B0604020202020204"/>
               </a:rPr>
               <a:t>Click to edit the outline text format</a:t>
             </a:r>
           </a:p>
           <a:p>
-            <a:pPr marL="864000" lvl="1" indent="-324000">
+            <a:pPr marL="864235" lvl="1" indent="-323850">
               <a:buClr>
                 <a:srgbClr val="000000"/>
               </a:buClr>
               <a:buSzPct val="75000"/>
-              <a:buFont typeface="Symbol" charset="2"/>
+              <a:buFont typeface="Symbol" panose="05050102010706020507" charset="2"/>
               <a:buChar char=""/>
             </a:pPr>
             <a:r>
@@ -5884,18 +5912,18 @@
                     <a:srgbClr val="FFFFFF"/>
                   </a:solidFill>
                 </a:uFill>
-                <a:latin typeface="Arial"/>
+                <a:latin typeface="Arial" panose="020B0604020202020204"/>
               </a:rPr>
               <a:t>Second Outline Level</a:t>
             </a:r>
           </a:p>
           <a:p>
-            <a:pPr marL="1296000" lvl="2" indent="-288000">
+            <a:pPr marL="1296035" lvl="2" indent="-288290">
               <a:buClr>
                 <a:srgbClr val="000000"/>
               </a:buClr>
               <a:buSzPct val="45000"/>
-              <a:buFont typeface="Wingdings" charset="2"/>
+              <a:buFont typeface="Wingdings" panose="05000000000000000000" pitchFamily="2" charset="2"/>
               <a:buChar char=""/>
             </a:pPr>
             <a:r>
@@ -5908,18 +5936,18 @@
                     <a:srgbClr val="FFFFFF"/>
                   </a:solidFill>
                 </a:uFill>
-                <a:latin typeface="Arial"/>
+                <a:latin typeface="Arial" panose="020B0604020202020204"/>
               </a:rPr>
               <a:t>Third Outline Level</a:t>
             </a:r>
           </a:p>
           <a:p>
-            <a:pPr marL="1728000" lvl="3" indent="-216000">
+            <a:pPr marL="1727835" lvl="3" indent="-215900">
               <a:buClr>
                 <a:srgbClr val="000000"/>
               </a:buClr>
               <a:buSzPct val="75000"/>
-              <a:buFont typeface="Symbol" charset="2"/>
+              <a:buFont typeface="Symbol" panose="05050102010706020507" charset="2"/>
               <a:buChar char=""/>
             </a:pPr>
             <a:r>
@@ -5932,18 +5960,18 @@
                     <a:srgbClr val="FFFFFF"/>
                   </a:solidFill>
                 </a:uFill>
-                <a:latin typeface="Arial"/>
+                <a:latin typeface="Arial" panose="020B0604020202020204"/>
               </a:rPr>
               <a:t>Fourth Outline Level</a:t>
             </a:r>
           </a:p>
           <a:p>
-            <a:pPr marL="2160000" lvl="4" indent="-216000">
+            <a:pPr marL="2160270" lvl="4" indent="-215900">
               <a:buClr>
                 <a:srgbClr val="000000"/>
               </a:buClr>
               <a:buSzPct val="45000"/>
-              <a:buFont typeface="Wingdings" charset="2"/>
+              <a:buFont typeface="Wingdings" panose="05000000000000000000" pitchFamily="2" charset="2"/>
               <a:buChar char=""/>
             </a:pPr>
             <a:r>
@@ -5956,18 +5984,18 @@
                     <a:srgbClr val="FFFFFF"/>
                   </a:solidFill>
                 </a:uFill>
-                <a:latin typeface="Arial"/>
+                <a:latin typeface="Arial" panose="020B0604020202020204"/>
               </a:rPr>
               <a:t>Fifth Outline Level</a:t>
             </a:r>
           </a:p>
           <a:p>
-            <a:pPr marL="2592000" lvl="5" indent="-216000">
+            <a:pPr marL="2592070" lvl="5" indent="-215900">
               <a:buClr>
                 <a:srgbClr val="000000"/>
               </a:buClr>
               <a:buSzPct val="45000"/>
-              <a:buFont typeface="Wingdings" charset="2"/>
+              <a:buFont typeface="Wingdings" panose="05000000000000000000" pitchFamily="2" charset="2"/>
               <a:buChar char=""/>
             </a:pPr>
             <a:r>
@@ -5980,18 +6008,18 @@
                     <a:srgbClr val="FFFFFF"/>
                   </a:solidFill>
                 </a:uFill>
-                <a:latin typeface="Arial"/>
+                <a:latin typeface="Arial" panose="020B0604020202020204"/>
               </a:rPr>
               <a:t>Sixth Outline Level</a:t>
             </a:r>
           </a:p>
           <a:p>
-            <a:pPr marL="3024000" lvl="6" indent="-216000">
+            <a:pPr marL="3023870" lvl="6" indent="-215900">
               <a:buClr>
                 <a:srgbClr val="000000"/>
               </a:buClr>
               <a:buSzPct val="45000"/>
-              <a:buFont typeface="Wingdings" charset="2"/>
+              <a:buFont typeface="Wingdings" panose="05000000000000000000" pitchFamily="2" charset="2"/>
               <a:buChar char=""/>
             </a:pPr>
             <a:r>
@@ -6004,7 +6032,7 @@
                     <a:srgbClr val="FFFFFF"/>
                   </a:solidFill>
                 </a:uFill>
-                <a:latin typeface="Arial"/>
+                <a:latin typeface="Arial" panose="020B0604020202020204"/>
               </a:rPr>
               <a:t>Seventh Outline Level</a:t>
             </a:r>
@@ -6344,7 +6372,9 @@
         </p:nvPicPr>
         <p:blipFill>
           <a:blip r:embed="rId14"/>
-          <a:stretch/>
+          <a:stretch>
+            <a:fillRect/>
+          </a:stretch>
         </p:blipFill>
         <p:spPr>
           <a:xfrm>
@@ -6410,7 +6440,7 @@
                   <a:srgbClr val="FFFFFF"/>
                 </a:solidFill>
               </a:uFill>
-              <a:latin typeface="Arial"/>
+              <a:latin typeface="Arial" panose="020B0604020202020204"/>
             </a:endParaRPr>
           </a:p>
           <a:p>
@@ -6428,7 +6458,7 @@
                   <a:srgbClr val="FFFFFF"/>
                 </a:solidFill>
               </a:uFill>
-              <a:latin typeface="Arial"/>
+              <a:latin typeface="Arial" panose="020B0604020202020204"/>
             </a:endParaRPr>
           </a:p>
           <a:p>
@@ -6446,7 +6476,7 @@
                   <a:srgbClr val="FFFFFF"/>
                 </a:solidFill>
               </a:uFill>
-              <a:latin typeface="Arial"/>
+              <a:latin typeface="Arial" panose="020B0604020202020204"/>
             </a:endParaRPr>
           </a:p>
           <a:p>
@@ -6464,7 +6494,7 @@
                   <a:srgbClr val="FFFFFF"/>
                 </a:solidFill>
               </a:uFill>
-              <a:latin typeface="Arial"/>
+              <a:latin typeface="Arial" panose="020B0604020202020204"/>
             </a:endParaRPr>
           </a:p>
         </p:txBody>
@@ -6477,7 +6507,9 @@
         </p:nvPicPr>
         <p:blipFill>
           <a:blip r:embed="rId15"/>
-          <a:stretch/>
+          <a:stretch>
+            <a:fillRect/>
+          </a:stretch>
         </p:blipFill>
         <p:spPr>
           <a:xfrm>
@@ -6500,7 +6532,9 @@
         </p:nvPicPr>
         <p:blipFill>
           <a:blip r:embed="rId16"/>
-          <a:stretch/>
+          <a:stretch>
+            <a:fillRect/>
+          </a:stretch>
         </p:blipFill>
         <p:spPr>
           <a:xfrm>
@@ -6523,7 +6557,9 @@
         </p:nvPicPr>
         <p:blipFill>
           <a:blip r:embed="rId17"/>
-          <a:stretch/>
+          <a:stretch>
+            <a:fillRect/>
+          </a:stretch>
         </p:blipFill>
         <p:spPr>
           <a:xfrm>
@@ -6546,7 +6582,9 @@
         </p:nvPicPr>
         <p:blipFill>
           <a:blip r:embed="rId18"/>
-          <a:stretch/>
+          <a:stretch>
+            <a:fillRect/>
+          </a:stretch>
         </p:blipFill>
         <p:spPr>
           <a:xfrm>
@@ -6569,7 +6607,9 @@
         </p:nvPicPr>
         <p:blipFill>
           <a:blip r:embed="rId19"/>
-          <a:stretch/>
+          <a:stretch>
+            <a:fillRect/>
+          </a:stretch>
         </p:blipFill>
         <p:spPr>
           <a:xfrm>
@@ -6592,7 +6632,9 @@
         </p:nvPicPr>
         <p:blipFill>
           <a:blip r:embed="rId20"/>
-          <a:stretch/>
+          <a:stretch>
+            <a:fillRect/>
+          </a:stretch>
         </p:blipFill>
         <p:spPr>
           <a:xfrm>
@@ -6615,7 +6657,9 @@
         </p:nvPicPr>
         <p:blipFill>
           <a:blip r:embed="rId21"/>
-          <a:stretch/>
+          <a:stretch>
+            <a:fillRect/>
+          </a:stretch>
         </p:blipFill>
         <p:spPr>
           <a:xfrm>
@@ -6664,7 +6708,7 @@
                     <a:srgbClr val="FFFFFF"/>
                   </a:solidFill>
                 </a:uFill>
-                <a:latin typeface="Arial"/>
+                <a:latin typeface="Arial" panose="020B0604020202020204"/>
               </a:rPr>
               <a:t>Click to edit the title text format</a:t>
             </a:r>
@@ -6694,12 +6738,12 @@
           <a:bodyPr lIns="0" tIns="0" rIns="0" bIns="0"/>
           <a:lstStyle/>
           <a:p>
-            <a:pPr marL="432000" indent="-324000">
+            <a:pPr marL="431800" indent="-323850">
               <a:buClr>
                 <a:srgbClr val="000000"/>
               </a:buClr>
               <a:buSzPct val="45000"/>
-              <a:buFont typeface="Wingdings" charset="2"/>
+              <a:buFont typeface="Wingdings" panose="05000000000000000000" pitchFamily="2" charset="2"/>
               <a:buChar char=""/>
             </a:pPr>
             <a:r>
@@ -6712,18 +6756,18 @@
                     <a:srgbClr val="FFFFFF"/>
                   </a:solidFill>
                 </a:uFill>
-                <a:latin typeface="Arial"/>
+                <a:latin typeface="Arial" panose="020B0604020202020204"/>
               </a:rPr>
               <a:t>Click to edit the outline text format</a:t>
             </a:r>
           </a:p>
           <a:p>
-            <a:pPr marL="864000" lvl="1" indent="-324000">
+            <a:pPr marL="864235" lvl="1" indent="-323850">
               <a:buClr>
                 <a:srgbClr val="000000"/>
               </a:buClr>
               <a:buSzPct val="75000"/>
-              <a:buFont typeface="Symbol" charset="2"/>
+              <a:buFont typeface="Symbol" panose="05050102010706020507" charset="2"/>
               <a:buChar char=""/>
             </a:pPr>
             <a:r>
@@ -6736,18 +6780,18 @@
                     <a:srgbClr val="FFFFFF"/>
                   </a:solidFill>
                 </a:uFill>
-                <a:latin typeface="Arial"/>
+                <a:latin typeface="Arial" panose="020B0604020202020204"/>
               </a:rPr>
               <a:t>Second Outline Level</a:t>
             </a:r>
           </a:p>
           <a:p>
-            <a:pPr marL="1296000" lvl="2" indent="-288000">
+            <a:pPr marL="1296035" lvl="2" indent="-288290">
               <a:buClr>
                 <a:srgbClr val="000000"/>
               </a:buClr>
               <a:buSzPct val="45000"/>
-              <a:buFont typeface="Wingdings" charset="2"/>
+              <a:buFont typeface="Wingdings" panose="05000000000000000000" pitchFamily="2" charset="2"/>
               <a:buChar char=""/>
             </a:pPr>
             <a:r>
@@ -6760,18 +6804,18 @@
                     <a:srgbClr val="FFFFFF"/>
                   </a:solidFill>
                 </a:uFill>
-                <a:latin typeface="Arial"/>
+                <a:latin typeface="Arial" panose="020B0604020202020204"/>
               </a:rPr>
               <a:t>Third Outline Level</a:t>
             </a:r>
           </a:p>
           <a:p>
-            <a:pPr marL="1728000" lvl="3" indent="-216000">
+            <a:pPr marL="1727835" lvl="3" indent="-215900">
               <a:buClr>
                 <a:srgbClr val="000000"/>
               </a:buClr>
               <a:buSzPct val="75000"/>
-              <a:buFont typeface="Symbol" charset="2"/>
+              <a:buFont typeface="Symbol" panose="05050102010706020507" charset="2"/>
               <a:buChar char=""/>
             </a:pPr>
             <a:r>
@@ -6784,18 +6828,18 @@
                     <a:srgbClr val="FFFFFF"/>
                   </a:solidFill>
                 </a:uFill>
-                <a:latin typeface="Arial"/>
+                <a:latin typeface="Arial" panose="020B0604020202020204"/>
               </a:rPr>
               <a:t>Fourth Outline Level</a:t>
             </a:r>
           </a:p>
           <a:p>
-            <a:pPr marL="2160000" lvl="4" indent="-216000">
+            <a:pPr marL="2160270" lvl="4" indent="-215900">
               <a:buClr>
                 <a:srgbClr val="000000"/>
               </a:buClr>
               <a:buSzPct val="45000"/>
-              <a:buFont typeface="Wingdings" charset="2"/>
+              <a:buFont typeface="Wingdings" panose="05000000000000000000" pitchFamily="2" charset="2"/>
               <a:buChar char=""/>
             </a:pPr>
             <a:r>
@@ -6808,18 +6852,18 @@
                     <a:srgbClr val="FFFFFF"/>
                   </a:solidFill>
                 </a:uFill>
-                <a:latin typeface="Arial"/>
+                <a:latin typeface="Arial" panose="020B0604020202020204"/>
               </a:rPr>
               <a:t>Fifth Outline Level</a:t>
             </a:r>
           </a:p>
           <a:p>
-            <a:pPr marL="2592000" lvl="5" indent="-216000">
+            <a:pPr marL="2592070" lvl="5" indent="-215900">
               <a:buClr>
                 <a:srgbClr val="000000"/>
               </a:buClr>
               <a:buSzPct val="45000"/>
-              <a:buFont typeface="Wingdings" charset="2"/>
+              <a:buFont typeface="Wingdings" panose="05000000000000000000" pitchFamily="2" charset="2"/>
               <a:buChar char=""/>
             </a:pPr>
             <a:r>
@@ -6832,18 +6876,18 @@
                     <a:srgbClr val="FFFFFF"/>
                   </a:solidFill>
                 </a:uFill>
-                <a:latin typeface="Arial"/>
+                <a:latin typeface="Arial" panose="020B0604020202020204"/>
               </a:rPr>
               <a:t>Sixth Outline Level</a:t>
             </a:r>
           </a:p>
           <a:p>
-            <a:pPr marL="3024000" lvl="6" indent="-216000">
+            <a:pPr marL="3023870" lvl="6" indent="-215900">
               <a:buClr>
                 <a:srgbClr val="000000"/>
               </a:buClr>
               <a:buSzPct val="45000"/>
-              <a:buFont typeface="Wingdings" charset="2"/>
+              <a:buFont typeface="Wingdings" panose="05000000000000000000" pitchFamily="2" charset="2"/>
               <a:buChar char=""/>
             </a:pPr>
             <a:r>
@@ -6856,7 +6900,7 @@
                     <a:srgbClr val="FFFFFF"/>
                   </a:solidFill>
                 </a:uFill>
-                <a:latin typeface="Arial"/>
+                <a:latin typeface="Arial" panose="020B0604020202020204"/>
               </a:rPr>
               <a:t>Seventh Outline Level</a:t>
             </a:r>
@@ -7196,7 +7240,9 @@
         </p:nvPicPr>
         <p:blipFill>
           <a:blip r:embed="rId14"/>
-          <a:stretch/>
+          <a:stretch>
+            <a:fillRect/>
+          </a:stretch>
         </p:blipFill>
         <p:spPr>
           <a:xfrm>
@@ -7262,7 +7308,7 @@
                   <a:srgbClr val="FFFFFF"/>
                 </a:solidFill>
               </a:uFill>
-              <a:latin typeface="Arial"/>
+              <a:latin typeface="Arial" panose="020B0604020202020204"/>
             </a:endParaRPr>
           </a:p>
           <a:p>
@@ -7280,7 +7326,7 @@
                   <a:srgbClr val="FFFFFF"/>
                 </a:solidFill>
               </a:uFill>
-              <a:latin typeface="Arial"/>
+              <a:latin typeface="Arial" panose="020B0604020202020204"/>
             </a:endParaRPr>
           </a:p>
           <a:p>
@@ -7298,7 +7344,7 @@
                   <a:srgbClr val="FFFFFF"/>
                 </a:solidFill>
               </a:uFill>
-              <a:latin typeface="Arial"/>
+              <a:latin typeface="Arial" panose="020B0604020202020204"/>
             </a:endParaRPr>
           </a:p>
           <a:p>
@@ -7316,7 +7362,7 @@
                   <a:srgbClr val="FFFFFF"/>
                 </a:solidFill>
               </a:uFill>
-              <a:latin typeface="Arial"/>
+              <a:latin typeface="Arial" panose="020B0604020202020204"/>
             </a:endParaRPr>
           </a:p>
         </p:txBody>
@@ -7329,7 +7375,9 @@
         </p:nvPicPr>
         <p:blipFill>
           <a:blip r:embed="rId15"/>
-          <a:stretch/>
+          <a:stretch>
+            <a:fillRect/>
+          </a:stretch>
         </p:blipFill>
         <p:spPr>
           <a:xfrm>
@@ -7352,7 +7400,9 @@
         </p:nvPicPr>
         <p:blipFill>
           <a:blip r:embed="rId16"/>
-          <a:stretch/>
+          <a:stretch>
+            <a:fillRect/>
+          </a:stretch>
         </p:blipFill>
         <p:spPr>
           <a:xfrm>
@@ -7375,7 +7425,9 @@
         </p:nvPicPr>
         <p:blipFill>
           <a:blip r:embed="rId17"/>
-          <a:stretch/>
+          <a:stretch>
+            <a:fillRect/>
+          </a:stretch>
         </p:blipFill>
         <p:spPr>
           <a:xfrm>
@@ -7398,7 +7450,9 @@
         </p:nvPicPr>
         <p:blipFill>
           <a:blip r:embed="rId18"/>
-          <a:stretch/>
+          <a:stretch>
+            <a:fillRect/>
+          </a:stretch>
         </p:blipFill>
         <p:spPr>
           <a:xfrm>
@@ -7421,7 +7475,9 @@
         </p:nvPicPr>
         <p:blipFill>
           <a:blip r:embed="rId19"/>
-          <a:stretch/>
+          <a:stretch>
+            <a:fillRect/>
+          </a:stretch>
         </p:blipFill>
         <p:spPr>
           <a:xfrm>
@@ -7444,7 +7500,9 @@
         </p:nvPicPr>
         <p:blipFill>
           <a:blip r:embed="rId20"/>
-          <a:stretch/>
+          <a:stretch>
+            <a:fillRect/>
+          </a:stretch>
         </p:blipFill>
         <p:spPr>
           <a:xfrm>
@@ -7467,7 +7525,9 @@
         </p:nvPicPr>
         <p:blipFill>
           <a:blip r:embed="rId21"/>
-          <a:stretch/>
+          <a:stretch>
+            <a:fillRect/>
+          </a:stretch>
         </p:blipFill>
         <p:spPr>
           <a:xfrm>
@@ -7516,7 +7576,7 @@
                     <a:srgbClr val="FFFFFF"/>
                   </a:solidFill>
                 </a:uFill>
-                <a:latin typeface="Arial"/>
+                <a:latin typeface="Arial" panose="020B0604020202020204"/>
               </a:rPr>
               <a:t>Click to edit the title text format</a:t>
             </a:r>
@@ -7546,12 +7606,12 @@
           <a:bodyPr lIns="0" tIns="0" rIns="0" bIns="0"/>
           <a:lstStyle/>
           <a:p>
-            <a:pPr marL="432000" indent="-324000">
+            <a:pPr marL="431800" indent="-323850">
               <a:buClr>
                 <a:srgbClr val="000000"/>
               </a:buClr>
               <a:buSzPct val="45000"/>
-              <a:buFont typeface="Wingdings" charset="2"/>
+              <a:buFont typeface="Wingdings" panose="05000000000000000000" pitchFamily="2" charset="2"/>
               <a:buChar char=""/>
             </a:pPr>
             <a:r>
@@ -7564,18 +7624,18 @@
                     <a:srgbClr val="FFFFFF"/>
                   </a:solidFill>
                 </a:uFill>
-                <a:latin typeface="Arial"/>
+                <a:latin typeface="Arial" panose="020B0604020202020204"/>
               </a:rPr>
               <a:t>Click to edit the outline text format</a:t>
             </a:r>
           </a:p>
           <a:p>
-            <a:pPr marL="864000" lvl="1" indent="-324000">
+            <a:pPr marL="864235" lvl="1" indent="-323850">
               <a:buClr>
                 <a:srgbClr val="000000"/>
               </a:buClr>
               <a:buSzPct val="75000"/>
-              <a:buFont typeface="Symbol" charset="2"/>
+              <a:buFont typeface="Symbol" panose="05050102010706020507" charset="2"/>
               <a:buChar char=""/>
             </a:pPr>
             <a:r>
@@ -7588,18 +7648,18 @@
                     <a:srgbClr val="FFFFFF"/>
                   </a:solidFill>
                 </a:uFill>
-                <a:latin typeface="Arial"/>
+                <a:latin typeface="Arial" panose="020B0604020202020204"/>
               </a:rPr>
               <a:t>Second Outline Level</a:t>
             </a:r>
           </a:p>
           <a:p>
-            <a:pPr marL="1296000" lvl="2" indent="-288000">
+            <a:pPr marL="1296035" lvl="2" indent="-288290">
               <a:buClr>
                 <a:srgbClr val="000000"/>
               </a:buClr>
               <a:buSzPct val="45000"/>
-              <a:buFont typeface="Wingdings" charset="2"/>
+              <a:buFont typeface="Wingdings" panose="05000000000000000000" pitchFamily="2" charset="2"/>
               <a:buChar char=""/>
             </a:pPr>
             <a:r>
@@ -7612,18 +7672,18 @@
                     <a:srgbClr val="FFFFFF"/>
                   </a:solidFill>
                 </a:uFill>
-                <a:latin typeface="Arial"/>
+                <a:latin typeface="Arial" panose="020B0604020202020204"/>
               </a:rPr>
               <a:t>Third Outline Level</a:t>
             </a:r>
           </a:p>
           <a:p>
-            <a:pPr marL="1728000" lvl="3" indent="-216000">
+            <a:pPr marL="1727835" lvl="3" indent="-215900">
               <a:buClr>
                 <a:srgbClr val="000000"/>
               </a:buClr>
               <a:buSzPct val="75000"/>
-              <a:buFont typeface="Symbol" charset="2"/>
+              <a:buFont typeface="Symbol" panose="05050102010706020507" charset="2"/>
               <a:buChar char=""/>
             </a:pPr>
             <a:r>
@@ -7636,18 +7696,18 @@
                     <a:srgbClr val="FFFFFF"/>
                   </a:solidFill>
                 </a:uFill>
-                <a:latin typeface="Arial"/>
+                <a:latin typeface="Arial" panose="020B0604020202020204"/>
               </a:rPr>
               <a:t>Fourth Outline Level</a:t>
             </a:r>
           </a:p>
           <a:p>
-            <a:pPr marL="2160000" lvl="4" indent="-216000">
+            <a:pPr marL="2160270" lvl="4" indent="-215900">
               <a:buClr>
                 <a:srgbClr val="000000"/>
               </a:buClr>
               <a:buSzPct val="45000"/>
-              <a:buFont typeface="Wingdings" charset="2"/>
+              <a:buFont typeface="Wingdings" panose="05000000000000000000" pitchFamily="2" charset="2"/>
               <a:buChar char=""/>
             </a:pPr>
             <a:r>
@@ -7660,18 +7720,18 @@
                     <a:srgbClr val="FFFFFF"/>
                   </a:solidFill>
                 </a:uFill>
-                <a:latin typeface="Arial"/>
+                <a:latin typeface="Arial" panose="020B0604020202020204"/>
               </a:rPr>
               <a:t>Fifth Outline Level</a:t>
             </a:r>
           </a:p>
           <a:p>
-            <a:pPr marL="2592000" lvl="5" indent="-216000">
+            <a:pPr marL="2592070" lvl="5" indent="-215900">
               <a:buClr>
                 <a:srgbClr val="000000"/>
               </a:buClr>
               <a:buSzPct val="45000"/>
-              <a:buFont typeface="Wingdings" charset="2"/>
+              <a:buFont typeface="Wingdings" panose="05000000000000000000" pitchFamily="2" charset="2"/>
               <a:buChar char=""/>
             </a:pPr>
             <a:r>
@@ -7684,18 +7744,18 @@
                     <a:srgbClr val="FFFFFF"/>
                   </a:solidFill>
                 </a:uFill>
-                <a:latin typeface="Arial"/>
+                <a:latin typeface="Arial" panose="020B0604020202020204"/>
               </a:rPr>
               <a:t>Sixth Outline Level</a:t>
             </a:r>
           </a:p>
           <a:p>
-            <a:pPr marL="3024000" lvl="6" indent="-216000">
+            <a:pPr marL="3023870" lvl="6" indent="-215900">
               <a:buClr>
                 <a:srgbClr val="000000"/>
               </a:buClr>
               <a:buSzPct val="45000"/>
-              <a:buFont typeface="Wingdings" charset="2"/>
+              <a:buFont typeface="Wingdings" panose="05000000000000000000" pitchFamily="2" charset="2"/>
               <a:buChar char=""/>
             </a:pPr>
             <a:r>
@@ -7708,7 +7768,7 @@
                     <a:srgbClr val="FFFFFF"/>
                   </a:solidFill>
                 </a:uFill>
-                <a:latin typeface="Arial"/>
+                <a:latin typeface="Arial" panose="020B0604020202020204"/>
               </a:rPr>
               <a:t>Seventh Outline Level</a:t>
             </a:r>
@@ -8089,8 +8149,8 @@
                     <a:srgbClr val="FFFFFF"/>
                   </a:solidFill>
                 </a:uFill>
-                <a:latin typeface="Trebuchet MS"/>
-                <a:ea typeface="Trebuchet MS"/>
+                <a:latin typeface="Trebuchet MS" panose="020B0603020202020204"/>
+                <a:ea typeface="Trebuchet MS" panose="020B0603020202020204"/>
               </a:rPr>
               <a:t>Mini-Project Progress Review 2</a:t>
             </a:r>
@@ -8110,7 +8170,7 @@
                   <a:srgbClr val="FFFFFF"/>
                 </a:solidFill>
               </a:uFill>
-              <a:latin typeface="Arial"/>
+              <a:latin typeface="Arial" panose="020B0604020202020204"/>
             </a:endParaRPr>
           </a:p>
           <a:p>
@@ -8128,7 +8188,7 @@
                   <a:srgbClr val="FFFFFF"/>
                 </a:solidFill>
               </a:uFill>
-              <a:latin typeface="Arial"/>
+              <a:latin typeface="Arial" panose="020B0604020202020204"/>
             </a:endParaRPr>
           </a:p>
         </p:txBody>
@@ -8183,8 +8243,8 @@
                     <a:srgbClr val="FFFFFF"/>
                   </a:solidFill>
                 </a:uFill>
-                <a:latin typeface="Trebuchet MS"/>
-                <a:ea typeface="Trebuchet MS"/>
+                <a:latin typeface="Trebuchet MS" panose="020B0603020202020204"/>
+                <a:ea typeface="Trebuchet MS" panose="020B0603020202020204"/>
               </a:rPr>
               <a:t>Project Title     :  </a:t>
             </a:r>
@@ -8230,7 +8290,7 @@
                   <a:srgbClr val="FFFFFF"/>
                 </a:solidFill>
               </a:uFill>
-              <a:latin typeface="Arial"/>
+              <a:latin typeface="Arial" panose="020B0604020202020204"/>
             </a:endParaRPr>
           </a:p>
           <a:p>
@@ -8248,7 +8308,7 @@
                   <a:srgbClr val="FFFFFF"/>
                 </a:solidFill>
               </a:uFill>
-              <a:latin typeface="Arial"/>
+              <a:latin typeface="Arial" panose="020B0604020202020204"/>
             </a:endParaRPr>
           </a:p>
           <a:p>
@@ -8267,8 +8327,8 @@
                     <a:srgbClr val="FFFFFF"/>
                   </a:solidFill>
                 </a:uFill>
-                <a:latin typeface="Trebuchet MS"/>
-                <a:ea typeface="Trebuchet MS"/>
+                <a:latin typeface="Trebuchet MS" panose="020B0603020202020204"/>
+                <a:ea typeface="Trebuchet MS" panose="020B0603020202020204"/>
               </a:rPr>
               <a:t>Project Guide	: </a:t>
             </a:r>
@@ -8303,8 +8363,8 @@
                     <a:srgbClr val="FFFFFF"/>
                   </a:solidFill>
                 </a:uFill>
-                <a:latin typeface="Trebuchet MS"/>
-                <a:ea typeface="Trebuchet MS"/>
+                <a:latin typeface="Trebuchet MS" panose="020B0603020202020204"/>
+                <a:ea typeface="Trebuchet MS" panose="020B0603020202020204"/>
               </a:rPr>
               <a:t>      </a:t>
             </a:r>
@@ -8317,7 +8377,7 @@
                   <a:srgbClr val="FFFFFF"/>
                 </a:solidFill>
               </a:uFill>
-              <a:latin typeface="Arial"/>
+              <a:latin typeface="Arial" panose="020B0604020202020204"/>
             </a:endParaRPr>
           </a:p>
           <a:p>
@@ -8336,8 +8396,8 @@
                     <a:srgbClr val="FFFFFF"/>
                   </a:solidFill>
                 </a:uFill>
-                <a:latin typeface="Trebuchet MS"/>
-                <a:ea typeface="Trebuchet MS"/>
+                <a:latin typeface="Trebuchet MS" panose="020B0603020202020204"/>
+                <a:ea typeface="Trebuchet MS" panose="020B0603020202020204"/>
               </a:rPr>
               <a:t>           </a:t>
             </a:r>
@@ -8350,7 +8410,7 @@
                   <a:srgbClr val="FFFFFF"/>
                 </a:solidFill>
               </a:uFill>
-              <a:latin typeface="Arial"/>
+              <a:latin typeface="Arial" panose="020B0604020202020204"/>
             </a:endParaRPr>
           </a:p>
           <a:p>
@@ -8376,8 +8436,8 @@
                     <a:srgbClr val="FFFFFF"/>
                   </a:solidFill>
                 </a:uFill>
-                <a:latin typeface="Trebuchet MS"/>
-                <a:ea typeface="Trebuchet MS"/>
+                <a:latin typeface="Trebuchet MS" panose="020B0603020202020204"/>
+                <a:ea typeface="Trebuchet MS" panose="020B0603020202020204"/>
               </a:rPr>
               <a:t>Project Team ( Names &amp; USN) 	: </a:t>
             </a:r>
@@ -8481,7 +8541,7 @@
                   <a:srgbClr val="FFFFFF"/>
                 </a:solidFill>
               </a:uFill>
-              <a:latin typeface="Arial"/>
+              <a:latin typeface="Arial" panose="020B0604020202020204"/>
             </a:endParaRPr>
           </a:p>
           <a:p>
@@ -8499,7 +8559,7 @@
                   <a:srgbClr val="FFFFFF"/>
                 </a:solidFill>
               </a:uFill>
-              <a:latin typeface="Arial"/>
+              <a:latin typeface="Arial" panose="020B0604020202020204"/>
             </a:endParaRPr>
           </a:p>
         </p:txBody>
@@ -8509,33 +8569,6 @@
   <p:clrMapOvr>
     <a:masterClrMapping/>
   </p:clrMapOvr>
-  <p:timing>
-    <p:tnLst>
-      <p:par>
-        <p:cTn id="1" dur="indefinite" restart="never" nodeType="tmRoot">
-          <p:childTnLst>
-            <p:seq>
-              <p:cTn id="2" nodeType="mainSeq"/>
-              <p:prevCondLst>
-                <p:cond evt="onPrev" delay="0">
-                  <p:tgtEl>
-                    <p:sldTgt/>
-                  </p:tgtEl>
-                </p:cond>
-              </p:prevCondLst>
-              <p:nextCondLst>
-                <p:cond evt="onNext" delay="0">
-                  <p:tgtEl>
-                    <p:sldTgt/>
-                  </p:tgtEl>
-                </p:cond>
-              </p:nextCondLst>
-            </p:seq>
-          </p:childTnLst>
-        </p:cTn>
-      </p:par>
-    </p:tnLst>
-  </p:timing>
 </p:sld>
 </file>
 
@@ -8625,7 +8658,7 @@
           <a:bodyPr lIns="90000" tIns="45000" rIns="90000" bIns="45000"/>
           <a:lstStyle/>
           <a:p>
-            <a:pPr marL="343080" indent="-341280" algn="r">
+            <a:pPr marL="342900" indent="-340995" algn="r">
               <a:lnSpc>
                 <a:spcPct val="100000"/>
               </a:lnSpc>
@@ -8640,8 +8673,8 @@
                     <a:srgbClr val="FFFFFF"/>
                   </a:solidFill>
                 </a:uFill>
-                <a:latin typeface="Trebuchet MS"/>
-                <a:ea typeface="Trebuchet MS"/>
+                <a:latin typeface="Trebuchet MS" panose="020B0603020202020204"/>
+                <a:ea typeface="Trebuchet MS" panose="020B0603020202020204"/>
               </a:rPr>
               <a:t>Project Abstract and Scope </a:t>
             </a:r>
@@ -8654,20 +8687,14 @@
                   <a:srgbClr val="FFFFFF"/>
                 </a:solidFill>
               </a:uFill>
-              <a:latin typeface="Arial"/>
-            </a:endParaRPr>
-          </a:p>
-        </p:txBody>
-      </p:sp>
-      <p:sp>
-        <p:nvSpPr>
-          <p:cNvPr id="3" name="Text Placeholder 2">
-            <a:extLst>
-              <a:ext uri="{FF2B5EF4-FFF2-40B4-BE49-F238E27FC236}">
-                <a16:creationId xmlns:a16="http://schemas.microsoft.com/office/drawing/2014/main" id="{A4C5088B-9E34-4458-89B2-736B04F5EB02}"/>
-              </a:ext>
-            </a:extLst>
-          </p:cNvPr>
+              <a:latin typeface="Arial" panose="020B0604020202020204"/>
+            </a:endParaRPr>
+          </a:p>
+        </p:txBody>
+      </p:sp>
+      <p:sp>
+        <p:nvSpPr>
+          <p:cNvPr id="3" name="Text Placeholder 2"/>
           <p:cNvSpPr>
             <a:spLocks noGrp="1"/>
           </p:cNvSpPr>
@@ -8753,33 +8780,6 @@
   <p:clrMapOvr>
     <a:masterClrMapping/>
   </p:clrMapOvr>
-  <p:timing>
-    <p:tnLst>
-      <p:par>
-        <p:cTn id="1" dur="indefinite" restart="never" nodeType="tmRoot">
-          <p:childTnLst>
-            <p:seq>
-              <p:cTn id="2" nodeType="mainSeq"/>
-              <p:prevCondLst>
-                <p:cond evt="onPrev" delay="0">
-                  <p:tgtEl>
-                    <p:sldTgt/>
-                  </p:tgtEl>
-                </p:cond>
-              </p:prevCondLst>
-              <p:nextCondLst>
-                <p:cond evt="onNext" delay="0">
-                  <p:tgtEl>
-                    <p:sldTgt/>
-                  </p:tgtEl>
-                </p:cond>
-              </p:nextCondLst>
-            </p:seq>
-          </p:childTnLst>
-        </p:cTn>
-      </p:par>
-    </p:tnLst>
-  </p:timing>
 </p:sld>
 </file>
 
@@ -8869,7 +8869,7 @@
           <a:bodyPr lIns="90000" tIns="45000" rIns="90000" bIns="45000"/>
           <a:lstStyle/>
           <a:p>
-            <a:pPr marL="342720" algn="just">
+            <a:pPr marL="342900" algn="just">
               <a:lnSpc>
                 <a:spcPct val="100000"/>
               </a:lnSpc>
@@ -8888,13 +8888,13 @@
                     <a:srgbClr val="FFFFFF"/>
                   </a:solidFill>
                 </a:uFill>
-                <a:latin typeface="Trebuchet MS"/>
+                <a:latin typeface="Trebuchet MS" panose="020B0603020202020204"/>
               </a:rPr>
               <a:t>Suggestion:</a:t>
             </a:r>
           </a:p>
           <a:p>
-            <a:pPr marL="342720" algn="just">
+            <a:pPr marL="342900" algn="just">
               <a:lnSpc>
                 <a:spcPct val="100000"/>
               </a:lnSpc>
@@ -8912,11 +8912,11 @@
                   <a:srgbClr val="FFFFFF"/>
                 </a:solidFill>
               </a:uFill>
-              <a:latin typeface="Trebuchet MS"/>
-            </a:endParaRPr>
-          </a:p>
-          <a:p>
-            <a:pPr marL="342720" algn="just">
+              <a:latin typeface="Trebuchet MS" panose="020B0603020202020204"/>
+            </a:endParaRPr>
+          </a:p>
+          <a:p>
+            <a:pPr marL="342900" algn="just">
               <a:lnSpc>
                 <a:spcPct val="100000"/>
               </a:lnSpc>
@@ -8935,7 +8935,7 @@
                     <a:srgbClr val="FFFFFF"/>
                   </a:solidFill>
                 </a:uFill>
-                <a:latin typeface="Trebuchet MS"/>
+                <a:latin typeface="Trebuchet MS" panose="020B0603020202020204"/>
               </a:rPr>
               <a:t>For generating traffic we were suggested to come up with something better than </a:t>
             </a:r>
@@ -8949,7 +8949,7 @@
                     <a:srgbClr val="FFFFFF"/>
                   </a:solidFill>
                 </a:uFill>
-                <a:latin typeface="Trebuchet MS"/>
+                <a:latin typeface="Trebuchet MS" panose="020B0603020202020204"/>
               </a:rPr>
               <a:t>nping</a:t>
             </a:r>
@@ -8963,13 +8963,13 @@
                     <a:srgbClr val="FFFFFF"/>
                   </a:solidFill>
                 </a:uFill>
-                <a:latin typeface="Trebuchet MS"/>
+                <a:latin typeface="Trebuchet MS" panose="020B0603020202020204"/>
               </a:rPr>
               <a:t> .</a:t>
             </a:r>
           </a:p>
           <a:p>
-            <a:pPr marL="342720" algn="just">
+            <a:pPr marL="342900" algn="just">
               <a:lnSpc>
                 <a:spcPct val="100000"/>
               </a:lnSpc>
@@ -8987,11 +8987,11 @@
                   <a:srgbClr val="FFFFFF"/>
                 </a:solidFill>
               </a:uFill>
-              <a:latin typeface="Trebuchet MS"/>
-            </a:endParaRPr>
-          </a:p>
-          <a:p>
-            <a:pPr marL="342720" algn="just">
+              <a:latin typeface="Trebuchet MS" panose="020B0603020202020204"/>
+            </a:endParaRPr>
+          </a:p>
+          <a:p>
+            <a:pPr marL="342900" algn="just">
               <a:lnSpc>
                 <a:spcPct val="100000"/>
               </a:lnSpc>
@@ -9009,11 +9009,11 @@
                   <a:srgbClr val="FFFFFF"/>
                 </a:solidFill>
               </a:uFill>
-              <a:latin typeface="Trebuchet MS"/>
-            </a:endParaRPr>
-          </a:p>
-          <a:p>
-            <a:pPr marL="342720" algn="just">
+              <a:latin typeface="Trebuchet MS" panose="020B0603020202020204"/>
+            </a:endParaRPr>
+          </a:p>
+          <a:p>
+            <a:pPr marL="342900" algn="just">
               <a:lnSpc>
                 <a:spcPct val="100000"/>
               </a:lnSpc>
@@ -9032,13 +9032,13 @@
                     <a:srgbClr val="FFFFFF"/>
                   </a:solidFill>
                 </a:uFill>
-                <a:latin typeface="Trebuchet MS"/>
+                <a:latin typeface="Trebuchet MS" panose="020B0603020202020204"/>
               </a:rPr>
               <a:t>Progress:</a:t>
             </a:r>
           </a:p>
           <a:p>
-            <a:pPr marL="342720" algn="just">
+            <a:pPr marL="342900" algn="just">
               <a:lnSpc>
                 <a:spcPct val="100000"/>
               </a:lnSpc>
@@ -9056,11 +9056,11 @@
                   <a:srgbClr val="FFFFFF"/>
                 </a:solidFill>
               </a:uFill>
-              <a:latin typeface="Trebuchet MS"/>
-            </a:endParaRPr>
-          </a:p>
-          <a:p>
-            <a:pPr marL="342720" algn="just">
+              <a:latin typeface="Trebuchet MS" panose="020B0603020202020204"/>
+            </a:endParaRPr>
+          </a:p>
+          <a:p>
+            <a:pPr marL="342900" algn="just">
               <a:lnSpc>
                 <a:spcPct val="100000"/>
               </a:lnSpc>
@@ -9079,7 +9079,7 @@
                     <a:srgbClr val="FFFFFF"/>
                   </a:solidFill>
                 </a:uFill>
-                <a:latin typeface="Trebuchet MS"/>
+                <a:latin typeface="Trebuchet MS" panose="020B0603020202020204"/>
               </a:rPr>
               <a:t>We decided to create a simple python program which generates traffic using proxies so that the traffic seems to come from different locations.</a:t>
             </a:r>
@@ -9092,7 +9092,7 @@
                   <a:srgbClr val="FFFFFF"/>
                 </a:solidFill>
               </a:uFill>
-              <a:latin typeface="Arial"/>
+              <a:latin typeface="Arial" panose="020B0604020202020204"/>
             </a:endParaRPr>
           </a:p>
         </p:txBody>
@@ -9132,7 +9132,7 @@
           <a:bodyPr lIns="90000" tIns="45000" rIns="90000" bIns="45000"/>
           <a:lstStyle/>
           <a:p>
-            <a:pPr marL="342720" indent="-340920" algn="r">
+            <a:pPr marL="342900" indent="-340995" algn="r">
               <a:lnSpc>
                 <a:spcPct val="100000"/>
               </a:lnSpc>
@@ -9147,7 +9147,7 @@
                     <a:srgbClr val="FFFFFF"/>
                   </a:solidFill>
                 </a:uFill>
-                <a:latin typeface="Trebuchet MS"/>
+                <a:latin typeface="Trebuchet MS" panose="020B0603020202020204"/>
                 <a:ea typeface="DejaVu Sans"/>
               </a:rPr>
               <a:t>Suggestions from Review - 1</a:t>
@@ -9161,7 +9161,7 @@
                   <a:srgbClr val="FFFFFF"/>
                 </a:solidFill>
               </a:uFill>
-              <a:latin typeface="Arial"/>
+              <a:latin typeface="Arial" panose="020B0604020202020204"/>
             </a:endParaRPr>
           </a:p>
         </p:txBody>
@@ -9171,33 +9171,6 @@
   <p:clrMapOvr>
     <a:masterClrMapping/>
   </p:clrMapOvr>
-  <p:timing>
-    <p:tnLst>
-      <p:par>
-        <p:cTn id="1" dur="indefinite" restart="never" nodeType="tmRoot">
-          <p:childTnLst>
-            <p:seq>
-              <p:cTn id="2" nodeType="mainSeq"/>
-              <p:prevCondLst>
-                <p:cond evt="onPrev" delay="0">
-                  <p:tgtEl>
-                    <p:sldTgt/>
-                  </p:tgtEl>
-                </p:cond>
-              </p:prevCondLst>
-              <p:nextCondLst>
-                <p:cond evt="onNext" delay="0">
-                  <p:tgtEl>
-                    <p:sldTgt/>
-                  </p:tgtEl>
-                </p:cond>
-              </p:nextCondLst>
-            </p:seq>
-          </p:childTnLst>
-        </p:cTn>
-      </p:par>
-    </p:tnLst>
-  </p:timing>
 </p:sld>
 </file>
 
@@ -9287,7 +9260,7 @@
           <a:bodyPr lIns="90000" tIns="45000" rIns="90000" bIns="45000"/>
           <a:lstStyle/>
           <a:p>
-            <a:pPr marL="342720" indent="-340920" algn="r">
+            <a:pPr marL="342900" indent="-340995" algn="r">
               <a:lnSpc>
                 <a:spcPct val="100000"/>
               </a:lnSpc>
@@ -9302,7 +9275,7 @@
                     <a:srgbClr val="FFFFFF"/>
                   </a:solidFill>
                 </a:uFill>
-                <a:latin typeface="Trebuchet MS"/>
+                <a:latin typeface="Trebuchet MS" panose="020B0603020202020204"/>
                 <a:ea typeface="DejaVu Sans"/>
               </a:rPr>
               <a:t>Detailed Literature Survey</a:t>
@@ -9316,7 +9289,7 @@
                   <a:srgbClr val="FFFFFF"/>
                 </a:solidFill>
               </a:uFill>
-              <a:latin typeface="Arial"/>
+              <a:latin typeface="Arial" panose="020B0604020202020204"/>
             </a:endParaRPr>
           </a:p>
         </p:txBody>
@@ -9370,18 +9343,18 @@
                   <a:srgbClr val="FFFFFF"/>
                 </a:solidFill>
               </a:uFill>
-              <a:latin typeface="Arial"/>
-            </a:endParaRPr>
-          </a:p>
-          <a:p>
-            <a:pPr marL="685800" indent="-341280" algn="just">
+              <a:latin typeface="Arial" panose="020B0604020202020204"/>
+            </a:endParaRPr>
+          </a:p>
+          <a:p>
+            <a:pPr marL="685800" indent="-340995" algn="just">
               <a:lnSpc>
                 <a:spcPct val="100000"/>
               </a:lnSpc>
               <a:buClr>
                 <a:srgbClr val="0000FF"/>
               </a:buClr>
-              <a:buFont typeface="Wingdings" charset="2"/>
+              <a:buFont typeface="Wingdings" panose="05000000000000000000" pitchFamily="2" charset="2"/>
               <a:buChar char=""/>
             </a:pPr>
             <a:r>
@@ -9398,14 +9371,14 @@
             </a:r>
           </a:p>
           <a:p>
-            <a:pPr marL="685800" indent="-341280" algn="just">
+            <a:pPr marL="685800" indent="-340995" algn="just">
               <a:lnSpc>
                 <a:spcPct val="100000"/>
               </a:lnSpc>
               <a:buClr>
                 <a:srgbClr val="0000FF"/>
               </a:buClr>
-              <a:buFont typeface="Wingdings" charset="2"/>
+              <a:buFont typeface="Wingdings" panose="05000000000000000000" pitchFamily="2" charset="2"/>
               <a:buChar char=""/>
             </a:pPr>
             <a:r>
@@ -9430,14 +9403,14 @@
                     <a:srgbClr val="FFFFFF"/>
                   </a:solidFill>
                 </a:uFill>
-                <a:latin typeface="Trebuchet MS"/>
+                <a:latin typeface="Trebuchet MS" panose="020B0603020202020204"/>
                 <a:ea typeface="DejaVu Sans"/>
               </a:rPr>
               <a:t> </a:t>
             </a:r>
           </a:p>
           <a:p>
-            <a:pPr marL="344520" algn="just">
+            <a:pPr marL="344805" algn="just">
               <a:lnSpc>
                 <a:spcPct val="100000"/>
               </a:lnSpc>
@@ -9454,16 +9427,16 @@
                   <a:srgbClr val="FFFFFF"/>
                 </a:solidFill>
               </a:uFill>
-              <a:latin typeface="Trebuchet MS"/>
+              <a:latin typeface="Trebuchet MS" panose="020B0603020202020204"/>
               <a:ea typeface="DejaVu Sans"/>
             </a:endParaRPr>
           </a:p>
           <a:p>
-            <a:pPr marL="685800" indent="-341280" algn="just">
+            <a:pPr marL="685800" indent="-340995" algn="just">
               <a:buClr>
                 <a:srgbClr val="0000FF"/>
               </a:buClr>
-              <a:buFont typeface="Wingdings" charset="2"/>
+              <a:buFont typeface="Wingdings" panose="05000000000000000000" pitchFamily="2" charset="2"/>
               <a:buChar char=""/>
             </a:pPr>
             <a:r>
@@ -9645,11 +9618,11 @@
             </a:endParaRPr>
           </a:p>
           <a:p>
-            <a:pPr marL="685800" indent="-341280" algn="just">
+            <a:pPr marL="685800" indent="-340995" algn="just">
               <a:buClr>
                 <a:srgbClr val="0000FF"/>
               </a:buClr>
-              <a:buFont typeface="Wingdings" charset="2"/>
+              <a:buFont typeface="Wingdings" panose="05000000000000000000" pitchFamily="2" charset="2"/>
               <a:buChar char=""/>
             </a:pPr>
             <a:r>
@@ -9673,15 +9646,15 @@
                   <a:srgbClr val="FFFFFF"/>
                 </a:solidFill>
               </a:uFill>
-              <a:latin typeface="Arial"/>
-            </a:endParaRPr>
-          </a:p>
-          <a:p>
-            <a:pPr marL="685800" indent="-341280" algn="just">
+              <a:latin typeface="Arial" panose="020B0604020202020204"/>
+            </a:endParaRPr>
+          </a:p>
+          <a:p>
+            <a:pPr marL="685800" indent="-340995" algn="just">
               <a:buClr>
                 <a:srgbClr val="0000FF"/>
               </a:buClr>
-              <a:buFont typeface="Wingdings" charset="2"/>
+              <a:buFont typeface="Wingdings" panose="05000000000000000000" pitchFamily="2" charset="2"/>
               <a:buChar char=""/>
             </a:pPr>
             <a:endParaRPr lang="en-IN" sz="2200" b="0" strike="noStrike" spc="-1" dirty="0">
@@ -9693,18 +9666,18 @@
                   <a:srgbClr val="FFFFFF"/>
                 </a:solidFill>
               </a:uFill>
-              <a:latin typeface="Arial"/>
-            </a:endParaRPr>
-          </a:p>
-          <a:p>
-            <a:pPr marL="685800" indent="-341280" algn="just">
+              <a:latin typeface="Arial" panose="020B0604020202020204"/>
+            </a:endParaRPr>
+          </a:p>
+          <a:p>
+            <a:pPr marL="685800" indent="-340995" algn="just">
               <a:lnSpc>
                 <a:spcPct val="100000"/>
               </a:lnSpc>
               <a:buClr>
                 <a:srgbClr val="0000FF"/>
               </a:buClr>
-              <a:buFont typeface="Wingdings" charset="2"/>
+              <a:buFont typeface="Wingdings" panose="05000000000000000000" pitchFamily="2" charset="2"/>
               <a:buChar char=""/>
             </a:pPr>
             <a:endParaRPr lang="en-IN" sz="2200" b="0" strike="noStrike" spc="-1" dirty="0">
@@ -9716,7 +9689,7 @@
                   <a:srgbClr val="FFFFFF"/>
                 </a:solidFill>
               </a:uFill>
-              <a:latin typeface="Arial"/>
+              <a:latin typeface="Arial" panose="020B0604020202020204"/>
             </a:endParaRPr>
           </a:p>
           <a:p>
@@ -9734,7 +9707,7 @@
                   <a:srgbClr val="FFFFFF"/>
                 </a:solidFill>
               </a:uFill>
-              <a:latin typeface="Arial"/>
+              <a:latin typeface="Arial" panose="020B0604020202020204"/>
             </a:endParaRPr>
           </a:p>
           <a:p>
@@ -9752,7 +9725,7 @@
                   <a:srgbClr val="FFFFFF"/>
                 </a:solidFill>
               </a:uFill>
-              <a:latin typeface="Arial"/>
+              <a:latin typeface="Arial" panose="020B0604020202020204"/>
             </a:endParaRPr>
           </a:p>
         </p:txBody>
@@ -9762,33 +9735,6 @@
   <p:clrMapOvr>
     <a:masterClrMapping/>
   </p:clrMapOvr>
-  <p:timing>
-    <p:tnLst>
-      <p:par>
-        <p:cTn id="1" dur="indefinite" restart="never" nodeType="tmRoot">
-          <p:childTnLst>
-            <p:seq>
-              <p:cTn id="2" nodeType="mainSeq"/>
-              <p:prevCondLst>
-                <p:cond evt="onPrev" delay="0">
-                  <p:tgtEl>
-                    <p:sldTgt/>
-                  </p:tgtEl>
-                </p:cond>
-              </p:prevCondLst>
-              <p:nextCondLst>
-                <p:cond evt="onNext" delay="0">
-                  <p:tgtEl>
-                    <p:sldTgt/>
-                  </p:tgtEl>
-                </p:cond>
-              </p:nextCondLst>
-            </p:seq>
-          </p:childTnLst>
-        </p:cTn>
-      </p:par>
-    </p:tnLst>
-  </p:timing>
 </p:sld>
 </file>
 
@@ -9878,7 +9824,7 @@
           <a:bodyPr lIns="90000" tIns="45000" rIns="90000" bIns="45000"/>
           <a:lstStyle/>
           <a:p>
-            <a:pPr marL="343080" indent="-341280" algn="r">
+            <a:pPr marL="342900" indent="-340995" algn="r">
               <a:lnSpc>
                 <a:spcPct val="100000"/>
               </a:lnSpc>
@@ -9893,8 +9839,8 @@
                     <a:srgbClr val="FFFFFF"/>
                   </a:solidFill>
                 </a:uFill>
-                <a:latin typeface="Trebuchet MS"/>
-                <a:ea typeface="Trebuchet MS"/>
+                <a:latin typeface="Trebuchet MS" panose="020B0603020202020204"/>
+                <a:ea typeface="Trebuchet MS" panose="020B0603020202020204"/>
               </a:rPr>
               <a:t>System Design</a:t>
             </a:r>
@@ -9907,7 +9853,7 @@
                   <a:srgbClr val="FFFFFF"/>
                 </a:solidFill>
               </a:uFill>
-              <a:latin typeface="Arial"/>
+              <a:latin typeface="Arial" panose="020B0604020202020204"/>
             </a:endParaRPr>
           </a:p>
         </p:txBody>
@@ -9962,8 +9908,8 @@
                     <a:srgbClr val="FFFFFF"/>
                   </a:solidFill>
                 </a:uFill>
-                <a:latin typeface="Trebuchet MS"/>
-                <a:ea typeface="Trebuchet MS"/>
+                <a:latin typeface="Trebuchet MS" panose="020B0603020202020204"/>
+                <a:ea typeface="Trebuchet MS" panose="020B0603020202020204"/>
               </a:rPr>
               <a:t>	</a:t>
             </a:r>
@@ -9976,7 +9922,7 @@
                   <a:srgbClr val="FFFFFF"/>
                 </a:solidFill>
               </a:uFill>
-              <a:latin typeface="Arial"/>
+              <a:latin typeface="Arial" panose="020B0604020202020204"/>
             </a:endParaRPr>
           </a:p>
           <a:p>
@@ -9994,7 +9940,7 @@
                   <a:srgbClr val="FFFFFF"/>
                 </a:solidFill>
               </a:uFill>
-              <a:latin typeface="Arial"/>
+              <a:latin typeface="Arial" panose="020B0604020202020204"/>
             </a:endParaRPr>
           </a:p>
           <a:p>
@@ -10012,7 +9958,7 @@
                   <a:srgbClr val="FFFFFF"/>
                 </a:solidFill>
               </a:uFill>
-              <a:latin typeface="Arial"/>
+              <a:latin typeface="Arial" panose="020B0604020202020204"/>
             </a:endParaRPr>
           </a:p>
           <a:p>
@@ -10030,7 +9976,7 @@
                   <a:srgbClr val="FFFFFF"/>
                 </a:solidFill>
               </a:uFill>
-              <a:latin typeface="Arial"/>
+              <a:latin typeface="Arial" panose="020B0604020202020204"/>
             </a:endParaRPr>
           </a:p>
           <a:p>
@@ -10048,7 +9994,7 @@
                   <a:srgbClr val="FFFFFF"/>
                 </a:solidFill>
               </a:uFill>
-              <a:latin typeface="Arial"/>
+              <a:latin typeface="Arial" panose="020B0604020202020204"/>
             </a:endParaRPr>
           </a:p>
           <a:p>
@@ -10066,41 +10012,29 @@
                   <a:srgbClr val="FFFFFF"/>
                 </a:solidFill>
               </a:uFill>
-              <a:latin typeface="Arial"/>
+              <a:latin typeface="Arial" panose="020B0604020202020204"/>
             </a:endParaRPr>
           </a:p>
         </p:txBody>
       </p:sp>
       <p:pic>
         <p:nvPicPr>
-          <p:cNvPr id="3" name="Picture 2" descr="Diagram&#10;&#10;Description automatically generated">
-            <a:extLst>
-              <a:ext uri="{FF2B5EF4-FFF2-40B4-BE49-F238E27FC236}">
-                <a16:creationId xmlns:a16="http://schemas.microsoft.com/office/drawing/2014/main" id="{546325F7-3EB9-414D-BAF6-0D950CB2C6E7}"/>
-              </a:ext>
-            </a:extLst>
-          </p:cNvPr>
+          <p:cNvPr id="2" name="Picture 1" descr="project (1)"/>
           <p:cNvPicPr>
             <a:picLocks noChangeAspect="1"/>
           </p:cNvPicPr>
           <p:nvPr/>
         </p:nvPicPr>
         <p:blipFill>
-          <a:blip r:embed="rId2">
-            <a:extLst>
-              <a:ext uri="{28A0092B-C50C-407E-A947-70E740481C1C}">
-                <a14:useLocalDpi xmlns:a14="http://schemas.microsoft.com/office/drawing/2010/main" val="0"/>
-              </a:ext>
-            </a:extLst>
-          </a:blip>
+          <a:blip r:embed="rId2"/>
           <a:stretch>
             <a:fillRect/>
           </a:stretch>
         </p:blipFill>
         <p:spPr>
           <a:xfrm>
-            <a:off x="73656" y="1615680"/>
-            <a:ext cx="8825948" cy="4586290"/>
+            <a:off x="1931035" y="1615440"/>
+            <a:ext cx="5281930" cy="4916805"/>
           </a:xfrm>
           <a:prstGeom prst="rect">
             <a:avLst/>
@@ -10112,33 +10046,6 @@
   <p:clrMapOvr>
     <a:masterClrMapping/>
   </p:clrMapOvr>
-  <p:timing>
-    <p:tnLst>
-      <p:par>
-        <p:cTn id="1" dur="indefinite" restart="never" nodeType="tmRoot">
-          <p:childTnLst>
-            <p:seq>
-              <p:cTn id="2" nodeType="mainSeq"/>
-              <p:prevCondLst>
-                <p:cond evt="onPrev" delay="0">
-                  <p:tgtEl>
-                    <p:sldTgt/>
-                  </p:tgtEl>
-                </p:cond>
-              </p:prevCondLst>
-              <p:nextCondLst>
-                <p:cond evt="onNext" delay="0">
-                  <p:tgtEl>
-                    <p:sldTgt/>
-                  </p:tgtEl>
-                </p:cond>
-              </p:nextCondLst>
-            </p:seq>
-          </p:childTnLst>
-        </p:cTn>
-      </p:par>
-    </p:tnLst>
-  </p:timing>
 </p:sld>
 </file>
 
@@ -10228,7 +10135,7 @@
           <a:bodyPr lIns="90000" tIns="45000" rIns="90000" bIns="45000"/>
           <a:lstStyle/>
           <a:p>
-            <a:pPr marL="343080" indent="-341280" algn="r">
+            <a:pPr marL="342900" indent="-340995" algn="r">
               <a:lnSpc>
                 <a:spcPct val="100000"/>
               </a:lnSpc>
@@ -10243,8 +10150,8 @@
                     <a:srgbClr val="FFFFFF"/>
                   </a:solidFill>
                 </a:uFill>
-                <a:latin typeface="Trebuchet MS"/>
-                <a:ea typeface="Trebuchet MS"/>
+                <a:latin typeface="Trebuchet MS" panose="020B0603020202020204"/>
+                <a:ea typeface="Trebuchet MS" panose="020B0603020202020204"/>
               </a:rPr>
               <a:t>Technologies Used</a:t>
             </a:r>
@@ -10257,7 +10164,7 @@
                   <a:srgbClr val="FFFFFF"/>
                 </a:solidFill>
               </a:uFill>
-              <a:latin typeface="Arial"/>
+              <a:latin typeface="Arial" panose="020B0604020202020204"/>
             </a:endParaRPr>
           </a:p>
         </p:txBody>
@@ -10311,20 +10218,14 @@
                   <a:srgbClr val="FFFFFF"/>
                 </a:solidFill>
               </a:uFill>
-              <a:latin typeface="Arial"/>
-            </a:endParaRPr>
-          </a:p>
-        </p:txBody>
-      </p:sp>
-      <p:sp>
-        <p:nvSpPr>
-          <p:cNvPr id="3" name="Text Placeholder 2">
-            <a:extLst>
-              <a:ext uri="{FF2B5EF4-FFF2-40B4-BE49-F238E27FC236}">
-                <a16:creationId xmlns:a16="http://schemas.microsoft.com/office/drawing/2014/main" id="{E9982D54-CA6E-4302-AE2D-B1ECE7CE6B26}"/>
-              </a:ext>
-            </a:extLst>
-          </p:cNvPr>
+              <a:latin typeface="Arial" panose="020B0604020202020204"/>
+            </a:endParaRPr>
+          </a:p>
+        </p:txBody>
+      </p:sp>
+      <p:sp>
+        <p:nvSpPr>
+          <p:cNvPr id="3" name="Text Placeholder 2"/>
           <p:cNvSpPr>
             <a:spLocks noGrp="1"/>
           </p:cNvSpPr>
@@ -10343,160 +10244,160 @@
           <a:lstStyle/>
           <a:p>
             <a:r>
-              <a:rPr lang="en-IN" sz="1800" b="1" dirty="0"/>
+              <a:rPr lang="en-IN" sz="1900" b="1" dirty="0"/>
               <a:t>Node.js                              :</a:t>
             </a:r>
             <a:r>
-              <a:rPr lang="en-IN" sz="1800" dirty="0"/>
+              <a:rPr lang="en-IN" sz="1900" dirty="0"/>
               <a:t>  For Creating the server instance</a:t>
             </a:r>
           </a:p>
           <a:p>
             <a:r>
-              <a:rPr lang="en-IN" sz="1800" b="1" dirty="0"/>
+              <a:rPr lang="en-IN" sz="1900" b="1" dirty="0"/>
               <a:t>Express/HTML                  :  </a:t>
             </a:r>
             <a:r>
-              <a:rPr lang="en-IN" sz="1800" dirty="0"/>
+              <a:rPr lang="en-IN" sz="1900" dirty="0"/>
               <a:t>For designing the frontend </a:t>
             </a:r>
           </a:p>
           <a:p>
             <a:r>
-              <a:rPr lang="en-IN" sz="1800" b="1" dirty="0" err="1"/>
+              <a:rPr lang="en-IN" sz="1900" b="1" dirty="0" err="1"/>
               <a:t>localtunnel</a:t>
             </a:r>
             <a:r>
-              <a:rPr lang="en-IN" sz="1800" b="1" dirty="0"/>
+              <a:rPr lang="en-IN" sz="1900" b="1" dirty="0"/>
               <a:t> </a:t>
             </a:r>
             <a:r>
-              <a:rPr lang="en-IN" sz="1800" b="1" dirty="0" err="1"/>
+              <a:rPr lang="en-IN" sz="1900" b="1" dirty="0" err="1"/>
               <a:t>npm</a:t>
             </a:r>
             <a:r>
-              <a:rPr lang="en-IN" sz="1800" b="1" dirty="0"/>
+              <a:rPr lang="en-IN" sz="1900" b="1" dirty="0"/>
               <a:t> module  : </a:t>
             </a:r>
             <a:r>
-              <a:rPr lang="en-IN" sz="1800" dirty="0"/>
+              <a:rPr lang="en-IN" sz="1900" dirty="0"/>
               <a:t>To expose the server to internet </a:t>
             </a:r>
-            <a:endParaRPr lang="en-IN" sz="1800" b="1" dirty="0"/>
-          </a:p>
-          <a:p>
-            <a:r>
-              <a:rPr lang="en-IN" sz="1800" b="1" dirty="0"/>
+            <a:endParaRPr lang="en-IN" sz="1900" b="1" dirty="0"/>
+          </a:p>
+          <a:p>
+            <a:r>
+              <a:rPr lang="en-IN" sz="1900" b="1" dirty="0"/>
               <a:t>Python                               :  </a:t>
             </a:r>
             <a:r>
-              <a:rPr lang="en-IN" sz="1800" dirty="0"/>
+              <a:rPr lang="en-IN" sz="1900" dirty="0"/>
               <a:t>Major Programming language used</a:t>
             </a:r>
-            <a:endParaRPr lang="en-IN" sz="1800" b="1" dirty="0"/>
-          </a:p>
-          <a:p>
-            <a:r>
-              <a:rPr lang="en-IN" sz="1800" b="1" dirty="0"/>
-              <a:t>free-proxy-list.net	    :  </a:t>
-            </a:r>
-            <a:r>
-              <a:rPr lang="en-IN" sz="1800" dirty="0"/>
-              <a:t>For generating traffic which seems to originate 			       from different locations</a:t>
-            </a:r>
-            <a:endParaRPr lang="en-IN" sz="1800" b="1" dirty="0"/>
-          </a:p>
-          <a:p>
-            <a:r>
-              <a:rPr lang="en-IN" sz="1800" b="1" dirty="0"/>
-              <a:t>Packet-Sender                  :   </a:t>
-            </a:r>
-            <a:r>
-              <a:rPr lang="en-IN" sz="1800" dirty="0"/>
+            <a:endParaRPr lang="en-IN" sz="1900" b="1" dirty="0"/>
+          </a:p>
+          <a:p>
+            <a:r>
+              <a:rPr lang="en-IN" sz="1900" b="1" dirty="0"/>
+              <a:t>free-proxy-list.net	  :  </a:t>
+            </a:r>
+            <a:r>
+              <a:rPr lang="en-IN" sz="1900" dirty="0"/>
+              <a:t>For generating traffic which seems to originate 			     from different locations</a:t>
+            </a:r>
+            <a:endParaRPr lang="en-IN" sz="1900" b="1" dirty="0"/>
+          </a:p>
+          <a:p>
+            <a:r>
+              <a:rPr lang="en-IN" sz="1900" b="1" dirty="0"/>
+              <a:t>Packet-Sender                  :  </a:t>
+            </a:r>
+            <a:r>
+              <a:rPr lang="en-IN" sz="1900" dirty="0"/>
               <a:t>A free tool for generating traffic</a:t>
             </a:r>
-            <a:endParaRPr lang="en-IN" sz="1800" b="1" dirty="0"/>
-          </a:p>
-          <a:p>
-            <a:r>
-              <a:rPr lang="en-IN" sz="1800" b="1" dirty="0" err="1"/>
+            <a:endParaRPr lang="en-IN" sz="1900" b="1" dirty="0"/>
+          </a:p>
+          <a:p>
+            <a:r>
+              <a:rPr lang="en-IN" sz="1900" b="1" dirty="0" err="1"/>
               <a:t>Tshark</a:t>
             </a:r>
             <a:r>
-              <a:rPr lang="en-IN" sz="1800" b="1" dirty="0"/>
+              <a:rPr lang="en-IN" sz="1900" b="1" dirty="0"/>
               <a:t>                                :  </a:t>
             </a:r>
             <a:r>
-              <a:rPr lang="en-IN" sz="1800" dirty="0"/>
+              <a:rPr lang="en-IN" sz="1900" dirty="0"/>
               <a:t>Packet sniffer used to capture network traffic</a:t>
             </a:r>
-            <a:endParaRPr lang="en-IN" sz="1800" b="1" dirty="0"/>
-          </a:p>
-          <a:p>
-            <a:r>
-              <a:rPr lang="en-IN" sz="1800" b="1" dirty="0"/>
-              <a:t>Wireshark	                  :  </a:t>
-            </a:r>
-            <a:r>
-              <a:rPr lang="en-IN" sz="1800" dirty="0"/>
-              <a:t>Wireshark was used during the development of                                                         		                      the project.</a:t>
-            </a:r>
-            <a:endParaRPr lang="en-IN" sz="1800" b="1" dirty="0"/>
-          </a:p>
-          <a:p>
-            <a:r>
-              <a:rPr lang="en-IN" sz="1800" b="1" dirty="0"/>
+            <a:endParaRPr lang="en-IN" sz="1900" b="1" dirty="0"/>
+          </a:p>
+          <a:p>
+            <a:r>
+              <a:rPr lang="en-IN" sz="1900" b="1" dirty="0"/>
+              <a:t>Wireshark	                :  </a:t>
+            </a:r>
+            <a:r>
+              <a:rPr lang="en-IN" sz="1900" dirty="0"/>
+              <a:t>Wireshark was used during the development of                                                         		                   the project.</a:t>
+            </a:r>
+            <a:endParaRPr lang="en-IN" sz="1900" b="1" dirty="0"/>
+          </a:p>
+          <a:p>
+            <a:r>
+              <a:rPr lang="en-IN" sz="1900" b="1" dirty="0"/>
               <a:t>Bash                                   :  </a:t>
             </a:r>
             <a:r>
-              <a:rPr lang="en-IN" sz="1800" dirty="0"/>
+              <a:rPr lang="en-IN" sz="1900" dirty="0"/>
               <a:t>Used to automate execution of some scripts </a:t>
             </a:r>
-            <a:endParaRPr lang="en-IN" sz="1800" b="1" dirty="0"/>
-          </a:p>
-          <a:p>
-            <a:r>
-              <a:rPr lang="en-IN" sz="1800" b="1" dirty="0" err="1"/>
+            <a:endParaRPr lang="en-IN" sz="1900" b="1" dirty="0"/>
+          </a:p>
+          <a:p>
+            <a:r>
+              <a:rPr lang="en-IN" sz="1900" b="1" dirty="0" err="1"/>
               <a:t>Scapy</a:t>
             </a:r>
             <a:r>
-              <a:rPr lang="en-IN" sz="1800" b="1" dirty="0"/>
+              <a:rPr lang="en-IN" sz="1900" b="1" dirty="0"/>
               <a:t>                                 :  </a:t>
             </a:r>
             <a:r>
-              <a:rPr lang="en-IN" sz="1800" dirty="0"/>
+              <a:rPr lang="en-IN" sz="1900" dirty="0"/>
               <a:t>Used to process the capture file &amp; extract data </a:t>
             </a:r>
             <a:r>
-              <a:rPr lang="en-IN" sz="1800" b="1" dirty="0"/>
+              <a:rPr lang="en-IN" sz="1900" b="1" dirty="0"/>
               <a:t>    </a:t>
             </a:r>
           </a:p>
           <a:p>
             <a:r>
-              <a:rPr lang="en-IN" sz="1800" b="1" dirty="0"/>
+              <a:rPr lang="en-IN" sz="1900" b="1" dirty="0"/>
               <a:t>ip-api.com                          :  </a:t>
             </a:r>
             <a:r>
-              <a:rPr lang="en-IN" sz="1800" dirty="0"/>
+              <a:rPr lang="en-IN" sz="1900" dirty="0"/>
               <a:t>API used to get geolocation from IPv4 address</a:t>
             </a:r>
-            <a:endParaRPr lang="en-IN" sz="1800" b="1" dirty="0"/>
-          </a:p>
-          <a:p>
-            <a:r>
-              <a:rPr lang="en-IN" sz="1800" b="1" dirty="0" err="1"/>
+            <a:endParaRPr lang="en-IN" sz="1900" b="1" dirty="0"/>
+          </a:p>
+          <a:p>
+            <a:r>
+              <a:rPr lang="en-IN" sz="1900" b="1" dirty="0" err="1"/>
               <a:t>Plotly</a:t>
             </a:r>
             <a:r>
-              <a:rPr lang="en-IN" sz="1800" b="1" dirty="0"/>
+              <a:rPr lang="en-IN" sz="1900" b="1" dirty="0"/>
               <a:t>                                  :  </a:t>
             </a:r>
             <a:r>
-              <a:rPr lang="en-IN" sz="1800" dirty="0"/>
+              <a:rPr lang="en-IN" sz="1900" dirty="0"/>
               <a:t>Python library used to make interactive graphs</a:t>
             </a:r>
-            <a:endParaRPr lang="en-IN" sz="1800" b="1" dirty="0"/>
+            <a:endParaRPr lang="en-IN" sz="1900" b="1" dirty="0"/>
           </a:p>
         </p:txBody>
       </p:sp>
@@ -10505,33 +10406,6 @@
   <p:clrMapOvr>
     <a:masterClrMapping/>
   </p:clrMapOvr>
-  <p:timing>
-    <p:tnLst>
-      <p:par>
-        <p:cTn id="1" dur="indefinite" restart="never" nodeType="tmRoot">
-          <p:childTnLst>
-            <p:seq>
-              <p:cTn id="2" nodeType="mainSeq"/>
-              <p:prevCondLst>
-                <p:cond evt="onPrev" delay="0">
-                  <p:tgtEl>
-                    <p:sldTgt/>
-                  </p:tgtEl>
-                </p:cond>
-              </p:prevCondLst>
-              <p:nextCondLst>
-                <p:cond evt="onNext" delay="0">
-                  <p:tgtEl>
-                    <p:sldTgt/>
-                  </p:tgtEl>
-                </p:cond>
-              </p:nextCondLst>
-            </p:seq>
-          </p:childTnLst>
-        </p:cTn>
-      </p:par>
-    </p:tnLst>
-  </p:timing>
 </p:sld>
 </file>
 
@@ -10621,7 +10495,7 @@
           <a:bodyPr lIns="90000" tIns="45000" rIns="90000" bIns="45000"/>
           <a:lstStyle/>
           <a:p>
-            <a:pPr marL="343080" indent="-341280" algn="r">
+            <a:pPr marL="342900" indent="-340995" algn="r">
               <a:lnSpc>
                 <a:spcPct val="100000"/>
               </a:lnSpc>
@@ -10636,8 +10510,8 @@
                     <a:srgbClr val="FFFFFF"/>
                   </a:solidFill>
                 </a:uFill>
-                <a:latin typeface="Trebuchet MS"/>
-                <a:ea typeface="Trebuchet MS"/>
+                <a:latin typeface="Trebuchet MS" panose="020B0603020202020204"/>
+                <a:ea typeface="Trebuchet MS" panose="020B0603020202020204"/>
               </a:rPr>
               <a:t>Project Progress so far</a:t>
             </a:r>
@@ -10650,20 +10524,14 @@
                   <a:srgbClr val="FFFFFF"/>
                 </a:solidFill>
               </a:uFill>
-              <a:latin typeface="Arial"/>
-            </a:endParaRPr>
-          </a:p>
-        </p:txBody>
-      </p:sp>
-      <p:sp>
-        <p:nvSpPr>
-          <p:cNvPr id="3" name="Text Placeholder 2">
-            <a:extLst>
-              <a:ext uri="{FF2B5EF4-FFF2-40B4-BE49-F238E27FC236}">
-                <a16:creationId xmlns:a16="http://schemas.microsoft.com/office/drawing/2014/main" id="{40212E86-2E4A-4273-BC7B-6B6E878D2ECA}"/>
-              </a:ext>
-            </a:extLst>
-          </p:cNvPr>
+              <a:latin typeface="Arial" panose="020B0604020202020204"/>
+            </a:endParaRPr>
+          </a:p>
+        </p:txBody>
+      </p:sp>
+      <p:sp>
+        <p:nvSpPr>
+          <p:cNvPr id="3" name="Text Placeholder 2"/>
           <p:cNvSpPr>
             <a:spLocks noGrp="1"/>
           </p:cNvSpPr>
@@ -10673,7 +10541,7 @@
         </p:nvSpPr>
         <p:spPr>
           <a:xfrm>
-            <a:off x="457380" y="1837785"/>
+            <a:off x="457380" y="1753810"/>
             <a:ext cx="8229240" cy="4341482"/>
           </a:xfrm>
         </p:spPr>
@@ -10681,8 +10549,12 @@
           <a:bodyPr/>
           <a:lstStyle/>
           <a:p>
-            <a:r>
-              <a:rPr lang="en-IN" sz="2700" dirty="0">
+            <a:pPr marL="457200" indent="-457200">
+              <a:buFont typeface="Arial" panose="020B0604020202020204" pitchFamily="34" charset="0"/>
+              <a:buChar char="•"/>
+            </a:pPr>
+            <a:r>
+              <a:rPr lang="en-IN" sz="2600" dirty="0">
                 <a:solidFill>
                   <a:srgbClr val="002060"/>
                 </a:solidFill>
@@ -10691,8 +10563,19 @@
             </a:r>
           </a:p>
           <a:p>
-            <a:r>
-              <a:rPr lang="en-IN" sz="2700" dirty="0">
+            <a:endParaRPr lang="en-IN" sz="2600" dirty="0">
+              <a:solidFill>
+                <a:srgbClr val="002060"/>
+              </a:solidFill>
+            </a:endParaRPr>
+          </a:p>
+          <a:p>
+            <a:pPr marL="457200" indent="-457200">
+              <a:buFont typeface="Arial" panose="020B0604020202020204" pitchFamily="34" charset="0"/>
+              <a:buChar char="•"/>
+            </a:pPr>
+            <a:r>
+              <a:rPr lang="en-IN" sz="2600" dirty="0">
                 <a:solidFill>
                   <a:srgbClr val="002060"/>
                 </a:solidFill>
@@ -10701,8 +10584,19 @@
             </a:r>
           </a:p>
           <a:p>
-            <a:r>
-              <a:rPr lang="en-IN" sz="2700" dirty="0">
+            <a:endParaRPr lang="en-IN" sz="2600" dirty="0">
+              <a:solidFill>
+                <a:srgbClr val="002060"/>
+              </a:solidFill>
+            </a:endParaRPr>
+          </a:p>
+          <a:p>
+            <a:pPr marL="457200" indent="-457200">
+              <a:buFont typeface="Arial" panose="020B0604020202020204" pitchFamily="34" charset="0"/>
+              <a:buChar char="•"/>
+            </a:pPr>
+            <a:r>
+              <a:rPr lang="en-IN" sz="2600" dirty="0">
                 <a:solidFill>
                   <a:srgbClr val="002060"/>
                 </a:solidFill>
@@ -10711,8 +10605,19 @@
             </a:r>
           </a:p>
           <a:p>
-            <a:r>
-              <a:rPr lang="en-IN" sz="2700" dirty="0">
+            <a:endParaRPr lang="en-IN" sz="2600" dirty="0">
+              <a:solidFill>
+                <a:srgbClr val="002060"/>
+              </a:solidFill>
+            </a:endParaRPr>
+          </a:p>
+          <a:p>
+            <a:pPr marL="457200" indent="-457200">
+              <a:buFont typeface="Arial" panose="020B0604020202020204" pitchFamily="34" charset="0"/>
+              <a:buChar char="•"/>
+            </a:pPr>
+            <a:r>
+              <a:rPr lang="en-IN" sz="2600" dirty="0">
                 <a:solidFill>
                   <a:srgbClr val="002060"/>
                 </a:solidFill>
@@ -10728,7 +10633,7 @@
                   <a:srgbClr val="002060"/>
                 </a:solidFill>
               </a:rPr>
-              <a:t> A bar chart showing number of requests from each country</a:t>
+              <a:t>  	A bar chart showing number of requests from each country</a:t>
             </a:r>
           </a:p>
           <a:p>
@@ -10739,7 +10644,7 @@
                   <a:srgbClr val="002060"/>
                 </a:solidFill>
               </a:rPr>
-              <a:t>A globe map of traffic sources</a:t>
+              <a:t>	A globe map of traffic sources</a:t>
             </a:r>
           </a:p>
         </p:txBody>
@@ -10749,33 +10654,6 @@
   <p:clrMapOvr>
     <a:masterClrMapping/>
   </p:clrMapOvr>
-  <p:timing>
-    <p:tnLst>
-      <p:par>
-        <p:cTn id="1" dur="indefinite" restart="never" nodeType="tmRoot">
-          <p:childTnLst>
-            <p:seq>
-              <p:cTn id="2" nodeType="mainSeq"/>
-              <p:prevCondLst>
-                <p:cond evt="onPrev" delay="0">
-                  <p:tgtEl>
-                    <p:sldTgt/>
-                  </p:tgtEl>
-                </p:cond>
-              </p:prevCondLst>
-              <p:nextCondLst>
-                <p:cond evt="onNext" delay="0">
-                  <p:tgtEl>
-                    <p:sldTgt/>
-                  </p:tgtEl>
-                </p:cond>
-              </p:nextCondLst>
-            </p:seq>
-          </p:childTnLst>
-        </p:cTn>
-      </p:par>
-    </p:tnLst>
-  </p:timing>
 </p:sld>
 </file>
 
@@ -10842,7 +10720,7 @@
                     <a:srgbClr val="FFFFFF"/>
                   </a:solidFill>
                 </a:uFill>
-                <a:latin typeface="Trebuchet MS"/>
+                <a:latin typeface="Trebuchet MS" panose="020B0603020202020204"/>
               </a:rPr>
               <a:t>Recently NEET result was out and like every year the server was down within minutes . The total number of candidates which appeared for NEET was more than 15 lakhs . But all of these students are not distributed equally in the country. The number of students in each state vary. So we could try to reduce the problem of servers crashing by analysing from which regions the traffic is more and using this </a:t>
             </a:r>
@@ -10856,7 +10734,7 @@
                     <a:srgbClr val="FFFFFF"/>
                   </a:solidFill>
                 </a:uFill>
-                <a:latin typeface="Trebuchet MS"/>
+                <a:latin typeface="Trebuchet MS" panose="020B0603020202020204"/>
               </a:rPr>
               <a:t>data, </a:t>
             </a:r>
@@ -10870,7 +10748,7 @@
                     <a:srgbClr val="FFFFFF"/>
                   </a:solidFill>
                 </a:uFill>
-                <a:latin typeface="Trebuchet MS"/>
+                <a:latin typeface="Trebuchet MS" panose="020B0603020202020204"/>
               </a:rPr>
               <a:t>edge servers could be set up in such regions.</a:t>
             </a:r>
@@ -10887,7 +10765,7 @@
                     <a:srgbClr val="FFFFFF"/>
                   </a:solidFill>
                 </a:uFill>
-                <a:latin typeface="Trebuchet MS"/>
+                <a:latin typeface="Trebuchet MS" panose="020B0603020202020204"/>
               </a:rPr>
               <a:t> </a:t>
             </a:r>
@@ -10900,8 +10778,8 @@
                   <a:srgbClr val="FFFFFF"/>
                 </a:solidFill>
               </a:uFill>
-              <a:latin typeface="Trebuchet MS"/>
-              <a:ea typeface="Trebuchet MS"/>
+              <a:latin typeface="Trebuchet MS" panose="020B0603020202020204"/>
+              <a:ea typeface="Trebuchet MS" panose="020B0603020202020204"/>
             </a:endParaRPr>
           </a:p>
           <a:p>
@@ -10920,8 +10798,8 @@
                     <a:srgbClr val="FFFFFF"/>
                   </a:solidFill>
                 </a:uFill>
-                <a:latin typeface="Trebuchet MS"/>
-                <a:ea typeface="Trebuchet MS"/>
+                <a:latin typeface="Trebuchet MS" panose="020B0603020202020204"/>
+                <a:ea typeface="Trebuchet MS" panose="020B0603020202020204"/>
               </a:rPr>
               <a:t>     </a:t>
             </a:r>
@@ -10942,8 +10820,8 @@
                     <a:srgbClr val="FFFFFF"/>
                   </a:solidFill>
                 </a:uFill>
-                <a:latin typeface="Trebuchet MS"/>
-                <a:ea typeface="Trebuchet MS"/>
+                <a:latin typeface="Trebuchet MS" panose="020B0603020202020204"/>
+                <a:ea typeface="Trebuchet MS" panose="020B0603020202020204"/>
               </a:rPr>
               <a:t>Thank You</a:t>
             </a:r>
@@ -10963,20 +10841,14 @@
                   <a:srgbClr val="FFFFFF"/>
                 </a:solidFill>
               </a:uFill>
-              <a:latin typeface="Arial"/>
-            </a:endParaRPr>
-          </a:p>
-        </p:txBody>
-      </p:sp>
-      <p:sp>
-        <p:nvSpPr>
-          <p:cNvPr id="2" name="Title 1">
-            <a:extLst>
-              <a:ext uri="{FF2B5EF4-FFF2-40B4-BE49-F238E27FC236}">
-                <a16:creationId xmlns:a16="http://schemas.microsoft.com/office/drawing/2014/main" id="{4EE13CC6-5B57-44C9-B2FF-E5071901ACA1}"/>
-              </a:ext>
-            </a:extLst>
-          </p:cNvPr>
+              <a:latin typeface="Arial" panose="020B0604020202020204"/>
+            </a:endParaRPr>
+          </a:p>
+        </p:txBody>
+      </p:sp>
+      <p:sp>
+        <p:nvSpPr>
+          <p:cNvPr id="2" name="Title 1"/>
           <p:cNvSpPr>
             <a:spLocks noGrp="1"/>
           </p:cNvSpPr>
@@ -11011,33 +10883,6 @@
   <p:clrMapOvr>
     <a:masterClrMapping/>
   </p:clrMapOvr>
-  <p:timing>
-    <p:tnLst>
-      <p:par>
-        <p:cTn id="1" dur="indefinite" restart="never" nodeType="tmRoot">
-          <p:childTnLst>
-            <p:seq>
-              <p:cTn id="2" nodeType="mainSeq"/>
-              <p:prevCondLst>
-                <p:cond evt="onPrev" delay="0">
-                  <p:tgtEl>
-                    <p:sldTgt/>
-                  </p:tgtEl>
-                </p:cond>
-              </p:prevCondLst>
-              <p:nextCondLst>
-                <p:cond evt="onNext" delay="0">
-                  <p:tgtEl>
-                    <p:sldTgt/>
-                  </p:tgtEl>
-                </p:cond>
-              </p:nextCondLst>
-            </p:seq>
-          </p:childTnLst>
-        </p:cTn>
-      </p:par>
-    </p:tnLst>
-  </p:timing>
 </p:sld>
 </file>
 
@@ -11263,6 +11108,11 @@
   </a:themeElements>
   <a:objectDefaults/>
   <a:extraClrSchemeLst/>
+  <a:extLst>
+    <a:ext uri="{05A4C25C-085E-4340-85A3-A5531E510DB2}">
+      <thm15:themeFamily xmlns:thm15="http://schemas.microsoft.com/office/thememl/2012/main" name="Office Theme" id="{62F939B6-93AF-4DB8-9C6B-D6C7DFDC589F}" vid="{4A3C46E8-61CC-4603-A589-7422A47A8E4A}"/>
+    </a:ext>
+  </a:extLst>
 </a:theme>
 </file>
 
@@ -11488,6 +11338,11 @@
   </a:themeElements>
   <a:objectDefaults/>
   <a:extraClrSchemeLst/>
+  <a:extLst>
+    <a:ext uri="{05A4C25C-085E-4340-85A3-A5531E510DB2}">
+      <thm15:themeFamily xmlns:thm15="http://schemas.microsoft.com/office/thememl/2012/main" name="Office Theme" id="{62F939B6-93AF-4DB8-9C6B-D6C7DFDC589F}" vid="{4A3C46E8-61CC-4603-A589-7422A47A8E4A}"/>
+    </a:ext>
+  </a:extLst>
 </a:theme>
 </file>
 
@@ -11713,6 +11568,11 @@
   </a:themeElements>
   <a:objectDefaults/>
   <a:extraClrSchemeLst/>
+  <a:extLst>
+    <a:ext uri="{05A4C25C-085E-4340-85A3-A5531E510DB2}">
+      <thm15:themeFamily xmlns:thm15="http://schemas.microsoft.com/office/thememl/2012/main" name="Office Theme" id="{62F939B6-93AF-4DB8-9C6B-D6C7DFDC589F}" vid="{4A3C46E8-61CC-4603-A589-7422A47A8E4A}"/>
+    </a:ext>
+  </a:extLst>
 </a:theme>
 </file>
 
@@ -11938,5 +11798,10 @@
   </a:themeElements>
   <a:objectDefaults/>
   <a:extraClrSchemeLst/>
+  <a:extLst>
+    <a:ext uri="{05A4C25C-085E-4340-85A3-A5531E510DB2}">
+      <thm15:themeFamily xmlns:thm15="http://schemas.microsoft.com/office/thememl/2012/main" name="Office Theme" id="{62F939B6-93AF-4DB8-9C6B-D6C7DFDC589F}" vid="{4A3C46E8-61CC-4603-A589-7422A47A8E4A}"/>
+    </a:ext>
+  </a:extLst>
 </a:theme>
 </file>